--- a/slides/intro_ggplot2.pptx
+++ b/slides/intro_ggplot2.pptx
@@ -19,8 +19,8 @@
     <p:sldId id="257" r:id="rId13"/>
     <p:sldId id="279" r:id="rId14"/>
     <p:sldId id="267" r:id="rId15"/>
-    <p:sldId id="270" r:id="rId16"/>
-    <p:sldId id="276" r:id="rId17"/>
+    <p:sldId id="276" r:id="rId16"/>
+    <p:sldId id="270" r:id="rId17"/>
     <p:sldId id="271" r:id="rId18"/>
     <p:sldId id="272" r:id="rId19"/>
     <p:sldId id="273" r:id="rId20"/>
@@ -28,6 +28,17 @@
     <p:sldId id="275" r:id="rId22"/>
     <p:sldId id="277" r:id="rId23"/>
     <p:sldId id="278" r:id="rId24"/>
+    <p:sldId id="280" r:id="rId25"/>
+    <p:sldId id="281" r:id="rId26"/>
+    <p:sldId id="282" r:id="rId27"/>
+    <p:sldId id="287" r:id="rId28"/>
+    <p:sldId id="288" r:id="rId29"/>
+    <p:sldId id="289" r:id="rId30"/>
+    <p:sldId id="290" r:id="rId31"/>
+    <p:sldId id="283" r:id="rId32"/>
+    <p:sldId id="284" r:id="rId33"/>
+    <p:sldId id="285" r:id="rId34"/>
+    <p:sldId id="286" r:id="rId35"/>
   </p:sldIdLst>
   <p:sldSz cx="12192000" cy="6858000"/>
   <p:notesSz cx="6858000" cy="9144000"/>
@@ -265,7 +276,7 @@
           <a:p>
             <a:fld id="{3327A99C-74C4-48BE-A4A2-C59926EA5F7C}" type="datetimeFigureOut">
               <a:rPr lang="en-US" smtClean="0"/>
-              <a:t>6/3/2020</a:t>
+              <a:t>6/6/2020</a:t>
             </a:fld>
             <a:endParaRPr lang="en-US"/>
           </a:p>
@@ -435,7 +446,7 @@
           <a:p>
             <a:fld id="{3327A99C-74C4-48BE-A4A2-C59926EA5F7C}" type="datetimeFigureOut">
               <a:rPr lang="en-US" smtClean="0"/>
-              <a:t>6/3/2020</a:t>
+              <a:t>6/6/2020</a:t>
             </a:fld>
             <a:endParaRPr lang="en-US"/>
           </a:p>
@@ -615,7 +626,7 @@
           <a:p>
             <a:fld id="{3327A99C-74C4-48BE-A4A2-C59926EA5F7C}" type="datetimeFigureOut">
               <a:rPr lang="en-US" smtClean="0"/>
-              <a:t>6/3/2020</a:t>
+              <a:t>6/6/2020</a:t>
             </a:fld>
             <a:endParaRPr lang="en-US"/>
           </a:p>
@@ -785,7 +796,7 @@
           <a:p>
             <a:fld id="{3327A99C-74C4-48BE-A4A2-C59926EA5F7C}" type="datetimeFigureOut">
               <a:rPr lang="en-US" smtClean="0"/>
-              <a:t>6/3/2020</a:t>
+              <a:t>6/6/2020</a:t>
             </a:fld>
             <a:endParaRPr lang="en-US"/>
           </a:p>
@@ -1031,7 +1042,7 @@
           <a:p>
             <a:fld id="{3327A99C-74C4-48BE-A4A2-C59926EA5F7C}" type="datetimeFigureOut">
               <a:rPr lang="en-US" smtClean="0"/>
-              <a:t>6/3/2020</a:t>
+              <a:t>6/6/2020</a:t>
             </a:fld>
             <a:endParaRPr lang="en-US"/>
           </a:p>
@@ -1263,7 +1274,7 @@
           <a:p>
             <a:fld id="{3327A99C-74C4-48BE-A4A2-C59926EA5F7C}" type="datetimeFigureOut">
               <a:rPr lang="en-US" smtClean="0"/>
-              <a:t>6/3/2020</a:t>
+              <a:t>6/6/2020</a:t>
             </a:fld>
             <a:endParaRPr lang="en-US"/>
           </a:p>
@@ -1630,7 +1641,7 @@
           <a:p>
             <a:fld id="{3327A99C-74C4-48BE-A4A2-C59926EA5F7C}" type="datetimeFigureOut">
               <a:rPr lang="en-US" smtClean="0"/>
-              <a:t>6/3/2020</a:t>
+              <a:t>6/6/2020</a:t>
             </a:fld>
             <a:endParaRPr lang="en-US"/>
           </a:p>
@@ -1748,7 +1759,7 @@
           <a:p>
             <a:fld id="{3327A99C-74C4-48BE-A4A2-C59926EA5F7C}" type="datetimeFigureOut">
               <a:rPr lang="en-US" smtClean="0"/>
-              <a:t>6/3/2020</a:t>
+              <a:t>6/6/2020</a:t>
             </a:fld>
             <a:endParaRPr lang="en-US"/>
           </a:p>
@@ -1843,7 +1854,7 @@
           <a:p>
             <a:fld id="{3327A99C-74C4-48BE-A4A2-C59926EA5F7C}" type="datetimeFigureOut">
               <a:rPr lang="en-US" smtClean="0"/>
-              <a:t>6/3/2020</a:t>
+              <a:t>6/6/2020</a:t>
             </a:fld>
             <a:endParaRPr lang="en-US"/>
           </a:p>
@@ -2120,7 +2131,7 @@
           <a:p>
             <a:fld id="{3327A99C-74C4-48BE-A4A2-C59926EA5F7C}" type="datetimeFigureOut">
               <a:rPr lang="en-US" smtClean="0"/>
-              <a:t>6/3/2020</a:t>
+              <a:t>6/6/2020</a:t>
             </a:fld>
             <a:endParaRPr lang="en-US"/>
           </a:p>
@@ -2373,7 +2384,7 @@
           <a:p>
             <a:fld id="{3327A99C-74C4-48BE-A4A2-C59926EA5F7C}" type="datetimeFigureOut">
               <a:rPr lang="en-US" smtClean="0"/>
-              <a:t>6/3/2020</a:t>
+              <a:t>6/6/2020</a:t>
             </a:fld>
             <a:endParaRPr lang="en-US"/>
           </a:p>
@@ -2586,7 +2597,7 @@
           <a:p>
             <a:fld id="{3327A99C-74C4-48BE-A4A2-C59926EA5F7C}" type="datetimeFigureOut">
               <a:rPr lang="en-US" smtClean="0"/>
-              <a:t>6/3/2020</a:t>
+              <a:t>6/6/2020</a:t>
             </a:fld>
             <a:endParaRPr lang="en-US"/>
           </a:p>
@@ -4277,7 +4288,6 @@
               <a:rPr lang="en-US" dirty="0" smtClean="0"/>
               <a:t> again – you have to do this each time you restart</a:t>
             </a:r>
-            <a:endParaRPr lang="en-US" dirty="0" smtClean="0"/>
           </a:p>
           <a:p>
             <a:pPr>
@@ -4446,16 +4456,40 @@
           <a:chExt cx="0" cy="0"/>
         </a:xfrm>
       </p:grpSpPr>
-      <p:sp>
-        <p:nvSpPr>
-          <p:cNvPr id="4" name="TextBox 3"/>
+      <p:pic>
+        <p:nvPicPr>
+          <p:cNvPr id="4" name="Picture 3"/>
+          <p:cNvPicPr>
+            <a:picLocks noChangeAspect="1"/>
+          </p:cNvPicPr>
+          <p:nvPr/>
+        </p:nvPicPr>
+        <p:blipFill>
+          <a:blip r:embed="rId2"/>
+          <a:stretch>
+            <a:fillRect/>
+          </a:stretch>
+        </p:blipFill>
+        <p:spPr>
+          <a:xfrm>
+            <a:off x="2266120" y="672181"/>
+            <a:ext cx="7812157" cy="5881653"/>
+          </a:xfrm>
+          <a:prstGeom prst="rect">
+            <a:avLst/>
+          </a:prstGeom>
+        </p:spPr>
+      </p:pic>
+      <p:sp>
+        <p:nvSpPr>
+          <p:cNvPr id="5" name="TextBox 4"/>
           <p:cNvSpPr txBox="1"/>
           <p:nvPr/>
         </p:nvSpPr>
         <p:spPr>
           <a:xfrm>
-            <a:off x="715617" y="457200"/>
-            <a:ext cx="1794209" cy="523220"/>
+            <a:off x="347869" y="176335"/>
+            <a:ext cx="2489784" cy="369332"/>
           </a:xfrm>
           <a:prstGeom prst="rect">
             <a:avLst/>
@@ -4469,38 +4503,8 @@
           <a:lstStyle/>
           <a:p>
             <a:r>
-              <a:rPr lang="en-US" sz="2800" b="1" dirty="0" err="1" smtClean="0"/>
-              <a:t>Linegraphs</a:t>
-            </a:r>
-            <a:endParaRPr lang="en-US" b="1" dirty="0"/>
-          </a:p>
-        </p:txBody>
-      </p:sp>
-      <p:sp>
-        <p:nvSpPr>
-          <p:cNvPr id="5" name="TextBox 4"/>
-          <p:cNvSpPr txBox="1"/>
-          <p:nvPr/>
-        </p:nvSpPr>
-        <p:spPr>
-          <a:xfrm>
-            <a:off x="3766930" y="534144"/>
-            <a:ext cx="5618333" cy="369332"/>
-          </a:xfrm>
-          <a:prstGeom prst="rect">
-            <a:avLst/>
-          </a:prstGeom>
-          <a:noFill/>
-        </p:spPr>
-        <p:txBody>
-          <a:bodyPr wrap="none" rtlCol="0">
-            <a:spAutoFit/>
-          </a:bodyPr>
-          <a:lstStyle/>
-          <a:p>
-            <a:r>
               <a:rPr lang="en-US" dirty="0" smtClean="0"/>
-              <a:t>Visualizing a continuous variable (y-axis) over time (x-axis)</a:t>
+              <a:t>Visualizing multiple lines</a:t>
             </a:r>
             <a:endParaRPr lang="en-US" dirty="0"/>
           </a:p>
@@ -4509,7 +4513,7 @@
     </p:spTree>
     <p:extLst>
       <p:ext uri="{BB962C8B-B14F-4D97-AF65-F5344CB8AC3E}">
-        <p14:creationId xmlns:p14="http://schemas.microsoft.com/office/powerpoint/2010/main" val="3501386858"/>
+        <p14:creationId xmlns:p14="http://schemas.microsoft.com/office/powerpoint/2010/main" val="2599507339"/>
       </p:ext>
     </p:extLst>
   </p:cSld>
@@ -4536,9 +4540,81 @@
           <a:chExt cx="0" cy="0"/>
         </a:xfrm>
       </p:grpSpPr>
+      <p:sp>
+        <p:nvSpPr>
+          <p:cNvPr id="4" name="TextBox 3"/>
+          <p:cNvSpPr txBox="1"/>
+          <p:nvPr/>
+        </p:nvSpPr>
+        <p:spPr>
+          <a:xfrm>
+            <a:off x="715617" y="457200"/>
+            <a:ext cx="1794209" cy="523220"/>
+          </a:xfrm>
+          <a:prstGeom prst="rect">
+            <a:avLst/>
+          </a:prstGeom>
+          <a:noFill/>
+        </p:spPr>
+        <p:txBody>
+          <a:bodyPr wrap="none" rtlCol="0">
+            <a:spAutoFit/>
+          </a:bodyPr>
+          <a:lstStyle/>
+          <a:p>
+            <a:r>
+              <a:rPr lang="en-US" sz="2800" b="1" dirty="0" err="1" smtClean="0"/>
+              <a:t>Linegraphs</a:t>
+            </a:r>
+            <a:endParaRPr lang="en-US" b="1" dirty="0"/>
+          </a:p>
+        </p:txBody>
+      </p:sp>
+      <p:sp>
+        <p:nvSpPr>
+          <p:cNvPr id="5" name="TextBox 4"/>
+          <p:cNvSpPr txBox="1"/>
+          <p:nvPr/>
+        </p:nvSpPr>
+        <p:spPr>
+          <a:xfrm>
+            <a:off x="288812" y="2315817"/>
+            <a:ext cx="3110370" cy="1015663"/>
+          </a:xfrm>
+          <a:prstGeom prst="rect">
+            <a:avLst/>
+          </a:prstGeom>
+          <a:noFill/>
+        </p:spPr>
+        <p:txBody>
+          <a:bodyPr wrap="square" rtlCol="0">
+            <a:spAutoFit/>
+          </a:bodyPr>
+          <a:lstStyle/>
+          <a:p>
+            <a:r>
+              <a:rPr lang="en-US" sz="2000" dirty="0" smtClean="0"/>
+              <a:t>Visualizing a </a:t>
+            </a:r>
+            <a:r>
+              <a:rPr lang="en-US" sz="2000" b="1" dirty="0" smtClean="0"/>
+              <a:t>cumulative </a:t>
+            </a:r>
+            <a:r>
+              <a:rPr lang="en-US" sz="2000" dirty="0" smtClean="0"/>
+              <a:t>continuous </a:t>
+            </a:r>
+            <a:r>
+              <a:rPr lang="en-US" sz="2000" dirty="0" smtClean="0"/>
+              <a:t>variable (y-axis) over time (x-axis)</a:t>
+            </a:r>
+            <a:endParaRPr lang="en-US" sz="2000" dirty="0"/>
+          </a:p>
+        </p:txBody>
+      </p:sp>
       <p:pic>
         <p:nvPicPr>
-          <p:cNvPr id="4" name="Picture 3"/>
+          <p:cNvPr id="2" name="Picture 1"/>
           <p:cNvPicPr>
             <a:picLocks noChangeAspect="1"/>
           </p:cNvPicPr>
@@ -4552,48 +4628,18 @@
         </p:blipFill>
         <p:spPr>
           <a:xfrm>
-            <a:off x="2266120" y="672181"/>
-            <a:ext cx="7812157" cy="5881653"/>
+            <a:off x="3744021" y="874643"/>
+            <a:ext cx="7487196" cy="5561277"/>
           </a:xfrm>
           <a:prstGeom prst="rect">
             <a:avLst/>
           </a:prstGeom>
         </p:spPr>
       </p:pic>
-      <p:sp>
-        <p:nvSpPr>
-          <p:cNvPr id="5" name="TextBox 4"/>
-          <p:cNvSpPr txBox="1"/>
-          <p:nvPr/>
-        </p:nvSpPr>
-        <p:spPr>
-          <a:xfrm>
-            <a:off x="347869" y="176335"/>
-            <a:ext cx="2489784" cy="369332"/>
-          </a:xfrm>
-          <a:prstGeom prst="rect">
-            <a:avLst/>
-          </a:prstGeom>
-          <a:noFill/>
-        </p:spPr>
-        <p:txBody>
-          <a:bodyPr wrap="none" rtlCol="0">
-            <a:spAutoFit/>
-          </a:bodyPr>
-          <a:lstStyle/>
-          <a:p>
-            <a:r>
-              <a:rPr lang="en-US" dirty="0" smtClean="0"/>
-              <a:t>Visualizing multiple lines</a:t>
-            </a:r>
-            <a:endParaRPr lang="en-US" dirty="0"/>
-          </a:p>
-        </p:txBody>
-      </p:sp>
     </p:spTree>
     <p:extLst>
       <p:ext uri="{BB962C8B-B14F-4D97-AF65-F5344CB8AC3E}">
-        <p14:creationId xmlns:p14="http://schemas.microsoft.com/office/powerpoint/2010/main" val="2599507339"/>
+        <p14:creationId xmlns:p14="http://schemas.microsoft.com/office/powerpoint/2010/main" val="3501386858"/>
       </p:ext>
     </p:extLst>
   </p:cSld>
@@ -7715,6 +7761,2260 @@
   <p:clrMapOvr>
     <a:masterClrMapping/>
   </p:clrMapOvr>
+  <p:timing>
+    <p:tnLst>
+      <p:par>
+        <p:cTn id="1" dur="indefinite" restart="never" nodeType="tmRoot"/>
+      </p:par>
+    </p:tnLst>
+  </p:timing>
+</p:sld>
+</file>
+
+<file path=ppt/slides/slide24.xml><?xml version="1.0" encoding="utf-8"?>
+<p:sld xmlns:a="http://schemas.openxmlformats.org/drawingml/2006/main" xmlns:r="http://schemas.openxmlformats.org/officeDocument/2006/relationships" xmlns:p="http://schemas.openxmlformats.org/presentationml/2006/main">
+  <p:cSld>
+    <p:spTree>
+      <p:nvGrpSpPr>
+        <p:cNvPr id="1" name=""/>
+        <p:cNvGrpSpPr/>
+        <p:nvPr/>
+      </p:nvGrpSpPr>
+      <p:grpSpPr>
+        <a:xfrm>
+          <a:off x="0" y="0"/>
+          <a:ext cx="0" cy="0"/>
+          <a:chOff x="0" y="0"/>
+          <a:chExt cx="0" cy="0"/>
+        </a:xfrm>
+      </p:grpSpPr>
+      <p:sp>
+        <p:nvSpPr>
+          <p:cNvPr id="4" name="TextBox 3"/>
+          <p:cNvSpPr txBox="1"/>
+          <p:nvPr/>
+        </p:nvSpPr>
+        <p:spPr>
+          <a:xfrm>
+            <a:off x="715617" y="457200"/>
+            <a:ext cx="1829475" cy="523220"/>
+          </a:xfrm>
+          <a:prstGeom prst="rect">
+            <a:avLst/>
+          </a:prstGeom>
+          <a:noFill/>
+        </p:spPr>
+        <p:txBody>
+          <a:bodyPr wrap="none" rtlCol="0">
+            <a:spAutoFit/>
+          </a:bodyPr>
+          <a:lstStyle/>
+          <a:p>
+            <a:r>
+              <a:rPr lang="en-US" sz="2800" b="1" dirty="0" smtClean="0"/>
+              <a:t>Bar Graphs</a:t>
+            </a:r>
+            <a:endParaRPr lang="en-US" b="1" dirty="0"/>
+          </a:p>
+        </p:txBody>
+      </p:sp>
+      <p:sp>
+        <p:nvSpPr>
+          <p:cNvPr id="5" name="TextBox 4"/>
+          <p:cNvSpPr txBox="1"/>
+          <p:nvPr/>
+        </p:nvSpPr>
+        <p:spPr>
+          <a:xfrm>
+            <a:off x="342628" y="2349218"/>
+            <a:ext cx="4245902" cy="1569660"/>
+          </a:xfrm>
+          <a:prstGeom prst="rect">
+            <a:avLst/>
+          </a:prstGeom>
+          <a:noFill/>
+        </p:spPr>
+        <p:txBody>
+          <a:bodyPr wrap="square" rtlCol="0">
+            <a:spAutoFit/>
+          </a:bodyPr>
+          <a:lstStyle/>
+          <a:p>
+            <a:r>
+              <a:rPr lang="en-US" sz="2400" dirty="0" smtClean="0"/>
+              <a:t>Visualizing </a:t>
+            </a:r>
+            <a:r>
+              <a:rPr lang="en-US" sz="2400" dirty="0" smtClean="0"/>
+              <a:t>amounts -  a </a:t>
+            </a:r>
+            <a:r>
+              <a:rPr lang="en-US" sz="2400" dirty="0" smtClean="0"/>
+              <a:t>continuous variable (y-axis) </a:t>
+            </a:r>
+            <a:r>
+              <a:rPr lang="en-US" sz="2400" dirty="0" smtClean="0"/>
+              <a:t>against a categorical variable (x-axis</a:t>
+            </a:r>
+            <a:r>
+              <a:rPr lang="en-US" sz="2400" dirty="0" smtClean="0"/>
+              <a:t>)</a:t>
+            </a:r>
+            <a:endParaRPr lang="en-US" sz="2400" dirty="0"/>
+          </a:p>
+        </p:txBody>
+      </p:sp>
+      <p:pic>
+        <p:nvPicPr>
+          <p:cNvPr id="2" name="Picture 1"/>
+          <p:cNvPicPr>
+            <a:picLocks noChangeAspect="1"/>
+          </p:cNvPicPr>
+          <p:nvPr/>
+        </p:nvPicPr>
+        <p:blipFill>
+          <a:blip r:embed="rId2"/>
+          <a:stretch>
+            <a:fillRect/>
+          </a:stretch>
+        </p:blipFill>
+        <p:spPr>
+          <a:xfrm>
+            <a:off x="4762464" y="614205"/>
+            <a:ext cx="6928514" cy="6209042"/>
+          </a:xfrm>
+          <a:prstGeom prst="rect">
+            <a:avLst/>
+          </a:prstGeom>
+        </p:spPr>
+      </p:pic>
+    </p:spTree>
+    <p:extLst>
+      <p:ext uri="{BB962C8B-B14F-4D97-AF65-F5344CB8AC3E}">
+        <p14:creationId xmlns:p14="http://schemas.microsoft.com/office/powerpoint/2010/main" val="2074976293"/>
+      </p:ext>
+    </p:extLst>
+  </p:cSld>
+  <p:clrMapOvr>
+    <a:masterClrMapping/>
+  </p:clrMapOvr>
+  <p:timing>
+    <p:tnLst>
+      <p:par>
+        <p:cTn id="1" dur="indefinite" restart="never" nodeType="tmRoot"/>
+      </p:par>
+    </p:tnLst>
+  </p:timing>
+</p:sld>
+</file>
+
+<file path=ppt/slides/slide25.xml><?xml version="1.0" encoding="utf-8"?>
+<p:sld xmlns:a="http://schemas.openxmlformats.org/drawingml/2006/main" xmlns:r="http://schemas.openxmlformats.org/officeDocument/2006/relationships" xmlns:p="http://schemas.openxmlformats.org/presentationml/2006/main">
+  <p:cSld>
+    <p:spTree>
+      <p:nvGrpSpPr>
+        <p:cNvPr id="1" name=""/>
+        <p:cNvGrpSpPr/>
+        <p:nvPr/>
+      </p:nvGrpSpPr>
+      <p:grpSpPr>
+        <a:xfrm>
+          <a:off x="0" y="0"/>
+          <a:ext cx="0" cy="0"/>
+          <a:chOff x="0" y="0"/>
+          <a:chExt cx="0" cy="0"/>
+        </a:xfrm>
+      </p:grpSpPr>
+      <p:sp>
+        <p:nvSpPr>
+          <p:cNvPr id="4" name="TextBox 3"/>
+          <p:cNvSpPr txBox="1"/>
+          <p:nvPr/>
+        </p:nvSpPr>
+        <p:spPr>
+          <a:xfrm>
+            <a:off x="715617" y="457200"/>
+            <a:ext cx="1829475" cy="523220"/>
+          </a:xfrm>
+          <a:prstGeom prst="rect">
+            <a:avLst/>
+          </a:prstGeom>
+          <a:noFill/>
+        </p:spPr>
+        <p:txBody>
+          <a:bodyPr wrap="none" rtlCol="0">
+            <a:spAutoFit/>
+          </a:bodyPr>
+          <a:lstStyle/>
+          <a:p>
+            <a:r>
+              <a:rPr lang="en-US" sz="2800" b="1" dirty="0" smtClean="0"/>
+              <a:t>Bar Graphs</a:t>
+            </a:r>
+            <a:endParaRPr lang="en-US" b="1" dirty="0"/>
+          </a:p>
+        </p:txBody>
+      </p:sp>
+      <p:sp>
+        <p:nvSpPr>
+          <p:cNvPr id="5" name="TextBox 4"/>
+          <p:cNvSpPr txBox="1"/>
+          <p:nvPr/>
+        </p:nvSpPr>
+        <p:spPr>
+          <a:xfrm>
+            <a:off x="342628" y="2349218"/>
+            <a:ext cx="4245902" cy="2677656"/>
+          </a:xfrm>
+          <a:prstGeom prst="rect">
+            <a:avLst/>
+          </a:prstGeom>
+          <a:noFill/>
+        </p:spPr>
+        <p:txBody>
+          <a:bodyPr wrap="square" rtlCol="0">
+            <a:spAutoFit/>
+          </a:bodyPr>
+          <a:lstStyle/>
+          <a:p>
+            <a:r>
+              <a:rPr lang="en-US" sz="2400" dirty="0" smtClean="0"/>
+              <a:t>Visualizing </a:t>
+            </a:r>
+            <a:r>
+              <a:rPr lang="en-US" sz="2400" dirty="0" smtClean="0"/>
+              <a:t>amounts -  a </a:t>
+            </a:r>
+            <a:r>
+              <a:rPr lang="en-US" sz="2400" dirty="0" smtClean="0"/>
+              <a:t>continuous variable (y-axis) </a:t>
+            </a:r>
+            <a:r>
+              <a:rPr lang="en-US" sz="2400" dirty="0" smtClean="0"/>
+              <a:t>against a categorical variable (x-axis)</a:t>
+            </a:r>
+          </a:p>
+          <a:p>
+            <a:endParaRPr lang="en-US" sz="2400" dirty="0"/>
+          </a:p>
+          <a:p>
+            <a:r>
+              <a:rPr lang="en-US" sz="2400" dirty="0" smtClean="0"/>
+              <a:t>…. Although the axes can be ‘flipped’ to improve readability…</a:t>
+            </a:r>
+            <a:endParaRPr lang="en-US" sz="2400" dirty="0"/>
+          </a:p>
+        </p:txBody>
+      </p:sp>
+      <p:pic>
+        <p:nvPicPr>
+          <p:cNvPr id="6" name="Picture 5"/>
+          <p:cNvPicPr>
+            <a:picLocks noChangeAspect="1"/>
+          </p:cNvPicPr>
+          <p:nvPr/>
+        </p:nvPicPr>
+        <p:blipFill>
+          <a:blip r:embed="rId2"/>
+          <a:stretch>
+            <a:fillRect/>
+          </a:stretch>
+        </p:blipFill>
+        <p:spPr>
+          <a:xfrm>
+            <a:off x="4817882" y="137070"/>
+            <a:ext cx="6963253" cy="6720930"/>
+          </a:xfrm>
+          <a:prstGeom prst="rect">
+            <a:avLst/>
+          </a:prstGeom>
+        </p:spPr>
+      </p:pic>
+    </p:spTree>
+    <p:extLst>
+      <p:ext uri="{BB962C8B-B14F-4D97-AF65-F5344CB8AC3E}">
+        <p14:creationId xmlns:p14="http://schemas.microsoft.com/office/powerpoint/2010/main" val="3763491932"/>
+      </p:ext>
+    </p:extLst>
+  </p:cSld>
+  <p:clrMapOvr>
+    <a:masterClrMapping/>
+  </p:clrMapOvr>
+  <p:timing>
+    <p:tnLst>
+      <p:par>
+        <p:cTn id="1" dur="indefinite" restart="never" nodeType="tmRoot"/>
+      </p:par>
+    </p:tnLst>
+  </p:timing>
+</p:sld>
+</file>
+
+<file path=ppt/slides/slide26.xml><?xml version="1.0" encoding="utf-8"?>
+<p:sld xmlns:a="http://schemas.openxmlformats.org/drawingml/2006/main" xmlns:r="http://schemas.openxmlformats.org/officeDocument/2006/relationships" xmlns:p="http://schemas.openxmlformats.org/presentationml/2006/main">
+  <p:cSld>
+    <p:spTree>
+      <p:nvGrpSpPr>
+        <p:cNvPr id="1" name=""/>
+        <p:cNvGrpSpPr/>
+        <p:nvPr/>
+      </p:nvGrpSpPr>
+      <p:grpSpPr>
+        <a:xfrm>
+          <a:off x="0" y="0"/>
+          <a:ext cx="0" cy="0"/>
+          <a:chOff x="0" y="0"/>
+          <a:chExt cx="0" cy="0"/>
+        </a:xfrm>
+      </p:grpSpPr>
+      <p:pic>
+        <p:nvPicPr>
+          <p:cNvPr id="4" name="Picture 3"/>
+          <p:cNvPicPr>
+            <a:picLocks noChangeAspect="1"/>
+          </p:cNvPicPr>
+          <p:nvPr/>
+        </p:nvPicPr>
+        <p:blipFill>
+          <a:blip r:embed="rId2"/>
+          <a:stretch>
+            <a:fillRect/>
+          </a:stretch>
+        </p:blipFill>
+        <p:spPr>
+          <a:xfrm>
+            <a:off x="4784235" y="429148"/>
+            <a:ext cx="6928514" cy="6209042"/>
+          </a:xfrm>
+          <a:prstGeom prst="rect">
+            <a:avLst/>
+          </a:prstGeom>
+        </p:spPr>
+      </p:pic>
+      <p:pic>
+        <p:nvPicPr>
+          <p:cNvPr id="5" name="Picture 4"/>
+          <p:cNvPicPr>
+            <a:picLocks noChangeAspect="1"/>
+          </p:cNvPicPr>
+          <p:nvPr/>
+        </p:nvPicPr>
+        <p:blipFill>
+          <a:blip r:embed="rId3"/>
+          <a:stretch>
+            <a:fillRect/>
+          </a:stretch>
+        </p:blipFill>
+        <p:spPr>
+          <a:xfrm>
+            <a:off x="1006906" y="963363"/>
+            <a:ext cx="2835752" cy="2942762"/>
+          </a:xfrm>
+          <a:prstGeom prst="rect">
+            <a:avLst/>
+          </a:prstGeom>
+        </p:spPr>
+      </p:pic>
+      <p:sp>
+        <p:nvSpPr>
+          <p:cNvPr id="6" name="TextBox 5"/>
+          <p:cNvSpPr txBox="1"/>
+          <p:nvPr/>
+        </p:nvSpPr>
+        <p:spPr>
+          <a:xfrm>
+            <a:off x="859971" y="4267200"/>
+            <a:ext cx="3091543" cy="830997"/>
+          </a:xfrm>
+          <a:prstGeom prst="rect">
+            <a:avLst/>
+          </a:prstGeom>
+          <a:noFill/>
+        </p:spPr>
+        <p:txBody>
+          <a:bodyPr wrap="square" rtlCol="0">
+            <a:spAutoFit/>
+          </a:bodyPr>
+          <a:lstStyle/>
+          <a:p>
+            <a:r>
+              <a:rPr lang="en-US" sz="2400" dirty="0" smtClean="0"/>
+              <a:t>Data already made into summary counts</a:t>
+            </a:r>
+            <a:endParaRPr lang="en-US" sz="2400" dirty="0"/>
+          </a:p>
+        </p:txBody>
+      </p:sp>
+    </p:spTree>
+    <p:extLst>
+      <p:ext uri="{BB962C8B-B14F-4D97-AF65-F5344CB8AC3E}">
+        <p14:creationId xmlns:p14="http://schemas.microsoft.com/office/powerpoint/2010/main" val="2694732353"/>
+      </p:ext>
+    </p:extLst>
+  </p:cSld>
+  <p:clrMapOvr>
+    <a:masterClrMapping/>
+  </p:clrMapOvr>
+</p:sld>
+</file>
+
+<file path=ppt/slides/slide27.xml><?xml version="1.0" encoding="utf-8"?>
+<p:sld xmlns:a="http://schemas.openxmlformats.org/drawingml/2006/main" xmlns:r="http://schemas.openxmlformats.org/officeDocument/2006/relationships" xmlns:p="http://schemas.openxmlformats.org/presentationml/2006/main">
+  <p:cSld>
+    <p:spTree>
+      <p:nvGrpSpPr>
+        <p:cNvPr id="1" name=""/>
+        <p:cNvGrpSpPr/>
+        <p:nvPr/>
+      </p:nvGrpSpPr>
+      <p:grpSpPr>
+        <a:xfrm>
+          <a:off x="0" y="0"/>
+          <a:ext cx="0" cy="0"/>
+          <a:chOff x="0" y="0"/>
+          <a:chExt cx="0" cy="0"/>
+        </a:xfrm>
+      </p:grpSpPr>
+      <p:sp>
+        <p:nvSpPr>
+          <p:cNvPr id="4" name="TextBox 3"/>
+          <p:cNvSpPr txBox="1"/>
+          <p:nvPr/>
+        </p:nvSpPr>
+        <p:spPr>
+          <a:xfrm>
+            <a:off x="715617" y="457200"/>
+            <a:ext cx="3396956" cy="523220"/>
+          </a:xfrm>
+          <a:prstGeom prst="rect">
+            <a:avLst/>
+          </a:prstGeom>
+          <a:noFill/>
+        </p:spPr>
+        <p:txBody>
+          <a:bodyPr wrap="none" rtlCol="0">
+            <a:spAutoFit/>
+          </a:bodyPr>
+          <a:lstStyle/>
+          <a:p>
+            <a:r>
+              <a:rPr lang="en-US" sz="2800" b="1" dirty="0" smtClean="0"/>
+              <a:t>Bar Graphs </a:t>
+            </a:r>
+            <a:r>
+              <a:rPr lang="en-US" sz="2800" b="1" dirty="0" smtClean="0"/>
+              <a:t>in ggplot2</a:t>
+            </a:r>
+            <a:endParaRPr lang="en-US" b="1" dirty="0"/>
+          </a:p>
+        </p:txBody>
+      </p:sp>
+      <p:sp>
+        <p:nvSpPr>
+          <p:cNvPr id="5" name="TextBox 4"/>
+          <p:cNvSpPr txBox="1"/>
+          <p:nvPr/>
+        </p:nvSpPr>
+        <p:spPr>
+          <a:xfrm>
+            <a:off x="1699590" y="2017643"/>
+            <a:ext cx="8746435" cy="1569660"/>
+          </a:xfrm>
+          <a:prstGeom prst="rect">
+            <a:avLst/>
+          </a:prstGeom>
+          <a:noFill/>
+        </p:spPr>
+        <p:txBody>
+          <a:bodyPr wrap="square" rtlCol="0">
+            <a:spAutoFit/>
+          </a:bodyPr>
+          <a:lstStyle/>
+          <a:p>
+            <a:r>
+              <a:rPr lang="en-US" sz="2400" b="1" dirty="0" smtClean="0">
+                <a:solidFill>
+                  <a:srgbClr val="0766F5"/>
+                </a:solidFill>
+                <a:latin typeface="Lucida Console" panose="020B0609040504020204" pitchFamily="49" charset="0"/>
+              </a:rPr>
+              <a:t>library</a:t>
+            </a:r>
+            <a:r>
+              <a:rPr lang="en-US" sz="2400" dirty="0" smtClean="0">
+                <a:latin typeface="Lucida Console" panose="020B0609040504020204" pitchFamily="49" charset="0"/>
+              </a:rPr>
+              <a:t>(</a:t>
+            </a:r>
+            <a:r>
+              <a:rPr lang="en-US" sz="2400" dirty="0" err="1" smtClean="0">
+                <a:latin typeface="Lucida Console" panose="020B0609040504020204" pitchFamily="49" charset="0"/>
+              </a:rPr>
+              <a:t>tidyverse</a:t>
+            </a:r>
+            <a:r>
+              <a:rPr lang="en-US" sz="2400" dirty="0" smtClean="0">
+                <a:latin typeface="Lucida Console" panose="020B0609040504020204" pitchFamily="49" charset="0"/>
+              </a:rPr>
+              <a:t>)</a:t>
+            </a:r>
+          </a:p>
+          <a:p>
+            <a:endParaRPr lang="en-US" sz="2400" dirty="0">
+              <a:latin typeface="Lucida Console" panose="020B0609040504020204" pitchFamily="49" charset="0"/>
+            </a:endParaRPr>
+          </a:p>
+          <a:p>
+            <a:endParaRPr lang="en-US" sz="2400" dirty="0" smtClean="0">
+              <a:latin typeface="Lucida Console" panose="020B0609040504020204" pitchFamily="49" charset="0"/>
+            </a:endParaRPr>
+          </a:p>
+          <a:p>
+            <a:r>
+              <a:rPr lang="en-US" sz="2400" dirty="0" err="1" smtClean="0">
+                <a:latin typeface="Lucida Console" panose="020B0609040504020204" pitchFamily="49" charset="0"/>
+              </a:rPr>
+              <a:t>ggplot</a:t>
+            </a:r>
+            <a:r>
+              <a:rPr lang="en-US" sz="2400" dirty="0" smtClean="0">
+                <a:latin typeface="Lucida Console" panose="020B0609040504020204" pitchFamily="49" charset="0"/>
+              </a:rPr>
+              <a:t>(</a:t>
+            </a:r>
+            <a:r>
+              <a:rPr lang="en-US" sz="2400" dirty="0" err="1" smtClean="0">
+                <a:solidFill>
+                  <a:srgbClr val="FF0000"/>
+                </a:solidFill>
+                <a:latin typeface="Lucida Console" panose="020B0609040504020204" pitchFamily="49" charset="0"/>
+              </a:rPr>
+              <a:t>df</a:t>
+            </a:r>
+            <a:r>
+              <a:rPr lang="en-US" sz="2400" dirty="0" smtClean="0">
+                <a:latin typeface="Lucida Console" panose="020B0609040504020204" pitchFamily="49" charset="0"/>
+              </a:rPr>
+              <a:t>, </a:t>
+            </a:r>
+            <a:r>
+              <a:rPr lang="en-US" sz="2400" dirty="0" err="1" smtClean="0">
+                <a:latin typeface="Lucida Console" panose="020B0609040504020204" pitchFamily="49" charset="0"/>
+              </a:rPr>
+              <a:t>aes</a:t>
+            </a:r>
+            <a:r>
+              <a:rPr lang="en-US" sz="2400" dirty="0" smtClean="0">
+                <a:latin typeface="Lucida Console" panose="020B0609040504020204" pitchFamily="49" charset="0"/>
+              </a:rPr>
+              <a:t>(x=</a:t>
+            </a:r>
+            <a:r>
+              <a:rPr lang="en-US" sz="2400" dirty="0" smtClean="0">
+                <a:solidFill>
+                  <a:srgbClr val="FF0000"/>
+                </a:solidFill>
+                <a:latin typeface="Lucida Console" panose="020B0609040504020204" pitchFamily="49" charset="0"/>
+              </a:rPr>
+              <a:t>x</a:t>
+            </a:r>
+            <a:r>
+              <a:rPr lang="en-US" sz="2400" dirty="0" smtClean="0">
+                <a:latin typeface="Lucida Console" panose="020B0609040504020204" pitchFamily="49" charset="0"/>
+              </a:rPr>
+              <a:t>, y=</a:t>
+            </a:r>
+            <a:r>
+              <a:rPr lang="en-US" sz="2400" dirty="0" smtClean="0">
+                <a:solidFill>
+                  <a:srgbClr val="FF0000"/>
+                </a:solidFill>
+                <a:latin typeface="Lucida Console" panose="020B0609040504020204" pitchFamily="49" charset="0"/>
+              </a:rPr>
+              <a:t>y</a:t>
+            </a:r>
+            <a:r>
+              <a:rPr lang="en-US" sz="2400" dirty="0" smtClean="0">
+                <a:latin typeface="Lucida Console" panose="020B0609040504020204" pitchFamily="49" charset="0"/>
+              </a:rPr>
+              <a:t>)) + </a:t>
+            </a:r>
+            <a:r>
+              <a:rPr lang="en-US" sz="2400" dirty="0" err="1" smtClean="0">
+                <a:latin typeface="Lucida Console" panose="020B0609040504020204" pitchFamily="49" charset="0"/>
+              </a:rPr>
+              <a:t>geom_col</a:t>
+            </a:r>
+            <a:r>
+              <a:rPr lang="en-US" sz="2400" dirty="0" smtClean="0">
+                <a:latin typeface="Lucida Console" panose="020B0609040504020204" pitchFamily="49" charset="0"/>
+              </a:rPr>
+              <a:t>()</a:t>
+            </a:r>
+            <a:endParaRPr lang="en-US" sz="2400" dirty="0">
+              <a:latin typeface="Lucida Console" panose="020B0609040504020204" pitchFamily="49" charset="0"/>
+            </a:endParaRPr>
+          </a:p>
+        </p:txBody>
+      </p:sp>
+      <p:cxnSp>
+        <p:nvCxnSpPr>
+          <p:cNvPr id="7" name="Straight Arrow Connector 6"/>
+          <p:cNvCxnSpPr/>
+          <p:nvPr/>
+        </p:nvCxnSpPr>
+        <p:spPr>
+          <a:xfrm flipV="1">
+            <a:off x="2792896" y="3587303"/>
+            <a:ext cx="397565" cy="1043608"/>
+          </a:xfrm>
+          <a:prstGeom prst="straightConnector1">
+            <a:avLst/>
+          </a:prstGeom>
+          <a:ln w="38100">
+            <a:solidFill>
+              <a:srgbClr val="FF0000"/>
+            </a:solidFill>
+            <a:tailEnd type="triangle"/>
+          </a:ln>
+        </p:spPr>
+        <p:style>
+          <a:lnRef idx="1">
+            <a:schemeClr val="accent1"/>
+          </a:lnRef>
+          <a:fillRef idx="0">
+            <a:schemeClr val="accent1"/>
+          </a:fillRef>
+          <a:effectRef idx="0">
+            <a:schemeClr val="accent1"/>
+          </a:effectRef>
+          <a:fontRef idx="minor">
+            <a:schemeClr val="tx1"/>
+          </a:fontRef>
+        </p:style>
+      </p:cxnSp>
+      <p:cxnSp>
+        <p:nvCxnSpPr>
+          <p:cNvPr id="8" name="Straight Arrow Connector 7"/>
+          <p:cNvCxnSpPr/>
+          <p:nvPr/>
+        </p:nvCxnSpPr>
+        <p:spPr>
+          <a:xfrm flipH="1" flipV="1">
+            <a:off x="5032513" y="3511103"/>
+            <a:ext cx="76200" cy="1498219"/>
+          </a:xfrm>
+          <a:prstGeom prst="straightConnector1">
+            <a:avLst/>
+          </a:prstGeom>
+          <a:ln w="38100">
+            <a:solidFill>
+              <a:srgbClr val="FF0000"/>
+            </a:solidFill>
+            <a:tailEnd type="triangle"/>
+          </a:ln>
+        </p:spPr>
+        <p:style>
+          <a:lnRef idx="1">
+            <a:schemeClr val="accent1"/>
+          </a:lnRef>
+          <a:fillRef idx="0">
+            <a:schemeClr val="accent1"/>
+          </a:fillRef>
+          <a:effectRef idx="0">
+            <a:schemeClr val="accent1"/>
+          </a:effectRef>
+          <a:fontRef idx="minor">
+            <a:schemeClr val="tx1"/>
+          </a:fontRef>
+        </p:style>
+      </p:cxnSp>
+      <p:cxnSp>
+        <p:nvCxnSpPr>
+          <p:cNvPr id="10" name="Straight Arrow Connector 9"/>
+          <p:cNvCxnSpPr/>
+          <p:nvPr/>
+        </p:nvCxnSpPr>
+        <p:spPr>
+          <a:xfrm flipH="1" flipV="1">
+            <a:off x="5996607" y="3587306"/>
+            <a:ext cx="638945" cy="756094"/>
+          </a:xfrm>
+          <a:prstGeom prst="straightConnector1">
+            <a:avLst/>
+          </a:prstGeom>
+          <a:ln w="38100">
+            <a:solidFill>
+              <a:srgbClr val="FF0000"/>
+            </a:solidFill>
+            <a:tailEnd type="triangle"/>
+          </a:ln>
+        </p:spPr>
+        <p:style>
+          <a:lnRef idx="1">
+            <a:schemeClr val="accent1"/>
+          </a:lnRef>
+          <a:fillRef idx="0">
+            <a:schemeClr val="accent1"/>
+          </a:fillRef>
+          <a:effectRef idx="0">
+            <a:schemeClr val="accent1"/>
+          </a:effectRef>
+          <a:fontRef idx="minor">
+            <a:schemeClr val="tx1"/>
+          </a:fontRef>
+        </p:style>
+      </p:cxnSp>
+      <p:sp>
+        <p:nvSpPr>
+          <p:cNvPr id="13" name="TextBox 12"/>
+          <p:cNvSpPr txBox="1"/>
+          <p:nvPr/>
+        </p:nvSpPr>
+        <p:spPr>
+          <a:xfrm>
+            <a:off x="1699590" y="4639990"/>
+            <a:ext cx="2012282" cy="369332"/>
+          </a:xfrm>
+          <a:prstGeom prst="rect">
+            <a:avLst/>
+          </a:prstGeom>
+          <a:noFill/>
+        </p:spPr>
+        <p:txBody>
+          <a:bodyPr wrap="none" rtlCol="0">
+            <a:spAutoFit/>
+          </a:bodyPr>
+          <a:lstStyle/>
+          <a:p>
+            <a:r>
+              <a:rPr lang="en-US" dirty="0" smtClean="0">
+                <a:solidFill>
+                  <a:srgbClr val="FF0000"/>
+                </a:solidFill>
+              </a:rPr>
+              <a:t>Name of </a:t>
+            </a:r>
+            <a:r>
+              <a:rPr lang="en-US" dirty="0" err="1" smtClean="0">
+                <a:solidFill>
+                  <a:srgbClr val="FF0000"/>
+                </a:solidFill>
+              </a:rPr>
+              <a:t>dataframe</a:t>
+            </a:r>
+            <a:endParaRPr lang="en-US" dirty="0">
+              <a:solidFill>
+                <a:srgbClr val="FF0000"/>
+              </a:solidFill>
+            </a:endParaRPr>
+          </a:p>
+        </p:txBody>
+      </p:sp>
+      <p:sp>
+        <p:nvSpPr>
+          <p:cNvPr id="14" name="TextBox 13"/>
+          <p:cNvSpPr txBox="1"/>
+          <p:nvPr/>
+        </p:nvSpPr>
+        <p:spPr>
+          <a:xfrm>
+            <a:off x="6635552" y="4343400"/>
+            <a:ext cx="3292220" cy="665922"/>
+          </a:xfrm>
+          <a:prstGeom prst="rect">
+            <a:avLst/>
+          </a:prstGeom>
+          <a:noFill/>
+        </p:spPr>
+        <p:txBody>
+          <a:bodyPr wrap="square" rtlCol="0">
+            <a:spAutoFit/>
+          </a:bodyPr>
+          <a:lstStyle/>
+          <a:p>
+            <a:r>
+              <a:rPr lang="en-US" dirty="0" smtClean="0">
+                <a:solidFill>
+                  <a:srgbClr val="FF0000"/>
+                </a:solidFill>
+              </a:rPr>
+              <a:t>Y column </a:t>
+            </a:r>
+            <a:r>
+              <a:rPr lang="en-US" dirty="0" smtClean="0">
+                <a:solidFill>
+                  <a:srgbClr val="FF0000"/>
+                </a:solidFill>
+              </a:rPr>
+              <a:t>name – the continuous/count data</a:t>
+            </a:r>
+            <a:endParaRPr lang="en-US" dirty="0">
+              <a:solidFill>
+                <a:srgbClr val="FF0000"/>
+              </a:solidFill>
+            </a:endParaRPr>
+          </a:p>
+        </p:txBody>
+      </p:sp>
+      <p:sp>
+        <p:nvSpPr>
+          <p:cNvPr id="15" name="TextBox 14"/>
+          <p:cNvSpPr txBox="1"/>
+          <p:nvPr/>
+        </p:nvSpPr>
+        <p:spPr>
+          <a:xfrm>
+            <a:off x="4439347" y="5080763"/>
+            <a:ext cx="2400978" cy="646331"/>
+          </a:xfrm>
+          <a:prstGeom prst="rect">
+            <a:avLst/>
+          </a:prstGeom>
+          <a:noFill/>
+        </p:spPr>
+        <p:txBody>
+          <a:bodyPr wrap="none" rtlCol="0">
+            <a:spAutoFit/>
+          </a:bodyPr>
+          <a:lstStyle/>
+          <a:p>
+            <a:r>
+              <a:rPr lang="en-US" dirty="0" smtClean="0">
+                <a:solidFill>
+                  <a:srgbClr val="FF0000"/>
+                </a:solidFill>
+              </a:rPr>
+              <a:t>X column </a:t>
+            </a:r>
+            <a:r>
+              <a:rPr lang="en-US" dirty="0" smtClean="0">
+                <a:solidFill>
+                  <a:srgbClr val="FF0000"/>
+                </a:solidFill>
+              </a:rPr>
+              <a:t>name</a:t>
+            </a:r>
+          </a:p>
+          <a:p>
+            <a:r>
+              <a:rPr lang="en-US" dirty="0" smtClean="0">
+                <a:solidFill>
+                  <a:srgbClr val="FF0000"/>
+                </a:solidFill>
+              </a:rPr>
+              <a:t>The categorical variable</a:t>
+            </a:r>
+            <a:endParaRPr lang="en-US" dirty="0">
+              <a:solidFill>
+                <a:srgbClr val="FF0000"/>
+              </a:solidFill>
+            </a:endParaRPr>
+          </a:p>
+        </p:txBody>
+      </p:sp>
+      <p:cxnSp>
+        <p:nvCxnSpPr>
+          <p:cNvPr id="16" name="Straight Arrow Connector 15"/>
+          <p:cNvCxnSpPr/>
+          <p:nvPr/>
+        </p:nvCxnSpPr>
+        <p:spPr>
+          <a:xfrm flipH="1">
+            <a:off x="5256077" y="1733654"/>
+            <a:ext cx="2330794" cy="378411"/>
+          </a:xfrm>
+          <a:prstGeom prst="straightConnector1">
+            <a:avLst/>
+          </a:prstGeom>
+          <a:ln w="38100">
+            <a:solidFill>
+              <a:srgbClr val="FF0000"/>
+            </a:solidFill>
+            <a:tailEnd type="triangle"/>
+          </a:ln>
+        </p:spPr>
+        <p:style>
+          <a:lnRef idx="1">
+            <a:schemeClr val="accent1"/>
+          </a:lnRef>
+          <a:fillRef idx="0">
+            <a:schemeClr val="accent1"/>
+          </a:fillRef>
+          <a:effectRef idx="0">
+            <a:schemeClr val="accent1"/>
+          </a:effectRef>
+          <a:fontRef idx="minor">
+            <a:schemeClr val="tx1"/>
+          </a:fontRef>
+        </p:style>
+      </p:cxnSp>
+      <p:sp>
+        <p:nvSpPr>
+          <p:cNvPr id="17" name="TextBox 16"/>
+          <p:cNvSpPr txBox="1"/>
+          <p:nvPr/>
+        </p:nvSpPr>
+        <p:spPr>
+          <a:xfrm>
+            <a:off x="7655813" y="1364322"/>
+            <a:ext cx="4141935" cy="1200329"/>
+          </a:xfrm>
+          <a:prstGeom prst="rect">
+            <a:avLst/>
+          </a:prstGeom>
+          <a:noFill/>
+        </p:spPr>
+        <p:txBody>
+          <a:bodyPr wrap="square" rtlCol="0">
+            <a:spAutoFit/>
+          </a:bodyPr>
+          <a:lstStyle/>
+          <a:p>
+            <a:r>
+              <a:rPr lang="en-US" dirty="0" smtClean="0">
+                <a:solidFill>
+                  <a:srgbClr val="FF0000"/>
+                </a:solidFill>
+              </a:rPr>
+              <a:t>Whenever you use </a:t>
+            </a:r>
+            <a:r>
+              <a:rPr lang="en-US" dirty="0" err="1" smtClean="0">
+                <a:solidFill>
+                  <a:srgbClr val="FF0000"/>
+                </a:solidFill>
+              </a:rPr>
+              <a:t>ggplot</a:t>
+            </a:r>
+            <a:r>
+              <a:rPr lang="en-US" dirty="0" smtClean="0">
+                <a:solidFill>
+                  <a:srgbClr val="FF0000"/>
+                </a:solidFill>
+              </a:rPr>
+              <a:t>, you should load </a:t>
+            </a:r>
+            <a:r>
+              <a:rPr lang="en-US" dirty="0" err="1" smtClean="0">
+                <a:solidFill>
+                  <a:srgbClr val="FF0000"/>
+                </a:solidFill>
+              </a:rPr>
+              <a:t>tidyverse</a:t>
+            </a:r>
+            <a:r>
+              <a:rPr lang="en-US" dirty="0" smtClean="0">
+                <a:solidFill>
+                  <a:srgbClr val="FF0000"/>
+                </a:solidFill>
+              </a:rPr>
+              <a:t> at the very top of your script. You need to do it once for every script.</a:t>
+            </a:r>
+            <a:endParaRPr lang="en-US" dirty="0">
+              <a:solidFill>
+                <a:srgbClr val="FF0000"/>
+              </a:solidFill>
+            </a:endParaRPr>
+          </a:p>
+        </p:txBody>
+      </p:sp>
+      <p:cxnSp>
+        <p:nvCxnSpPr>
+          <p:cNvPr id="18" name="Straight Arrow Connector 17"/>
+          <p:cNvCxnSpPr/>
+          <p:nvPr/>
+        </p:nvCxnSpPr>
+        <p:spPr>
+          <a:xfrm flipH="1" flipV="1">
+            <a:off x="8674494" y="3571637"/>
+            <a:ext cx="948478" cy="787429"/>
+          </a:xfrm>
+          <a:prstGeom prst="straightConnector1">
+            <a:avLst/>
+          </a:prstGeom>
+          <a:ln w="38100">
+            <a:solidFill>
+              <a:schemeClr val="accent2">
+                <a:lumMod val="75000"/>
+              </a:schemeClr>
+            </a:solidFill>
+            <a:tailEnd type="triangle"/>
+          </a:ln>
+        </p:spPr>
+        <p:style>
+          <a:lnRef idx="1">
+            <a:schemeClr val="accent1"/>
+          </a:lnRef>
+          <a:fillRef idx="0">
+            <a:schemeClr val="accent1"/>
+          </a:fillRef>
+          <a:effectRef idx="0">
+            <a:schemeClr val="accent1"/>
+          </a:effectRef>
+          <a:fontRef idx="minor">
+            <a:schemeClr val="tx1"/>
+          </a:fontRef>
+        </p:style>
+      </p:cxnSp>
+      <p:sp>
+        <p:nvSpPr>
+          <p:cNvPr id="19" name="TextBox 18"/>
+          <p:cNvSpPr txBox="1"/>
+          <p:nvPr/>
+        </p:nvSpPr>
+        <p:spPr>
+          <a:xfrm>
+            <a:off x="9192585" y="4343400"/>
+            <a:ext cx="2774129" cy="1938992"/>
+          </a:xfrm>
+          <a:prstGeom prst="rect">
+            <a:avLst/>
+          </a:prstGeom>
+          <a:noFill/>
+        </p:spPr>
+        <p:txBody>
+          <a:bodyPr wrap="square" rtlCol="0">
+            <a:spAutoFit/>
+          </a:bodyPr>
+          <a:lstStyle/>
+          <a:p>
+            <a:r>
+              <a:rPr lang="en-US" sz="2000" dirty="0" smtClean="0">
+                <a:solidFill>
+                  <a:schemeClr val="accent2">
+                    <a:lumMod val="75000"/>
+                  </a:schemeClr>
+                </a:solidFill>
+              </a:rPr>
+              <a:t>If you have data where you already have the exact number you wish to plot (i.e. the height of the bars), then use </a:t>
+            </a:r>
+            <a:r>
+              <a:rPr lang="en-US" sz="2000" dirty="0" err="1" smtClean="0">
+                <a:solidFill>
+                  <a:schemeClr val="accent2">
+                    <a:lumMod val="75000"/>
+                  </a:schemeClr>
+                </a:solidFill>
+              </a:rPr>
+              <a:t>geom_col</a:t>
+            </a:r>
+            <a:r>
+              <a:rPr lang="en-US" sz="2000" dirty="0" smtClean="0">
+                <a:solidFill>
+                  <a:schemeClr val="accent2">
+                    <a:lumMod val="75000"/>
+                  </a:schemeClr>
+                </a:solidFill>
+              </a:rPr>
+              <a:t>()</a:t>
+            </a:r>
+            <a:endParaRPr lang="en-US" sz="2000" dirty="0">
+              <a:solidFill>
+                <a:schemeClr val="accent2">
+                  <a:lumMod val="75000"/>
+                </a:schemeClr>
+              </a:solidFill>
+            </a:endParaRPr>
+          </a:p>
+        </p:txBody>
+      </p:sp>
+    </p:spTree>
+    <p:extLst>
+      <p:ext uri="{BB962C8B-B14F-4D97-AF65-F5344CB8AC3E}">
+        <p14:creationId xmlns:p14="http://schemas.microsoft.com/office/powerpoint/2010/main" val="2196608048"/>
+      </p:ext>
+    </p:extLst>
+  </p:cSld>
+  <p:clrMapOvr>
+    <a:masterClrMapping/>
+  </p:clrMapOvr>
+  <p:timing>
+    <p:tnLst>
+      <p:par>
+        <p:cTn id="1" dur="indefinite" restart="never" nodeType="tmRoot"/>
+      </p:par>
+    </p:tnLst>
+  </p:timing>
+</p:sld>
+</file>
+
+<file path=ppt/slides/slide28.xml><?xml version="1.0" encoding="utf-8"?>
+<p:sld xmlns:a="http://schemas.openxmlformats.org/drawingml/2006/main" xmlns:r="http://schemas.openxmlformats.org/officeDocument/2006/relationships" xmlns:p="http://schemas.openxmlformats.org/presentationml/2006/main">
+  <p:cSld>
+    <p:spTree>
+      <p:nvGrpSpPr>
+        <p:cNvPr id="1" name=""/>
+        <p:cNvGrpSpPr/>
+        <p:nvPr/>
+      </p:nvGrpSpPr>
+      <p:grpSpPr>
+        <a:xfrm>
+          <a:off x="0" y="0"/>
+          <a:ext cx="0" cy="0"/>
+          <a:chOff x="0" y="0"/>
+          <a:chExt cx="0" cy="0"/>
+        </a:xfrm>
+      </p:grpSpPr>
+      <p:sp>
+        <p:nvSpPr>
+          <p:cNvPr id="4" name="TextBox 3"/>
+          <p:cNvSpPr txBox="1"/>
+          <p:nvPr/>
+        </p:nvSpPr>
+        <p:spPr>
+          <a:xfrm>
+            <a:off x="715617" y="457200"/>
+            <a:ext cx="4709046" cy="523220"/>
+          </a:xfrm>
+          <a:prstGeom prst="rect">
+            <a:avLst/>
+          </a:prstGeom>
+          <a:noFill/>
+        </p:spPr>
+        <p:txBody>
+          <a:bodyPr wrap="none" rtlCol="0">
+            <a:spAutoFit/>
+          </a:bodyPr>
+          <a:lstStyle/>
+          <a:p>
+            <a:r>
+              <a:rPr lang="en-US" sz="2800" b="1" dirty="0" smtClean="0"/>
+              <a:t>To change </a:t>
+            </a:r>
+            <a:r>
+              <a:rPr lang="en-US" sz="2800" b="1" dirty="0" smtClean="0"/>
+              <a:t>fill and color </a:t>
+            </a:r>
+            <a:r>
+              <a:rPr lang="en-US" sz="2800" b="1" dirty="0" smtClean="0"/>
+              <a:t>of </a:t>
+            </a:r>
+            <a:r>
+              <a:rPr lang="en-US" sz="2800" b="1" dirty="0" smtClean="0"/>
+              <a:t>bars</a:t>
+            </a:r>
+            <a:endParaRPr lang="en-US" b="1" dirty="0"/>
+          </a:p>
+        </p:txBody>
+      </p:sp>
+      <p:sp>
+        <p:nvSpPr>
+          <p:cNvPr id="5" name="TextBox 4"/>
+          <p:cNvSpPr txBox="1"/>
+          <p:nvPr/>
+        </p:nvSpPr>
+        <p:spPr>
+          <a:xfrm>
+            <a:off x="715617" y="1796643"/>
+            <a:ext cx="9939132" cy="3785652"/>
+          </a:xfrm>
+          <a:prstGeom prst="rect">
+            <a:avLst/>
+          </a:prstGeom>
+          <a:noFill/>
+        </p:spPr>
+        <p:txBody>
+          <a:bodyPr wrap="square" rtlCol="0">
+            <a:spAutoFit/>
+          </a:bodyPr>
+          <a:lstStyle/>
+          <a:p>
+            <a:r>
+              <a:rPr lang="en-US" sz="2400" b="1" dirty="0" smtClean="0">
+                <a:solidFill>
+                  <a:srgbClr val="0766F5"/>
+                </a:solidFill>
+                <a:latin typeface="Lucida Console" panose="020B0609040504020204" pitchFamily="49" charset="0"/>
+              </a:rPr>
+              <a:t>library</a:t>
+            </a:r>
+            <a:r>
+              <a:rPr lang="en-US" sz="2400" dirty="0" smtClean="0">
+                <a:latin typeface="Lucida Console" panose="020B0609040504020204" pitchFamily="49" charset="0"/>
+              </a:rPr>
+              <a:t>(</a:t>
+            </a:r>
+            <a:r>
+              <a:rPr lang="en-US" sz="2400" dirty="0" err="1" smtClean="0">
+                <a:latin typeface="Lucida Console" panose="020B0609040504020204" pitchFamily="49" charset="0"/>
+              </a:rPr>
+              <a:t>tidyverse</a:t>
+            </a:r>
+            <a:r>
+              <a:rPr lang="en-US" sz="2400" dirty="0" smtClean="0">
+                <a:latin typeface="Lucida Console" panose="020B0609040504020204" pitchFamily="49" charset="0"/>
+              </a:rPr>
+              <a:t>)</a:t>
+            </a:r>
+          </a:p>
+          <a:p>
+            <a:endParaRPr lang="en-US" sz="2400" dirty="0">
+              <a:latin typeface="Lucida Console" panose="020B0609040504020204" pitchFamily="49" charset="0"/>
+            </a:endParaRPr>
+          </a:p>
+          <a:p>
+            <a:endParaRPr lang="en-US" sz="2400" dirty="0" smtClean="0">
+              <a:latin typeface="Lucida Console" panose="020B0609040504020204" pitchFamily="49" charset="0"/>
+            </a:endParaRPr>
+          </a:p>
+          <a:p>
+            <a:r>
+              <a:rPr lang="en-US" sz="2400" dirty="0" err="1" smtClean="0">
+                <a:latin typeface="Lucida Console" panose="020B0609040504020204" pitchFamily="49" charset="0"/>
+              </a:rPr>
+              <a:t>ggplot</a:t>
+            </a:r>
+            <a:r>
+              <a:rPr lang="en-US" sz="2400" dirty="0" smtClean="0">
+                <a:latin typeface="Lucida Console" panose="020B0609040504020204" pitchFamily="49" charset="0"/>
+              </a:rPr>
+              <a:t>(</a:t>
+            </a:r>
+            <a:r>
+              <a:rPr lang="en-US" sz="2400" dirty="0" err="1" smtClean="0">
+                <a:solidFill>
+                  <a:srgbClr val="FF0000"/>
+                </a:solidFill>
+                <a:latin typeface="Lucida Console" panose="020B0609040504020204" pitchFamily="49" charset="0"/>
+              </a:rPr>
+              <a:t>df</a:t>
+            </a:r>
+            <a:r>
+              <a:rPr lang="en-US" sz="2400" dirty="0" smtClean="0">
+                <a:latin typeface="Lucida Console" panose="020B0609040504020204" pitchFamily="49" charset="0"/>
+              </a:rPr>
+              <a:t>, </a:t>
+            </a:r>
+            <a:r>
+              <a:rPr lang="en-US" sz="2400" dirty="0" err="1" smtClean="0">
+                <a:latin typeface="Lucida Console" panose="020B0609040504020204" pitchFamily="49" charset="0"/>
+              </a:rPr>
+              <a:t>aes</a:t>
+            </a:r>
+            <a:r>
+              <a:rPr lang="en-US" sz="2400" dirty="0" smtClean="0">
+                <a:latin typeface="Lucida Console" panose="020B0609040504020204" pitchFamily="49" charset="0"/>
+              </a:rPr>
+              <a:t>(x=</a:t>
+            </a:r>
+            <a:r>
+              <a:rPr lang="en-US" sz="2400" dirty="0" smtClean="0">
+                <a:solidFill>
+                  <a:srgbClr val="FF0000"/>
+                </a:solidFill>
+                <a:latin typeface="Lucida Console" panose="020B0609040504020204" pitchFamily="49" charset="0"/>
+              </a:rPr>
+              <a:t>x</a:t>
+            </a:r>
+            <a:r>
+              <a:rPr lang="en-US" sz="2400" dirty="0" smtClean="0">
+                <a:latin typeface="Lucida Console" panose="020B0609040504020204" pitchFamily="49" charset="0"/>
+              </a:rPr>
+              <a:t>, y=</a:t>
+            </a:r>
+            <a:r>
+              <a:rPr lang="en-US" sz="2400" dirty="0" smtClean="0">
+                <a:solidFill>
+                  <a:srgbClr val="FF0000"/>
+                </a:solidFill>
+                <a:latin typeface="Lucida Console" panose="020B0609040504020204" pitchFamily="49" charset="0"/>
+              </a:rPr>
+              <a:t>y</a:t>
+            </a:r>
+            <a:r>
+              <a:rPr lang="en-US" sz="2400" dirty="0" smtClean="0">
+                <a:latin typeface="Lucida Console" panose="020B0609040504020204" pitchFamily="49" charset="0"/>
+              </a:rPr>
+              <a:t>)) + </a:t>
+            </a:r>
+            <a:r>
+              <a:rPr lang="en-US" sz="2400" dirty="0" err="1" smtClean="0">
+                <a:latin typeface="Lucida Console" panose="020B0609040504020204" pitchFamily="49" charset="0"/>
+              </a:rPr>
+              <a:t>geom_col</a:t>
+            </a:r>
+            <a:r>
+              <a:rPr lang="en-US" sz="2400" dirty="0">
+                <a:latin typeface="Lucida Console" panose="020B0609040504020204" pitchFamily="49" charset="0"/>
+              </a:rPr>
+              <a:t>(fill = </a:t>
+            </a:r>
+            <a:r>
+              <a:rPr lang="en-US" sz="2400" dirty="0" smtClean="0">
+                <a:latin typeface="Lucida Console" panose="020B0609040504020204" pitchFamily="49" charset="0"/>
+              </a:rPr>
+              <a:t>"</a:t>
+            </a:r>
+            <a:r>
+              <a:rPr lang="en-US" sz="2400" dirty="0" smtClean="0">
+                <a:solidFill>
+                  <a:srgbClr val="FF0000"/>
+                </a:solidFill>
+                <a:latin typeface="Lucida Console" panose="020B0609040504020204" pitchFamily="49" charset="0"/>
+              </a:rPr>
+              <a:t>pink</a:t>
+            </a:r>
+            <a:r>
+              <a:rPr lang="en-US" sz="2400" dirty="0" smtClean="0">
+                <a:latin typeface="Lucida Console" panose="020B0609040504020204" pitchFamily="49" charset="0"/>
+              </a:rPr>
+              <a:t>")</a:t>
+            </a:r>
+            <a:endParaRPr lang="en-US" sz="2400" dirty="0" smtClean="0">
+              <a:latin typeface="Lucida Console" panose="020B0609040504020204" pitchFamily="49" charset="0"/>
+            </a:endParaRPr>
+          </a:p>
+          <a:p>
+            <a:endParaRPr lang="en-US" sz="2400" dirty="0" smtClean="0">
+              <a:latin typeface="Lucida Console" panose="020B0609040504020204" pitchFamily="49" charset="0"/>
+            </a:endParaRPr>
+          </a:p>
+          <a:p>
+            <a:endParaRPr lang="en-US" sz="2400" dirty="0">
+              <a:latin typeface="Lucida Console" panose="020B0609040504020204" pitchFamily="49" charset="0"/>
+            </a:endParaRPr>
+          </a:p>
+          <a:p>
+            <a:r>
+              <a:rPr lang="en-US" sz="2400" dirty="0" err="1" smtClean="0">
+                <a:latin typeface="Lucida Console" panose="020B0609040504020204" pitchFamily="49" charset="0"/>
+              </a:rPr>
+              <a:t>ggplot</a:t>
+            </a:r>
+            <a:r>
+              <a:rPr lang="en-US" sz="2400" dirty="0" smtClean="0">
+                <a:latin typeface="Lucida Console" panose="020B0609040504020204" pitchFamily="49" charset="0"/>
+              </a:rPr>
+              <a:t>(</a:t>
+            </a:r>
+            <a:r>
+              <a:rPr lang="en-US" sz="2400" dirty="0" err="1" smtClean="0">
+                <a:solidFill>
+                  <a:srgbClr val="FF0000"/>
+                </a:solidFill>
+                <a:latin typeface="Lucida Console" panose="020B0609040504020204" pitchFamily="49" charset="0"/>
+              </a:rPr>
+              <a:t>df</a:t>
+            </a:r>
+            <a:r>
+              <a:rPr lang="en-US" sz="2400" dirty="0" smtClean="0">
+                <a:latin typeface="Lucida Console" panose="020B0609040504020204" pitchFamily="49" charset="0"/>
+              </a:rPr>
+              <a:t>, </a:t>
+            </a:r>
+            <a:r>
+              <a:rPr lang="en-US" sz="2400" dirty="0" err="1" smtClean="0">
+                <a:latin typeface="Lucida Console" panose="020B0609040504020204" pitchFamily="49" charset="0"/>
+              </a:rPr>
+              <a:t>aes</a:t>
+            </a:r>
+            <a:r>
+              <a:rPr lang="en-US" sz="2400" dirty="0" smtClean="0">
+                <a:latin typeface="Lucida Console" panose="020B0609040504020204" pitchFamily="49" charset="0"/>
+              </a:rPr>
+              <a:t>(x=</a:t>
+            </a:r>
+            <a:r>
+              <a:rPr lang="en-US" sz="2400" dirty="0" smtClean="0">
+                <a:solidFill>
+                  <a:srgbClr val="FF0000"/>
+                </a:solidFill>
+                <a:latin typeface="Lucida Console" panose="020B0609040504020204" pitchFamily="49" charset="0"/>
+              </a:rPr>
+              <a:t>x</a:t>
+            </a:r>
+            <a:r>
+              <a:rPr lang="en-US" sz="2400" dirty="0" smtClean="0">
+                <a:latin typeface="Lucida Console" panose="020B0609040504020204" pitchFamily="49" charset="0"/>
+              </a:rPr>
+              <a:t>, y=</a:t>
+            </a:r>
+            <a:r>
+              <a:rPr lang="en-US" sz="2400" dirty="0" smtClean="0">
+                <a:solidFill>
+                  <a:srgbClr val="FF0000"/>
+                </a:solidFill>
+                <a:latin typeface="Lucida Console" panose="020B0609040504020204" pitchFamily="49" charset="0"/>
+              </a:rPr>
+              <a:t>y</a:t>
+            </a:r>
+            <a:r>
+              <a:rPr lang="en-US" sz="2400" dirty="0" smtClean="0">
+                <a:latin typeface="Lucida Console" panose="020B0609040504020204" pitchFamily="49" charset="0"/>
+              </a:rPr>
+              <a:t>)) + </a:t>
+            </a:r>
+            <a:endParaRPr lang="en-US" sz="2400" dirty="0" smtClean="0">
+              <a:latin typeface="Lucida Console" panose="020B0609040504020204" pitchFamily="49" charset="0"/>
+            </a:endParaRPr>
+          </a:p>
+          <a:p>
+            <a:r>
+              <a:rPr lang="en-US" sz="2400" dirty="0">
+                <a:latin typeface="Lucida Console" panose="020B0609040504020204" pitchFamily="49" charset="0"/>
+              </a:rPr>
+              <a:t> </a:t>
+            </a:r>
+            <a:r>
+              <a:rPr lang="en-US" sz="2400" dirty="0" smtClean="0">
+                <a:latin typeface="Lucida Console" panose="020B0609040504020204" pitchFamily="49" charset="0"/>
+              </a:rPr>
+              <a:t>    </a:t>
+            </a:r>
+            <a:r>
+              <a:rPr lang="en-US" sz="2400" dirty="0" err="1" smtClean="0">
+                <a:latin typeface="Lucida Console" panose="020B0609040504020204" pitchFamily="49" charset="0"/>
+              </a:rPr>
+              <a:t>geom_col</a:t>
+            </a:r>
+            <a:r>
+              <a:rPr lang="en-US" sz="2400" dirty="0">
+                <a:latin typeface="Lucida Console" panose="020B0609040504020204" pitchFamily="49" charset="0"/>
+              </a:rPr>
+              <a:t>(fill = "</a:t>
+            </a:r>
+            <a:r>
+              <a:rPr lang="en-US" sz="2400" dirty="0" smtClean="0">
+                <a:solidFill>
+                  <a:srgbClr val="FF0000"/>
+                </a:solidFill>
+                <a:latin typeface="Lucida Console" panose="020B0609040504020204" pitchFamily="49" charset="0"/>
+              </a:rPr>
+              <a:t>pink</a:t>
+            </a:r>
+            <a:r>
+              <a:rPr lang="en-US" sz="2400" dirty="0" smtClean="0">
+                <a:latin typeface="Lucida Console" panose="020B0609040504020204" pitchFamily="49" charset="0"/>
+              </a:rPr>
+              <a:t>", </a:t>
+            </a:r>
+            <a:r>
+              <a:rPr lang="en-US" sz="2400" dirty="0">
+                <a:latin typeface="Lucida Console" panose="020B0609040504020204" pitchFamily="49" charset="0"/>
+              </a:rPr>
+              <a:t>color = </a:t>
+            </a:r>
+            <a:r>
+              <a:rPr lang="en-US" sz="2400" dirty="0" smtClean="0">
+                <a:latin typeface="Lucida Console" panose="020B0609040504020204" pitchFamily="49" charset="0"/>
+              </a:rPr>
+              <a:t>"</a:t>
+            </a:r>
+            <a:r>
+              <a:rPr lang="en-US" sz="2400" dirty="0" smtClean="0">
+                <a:solidFill>
+                  <a:srgbClr val="FF0000"/>
+                </a:solidFill>
+                <a:latin typeface="Lucida Console" panose="020B0609040504020204" pitchFamily="49" charset="0"/>
+              </a:rPr>
+              <a:t>black</a:t>
+            </a:r>
+            <a:r>
+              <a:rPr lang="en-US" sz="2400" dirty="0" smtClean="0">
+                <a:latin typeface="Lucida Console" panose="020B0609040504020204" pitchFamily="49" charset="0"/>
+              </a:rPr>
+              <a:t>")</a:t>
+            </a:r>
+            <a:endParaRPr lang="en-US" sz="2400" dirty="0" smtClean="0">
+              <a:latin typeface="Lucida Console" panose="020B0609040504020204" pitchFamily="49" charset="0"/>
+            </a:endParaRPr>
+          </a:p>
+          <a:p>
+            <a:endParaRPr lang="en-US" sz="2400" dirty="0">
+              <a:latin typeface="Lucida Console" panose="020B0609040504020204" pitchFamily="49" charset="0"/>
+            </a:endParaRPr>
+          </a:p>
+          <a:p>
+            <a:endParaRPr lang="en-US" sz="2400" dirty="0">
+              <a:latin typeface="Lucida Console" panose="020B0609040504020204" pitchFamily="49" charset="0"/>
+            </a:endParaRPr>
+          </a:p>
+        </p:txBody>
+      </p:sp>
+      <p:cxnSp>
+        <p:nvCxnSpPr>
+          <p:cNvPr id="11" name="Straight Arrow Connector 10"/>
+          <p:cNvCxnSpPr/>
+          <p:nvPr/>
+        </p:nvCxnSpPr>
+        <p:spPr>
+          <a:xfrm flipH="1">
+            <a:off x="9502202" y="2006181"/>
+            <a:ext cx="241537" cy="816223"/>
+          </a:xfrm>
+          <a:prstGeom prst="straightConnector1">
+            <a:avLst/>
+          </a:prstGeom>
+          <a:ln w="38100">
+            <a:solidFill>
+              <a:srgbClr val="FF0000"/>
+            </a:solidFill>
+            <a:tailEnd type="triangle"/>
+          </a:ln>
+        </p:spPr>
+        <p:style>
+          <a:lnRef idx="1">
+            <a:schemeClr val="accent1"/>
+          </a:lnRef>
+          <a:fillRef idx="0">
+            <a:schemeClr val="accent1"/>
+          </a:fillRef>
+          <a:effectRef idx="0">
+            <a:schemeClr val="accent1"/>
+          </a:effectRef>
+          <a:fontRef idx="minor">
+            <a:schemeClr val="tx1"/>
+          </a:fontRef>
+        </p:style>
+      </p:cxnSp>
+      <p:sp>
+        <p:nvSpPr>
+          <p:cNvPr id="12" name="TextBox 11"/>
+          <p:cNvSpPr txBox="1"/>
+          <p:nvPr/>
+        </p:nvSpPr>
+        <p:spPr>
+          <a:xfrm>
+            <a:off x="8916031" y="980420"/>
+            <a:ext cx="3000356" cy="923330"/>
+          </a:xfrm>
+          <a:prstGeom prst="rect">
+            <a:avLst/>
+          </a:prstGeom>
+          <a:noFill/>
+        </p:spPr>
+        <p:txBody>
+          <a:bodyPr wrap="square" rtlCol="0">
+            <a:spAutoFit/>
+          </a:bodyPr>
+          <a:lstStyle/>
+          <a:p>
+            <a:r>
+              <a:rPr lang="en-US" dirty="0" smtClean="0">
+                <a:solidFill>
+                  <a:srgbClr val="FF0000"/>
+                </a:solidFill>
+              </a:rPr>
+              <a:t>Insert color name inside single quotes,</a:t>
+            </a:r>
+          </a:p>
+          <a:p>
+            <a:r>
+              <a:rPr lang="en-US" dirty="0" smtClean="0">
+                <a:solidFill>
+                  <a:srgbClr val="FF0000"/>
+                </a:solidFill>
+              </a:rPr>
+              <a:t>or double quotes</a:t>
+            </a:r>
+            <a:endParaRPr lang="en-US" dirty="0">
+              <a:solidFill>
+                <a:srgbClr val="FF0000"/>
+              </a:solidFill>
+            </a:endParaRPr>
+          </a:p>
+        </p:txBody>
+      </p:sp>
+      <p:sp>
+        <p:nvSpPr>
+          <p:cNvPr id="6" name="TextBox 5"/>
+          <p:cNvSpPr txBox="1"/>
+          <p:nvPr/>
+        </p:nvSpPr>
+        <p:spPr>
+          <a:xfrm>
+            <a:off x="2199606" y="5859348"/>
+            <a:ext cx="4181081" cy="369332"/>
+          </a:xfrm>
+          <a:prstGeom prst="rect">
+            <a:avLst/>
+          </a:prstGeom>
+          <a:noFill/>
+        </p:spPr>
+        <p:txBody>
+          <a:bodyPr wrap="none" rtlCol="0">
+            <a:spAutoFit/>
+          </a:bodyPr>
+          <a:lstStyle/>
+          <a:p>
+            <a:r>
+              <a:rPr lang="en-US" dirty="0" smtClean="0">
+                <a:solidFill>
+                  <a:srgbClr val="FF0000"/>
+                </a:solidFill>
+              </a:rPr>
+              <a:t>Separate color, style and width by commas</a:t>
+            </a:r>
+            <a:endParaRPr lang="en-US" dirty="0">
+              <a:solidFill>
+                <a:srgbClr val="FF0000"/>
+              </a:solidFill>
+            </a:endParaRPr>
+          </a:p>
+        </p:txBody>
+      </p:sp>
+      <p:cxnSp>
+        <p:nvCxnSpPr>
+          <p:cNvPr id="7" name="Straight Arrow Connector 6"/>
+          <p:cNvCxnSpPr/>
+          <p:nvPr/>
+        </p:nvCxnSpPr>
+        <p:spPr>
+          <a:xfrm flipV="1">
+            <a:off x="5519057" y="4771723"/>
+            <a:ext cx="299411" cy="1087625"/>
+          </a:xfrm>
+          <a:prstGeom prst="straightConnector1">
+            <a:avLst/>
+          </a:prstGeom>
+          <a:ln w="38100">
+            <a:solidFill>
+              <a:srgbClr val="FF0000"/>
+            </a:solidFill>
+            <a:tailEnd type="triangle"/>
+          </a:ln>
+        </p:spPr>
+        <p:style>
+          <a:lnRef idx="1">
+            <a:schemeClr val="accent1"/>
+          </a:lnRef>
+          <a:fillRef idx="0">
+            <a:schemeClr val="accent1"/>
+          </a:fillRef>
+          <a:effectRef idx="0">
+            <a:schemeClr val="accent1"/>
+          </a:effectRef>
+          <a:fontRef idx="minor">
+            <a:schemeClr val="tx1"/>
+          </a:fontRef>
+        </p:style>
+      </p:cxnSp>
+      <p:cxnSp>
+        <p:nvCxnSpPr>
+          <p:cNvPr id="13" name="Straight Arrow Connector 12"/>
+          <p:cNvCxnSpPr/>
+          <p:nvPr/>
+        </p:nvCxnSpPr>
+        <p:spPr>
+          <a:xfrm flipH="1" flipV="1">
+            <a:off x="8425543" y="3349308"/>
+            <a:ext cx="1438966" cy="982395"/>
+          </a:xfrm>
+          <a:prstGeom prst="straightConnector1">
+            <a:avLst/>
+          </a:prstGeom>
+          <a:ln w="38100">
+            <a:solidFill>
+              <a:schemeClr val="accent2">
+                <a:lumMod val="75000"/>
+              </a:schemeClr>
+            </a:solidFill>
+            <a:tailEnd type="triangle"/>
+          </a:ln>
+        </p:spPr>
+        <p:style>
+          <a:lnRef idx="1">
+            <a:schemeClr val="accent1"/>
+          </a:lnRef>
+          <a:fillRef idx="0">
+            <a:schemeClr val="accent1"/>
+          </a:fillRef>
+          <a:effectRef idx="0">
+            <a:schemeClr val="accent1"/>
+          </a:effectRef>
+          <a:fontRef idx="minor">
+            <a:schemeClr val="tx1"/>
+          </a:fontRef>
+        </p:style>
+      </p:cxnSp>
+      <p:sp>
+        <p:nvSpPr>
+          <p:cNvPr id="14" name="TextBox 13"/>
+          <p:cNvSpPr txBox="1"/>
+          <p:nvPr/>
+        </p:nvSpPr>
+        <p:spPr>
+          <a:xfrm>
+            <a:off x="9622971" y="4365172"/>
+            <a:ext cx="2343743" cy="1938992"/>
+          </a:xfrm>
+          <a:prstGeom prst="rect">
+            <a:avLst/>
+          </a:prstGeom>
+          <a:noFill/>
+        </p:spPr>
+        <p:txBody>
+          <a:bodyPr wrap="square" rtlCol="0">
+            <a:spAutoFit/>
+          </a:bodyPr>
+          <a:lstStyle/>
+          <a:p>
+            <a:r>
+              <a:rPr lang="en-US" sz="2000" dirty="0" smtClean="0">
+                <a:solidFill>
+                  <a:schemeClr val="accent2">
+                    <a:lumMod val="75000"/>
+                  </a:schemeClr>
+                </a:solidFill>
+              </a:rPr>
+              <a:t>‘f</a:t>
+            </a:r>
+            <a:r>
+              <a:rPr lang="en-US" sz="2000" dirty="0" smtClean="0">
+                <a:solidFill>
+                  <a:schemeClr val="accent2">
+                    <a:lumMod val="75000"/>
+                  </a:schemeClr>
+                </a:solidFill>
+              </a:rPr>
+              <a:t>ill’ refers to the color inside the bar shape.  </a:t>
+            </a:r>
+          </a:p>
+          <a:p>
+            <a:r>
+              <a:rPr lang="en-US" sz="2000" dirty="0" smtClean="0">
+                <a:solidFill>
+                  <a:schemeClr val="accent2">
+                    <a:lumMod val="75000"/>
+                  </a:schemeClr>
+                </a:solidFill>
+              </a:rPr>
+              <a:t>‘color’ refers to the line border around the bar shape</a:t>
+            </a:r>
+            <a:endParaRPr lang="en-US" sz="2000" dirty="0">
+              <a:solidFill>
+                <a:schemeClr val="accent2">
+                  <a:lumMod val="75000"/>
+                </a:schemeClr>
+              </a:solidFill>
+            </a:endParaRPr>
+          </a:p>
+        </p:txBody>
+      </p:sp>
+      <p:cxnSp>
+        <p:nvCxnSpPr>
+          <p:cNvPr id="15" name="Straight Arrow Connector 14"/>
+          <p:cNvCxnSpPr/>
+          <p:nvPr/>
+        </p:nvCxnSpPr>
+        <p:spPr>
+          <a:xfrm flipH="1" flipV="1">
+            <a:off x="6942906" y="4760169"/>
+            <a:ext cx="2460172" cy="1099179"/>
+          </a:xfrm>
+          <a:prstGeom prst="straightConnector1">
+            <a:avLst/>
+          </a:prstGeom>
+          <a:ln w="38100">
+            <a:solidFill>
+              <a:schemeClr val="accent2">
+                <a:lumMod val="75000"/>
+              </a:schemeClr>
+            </a:solidFill>
+            <a:tailEnd type="triangle"/>
+          </a:ln>
+        </p:spPr>
+        <p:style>
+          <a:lnRef idx="1">
+            <a:schemeClr val="accent1"/>
+          </a:lnRef>
+          <a:fillRef idx="0">
+            <a:schemeClr val="accent1"/>
+          </a:fillRef>
+          <a:effectRef idx="0">
+            <a:schemeClr val="accent1"/>
+          </a:effectRef>
+          <a:fontRef idx="minor">
+            <a:schemeClr val="tx1"/>
+          </a:fontRef>
+        </p:style>
+      </p:cxnSp>
+    </p:spTree>
+    <p:extLst>
+      <p:ext uri="{BB962C8B-B14F-4D97-AF65-F5344CB8AC3E}">
+        <p14:creationId xmlns:p14="http://schemas.microsoft.com/office/powerpoint/2010/main" val="694612825"/>
+      </p:ext>
+    </p:extLst>
+  </p:cSld>
+  <p:clrMapOvr>
+    <a:masterClrMapping/>
+  </p:clrMapOvr>
+  <p:timing>
+    <p:tnLst>
+      <p:par>
+        <p:cTn id="1" dur="indefinite" restart="never" nodeType="tmRoot"/>
+      </p:par>
+    </p:tnLst>
+  </p:timing>
+</p:sld>
+</file>
+
+<file path=ppt/slides/slide29.xml><?xml version="1.0" encoding="utf-8"?>
+<p:sld xmlns:a="http://schemas.openxmlformats.org/drawingml/2006/main" xmlns:r="http://schemas.openxmlformats.org/officeDocument/2006/relationships" xmlns:p="http://schemas.openxmlformats.org/presentationml/2006/main">
+  <p:cSld>
+    <p:spTree>
+      <p:nvGrpSpPr>
+        <p:cNvPr id="1" name=""/>
+        <p:cNvGrpSpPr/>
+        <p:nvPr/>
+      </p:nvGrpSpPr>
+      <p:grpSpPr>
+        <a:xfrm>
+          <a:off x="0" y="0"/>
+          <a:ext cx="0" cy="0"/>
+          <a:chOff x="0" y="0"/>
+          <a:chExt cx="0" cy="0"/>
+        </a:xfrm>
+      </p:grpSpPr>
+      <p:sp>
+        <p:nvSpPr>
+          <p:cNvPr id="4" name="TextBox 3"/>
+          <p:cNvSpPr txBox="1"/>
+          <p:nvPr/>
+        </p:nvSpPr>
+        <p:spPr>
+          <a:xfrm>
+            <a:off x="715617" y="457200"/>
+            <a:ext cx="3949414" cy="523220"/>
+          </a:xfrm>
+          <a:prstGeom prst="rect">
+            <a:avLst/>
+          </a:prstGeom>
+          <a:noFill/>
+        </p:spPr>
+        <p:txBody>
+          <a:bodyPr wrap="none" rtlCol="0">
+            <a:spAutoFit/>
+          </a:bodyPr>
+          <a:lstStyle/>
+          <a:p>
+            <a:r>
+              <a:rPr lang="en-US" sz="2800" b="1" dirty="0" smtClean="0"/>
+              <a:t>To </a:t>
+            </a:r>
+            <a:r>
+              <a:rPr lang="en-US" sz="2800" b="1" dirty="0" smtClean="0"/>
+              <a:t>flip orientation of bars</a:t>
+            </a:r>
+            <a:endParaRPr lang="en-US" b="1" dirty="0"/>
+          </a:p>
+        </p:txBody>
+      </p:sp>
+      <p:sp>
+        <p:nvSpPr>
+          <p:cNvPr id="5" name="TextBox 4"/>
+          <p:cNvSpPr txBox="1"/>
+          <p:nvPr/>
+        </p:nvSpPr>
+        <p:spPr>
+          <a:xfrm>
+            <a:off x="715617" y="1796643"/>
+            <a:ext cx="9939132" cy="4154984"/>
+          </a:xfrm>
+          <a:prstGeom prst="rect">
+            <a:avLst/>
+          </a:prstGeom>
+          <a:noFill/>
+        </p:spPr>
+        <p:txBody>
+          <a:bodyPr wrap="square" rtlCol="0">
+            <a:spAutoFit/>
+          </a:bodyPr>
+          <a:lstStyle/>
+          <a:p>
+            <a:r>
+              <a:rPr lang="en-US" sz="2400" b="1" dirty="0" smtClean="0">
+                <a:solidFill>
+                  <a:srgbClr val="0766F5"/>
+                </a:solidFill>
+                <a:latin typeface="Lucida Console" panose="020B0609040504020204" pitchFamily="49" charset="0"/>
+              </a:rPr>
+              <a:t>library</a:t>
+            </a:r>
+            <a:r>
+              <a:rPr lang="en-US" sz="2400" dirty="0" smtClean="0">
+                <a:latin typeface="Lucida Console" panose="020B0609040504020204" pitchFamily="49" charset="0"/>
+              </a:rPr>
+              <a:t>(</a:t>
+            </a:r>
+            <a:r>
+              <a:rPr lang="en-US" sz="2400" dirty="0" err="1" smtClean="0">
+                <a:latin typeface="Lucida Console" panose="020B0609040504020204" pitchFamily="49" charset="0"/>
+              </a:rPr>
+              <a:t>tidyverse</a:t>
+            </a:r>
+            <a:r>
+              <a:rPr lang="en-US" sz="2400" dirty="0" smtClean="0">
+                <a:latin typeface="Lucida Console" panose="020B0609040504020204" pitchFamily="49" charset="0"/>
+              </a:rPr>
+              <a:t>)</a:t>
+            </a:r>
+          </a:p>
+          <a:p>
+            <a:endParaRPr lang="en-US" sz="2400" dirty="0">
+              <a:latin typeface="Lucida Console" panose="020B0609040504020204" pitchFamily="49" charset="0"/>
+            </a:endParaRPr>
+          </a:p>
+          <a:p>
+            <a:endParaRPr lang="en-US" sz="2400" dirty="0" smtClean="0">
+              <a:latin typeface="Lucida Console" panose="020B0609040504020204" pitchFamily="49" charset="0"/>
+            </a:endParaRPr>
+          </a:p>
+          <a:p>
+            <a:r>
+              <a:rPr lang="en-US" sz="2400" dirty="0" err="1" smtClean="0">
+                <a:latin typeface="Lucida Console" panose="020B0609040504020204" pitchFamily="49" charset="0"/>
+              </a:rPr>
+              <a:t>ggplot</a:t>
+            </a:r>
+            <a:r>
+              <a:rPr lang="en-US" sz="2400" dirty="0" smtClean="0">
+                <a:latin typeface="Lucida Console" panose="020B0609040504020204" pitchFamily="49" charset="0"/>
+              </a:rPr>
+              <a:t>(</a:t>
+            </a:r>
+            <a:r>
+              <a:rPr lang="en-US" sz="2400" dirty="0" err="1" smtClean="0">
+                <a:solidFill>
+                  <a:srgbClr val="FF0000"/>
+                </a:solidFill>
+                <a:latin typeface="Lucida Console" panose="020B0609040504020204" pitchFamily="49" charset="0"/>
+              </a:rPr>
+              <a:t>df</a:t>
+            </a:r>
+            <a:r>
+              <a:rPr lang="en-US" sz="2400" dirty="0" smtClean="0">
+                <a:latin typeface="Lucida Console" panose="020B0609040504020204" pitchFamily="49" charset="0"/>
+              </a:rPr>
+              <a:t>, </a:t>
+            </a:r>
+            <a:r>
+              <a:rPr lang="en-US" sz="2400" dirty="0" err="1" smtClean="0">
+                <a:latin typeface="Lucida Console" panose="020B0609040504020204" pitchFamily="49" charset="0"/>
+              </a:rPr>
+              <a:t>aes</a:t>
+            </a:r>
+            <a:r>
+              <a:rPr lang="en-US" sz="2400" dirty="0" smtClean="0">
+                <a:latin typeface="Lucida Console" panose="020B0609040504020204" pitchFamily="49" charset="0"/>
+              </a:rPr>
+              <a:t>(x=</a:t>
+            </a:r>
+            <a:r>
+              <a:rPr lang="en-US" sz="2400" dirty="0" smtClean="0">
+                <a:solidFill>
+                  <a:srgbClr val="FF0000"/>
+                </a:solidFill>
+                <a:latin typeface="Lucida Console" panose="020B0609040504020204" pitchFamily="49" charset="0"/>
+              </a:rPr>
+              <a:t>x</a:t>
+            </a:r>
+            <a:r>
+              <a:rPr lang="en-US" sz="2400" dirty="0" smtClean="0">
+                <a:latin typeface="Lucida Console" panose="020B0609040504020204" pitchFamily="49" charset="0"/>
+              </a:rPr>
+              <a:t>, y=</a:t>
+            </a:r>
+            <a:r>
+              <a:rPr lang="en-US" sz="2400" dirty="0" smtClean="0">
+                <a:solidFill>
+                  <a:srgbClr val="FF0000"/>
+                </a:solidFill>
+                <a:latin typeface="Lucida Console" panose="020B0609040504020204" pitchFamily="49" charset="0"/>
+              </a:rPr>
+              <a:t>y</a:t>
+            </a:r>
+            <a:r>
+              <a:rPr lang="en-US" sz="2400" dirty="0" smtClean="0">
+                <a:latin typeface="Lucida Console" panose="020B0609040504020204" pitchFamily="49" charset="0"/>
+              </a:rPr>
+              <a:t>)) + </a:t>
+            </a:r>
+            <a:r>
+              <a:rPr lang="en-US" sz="2400" dirty="0" err="1" smtClean="0">
+                <a:latin typeface="Lucida Console" panose="020B0609040504020204" pitchFamily="49" charset="0"/>
+              </a:rPr>
+              <a:t>geom_col</a:t>
+            </a:r>
+            <a:r>
+              <a:rPr lang="en-US" sz="2400" dirty="0" smtClean="0">
+                <a:latin typeface="Lucida Console" panose="020B0609040504020204" pitchFamily="49" charset="0"/>
+              </a:rPr>
+              <a:t>()</a:t>
+            </a:r>
+            <a:endParaRPr lang="en-US" sz="2400" dirty="0" smtClean="0">
+              <a:latin typeface="Lucida Console" panose="020B0609040504020204" pitchFamily="49" charset="0"/>
+            </a:endParaRPr>
+          </a:p>
+          <a:p>
+            <a:endParaRPr lang="en-US" sz="2400" dirty="0" smtClean="0">
+              <a:latin typeface="Lucida Console" panose="020B0609040504020204" pitchFamily="49" charset="0"/>
+            </a:endParaRPr>
+          </a:p>
+          <a:p>
+            <a:endParaRPr lang="en-US" sz="2400" dirty="0">
+              <a:latin typeface="Lucida Console" panose="020B0609040504020204" pitchFamily="49" charset="0"/>
+            </a:endParaRPr>
+          </a:p>
+          <a:p>
+            <a:r>
+              <a:rPr lang="en-US" sz="2400" dirty="0" err="1" smtClean="0">
+                <a:latin typeface="Lucida Console" panose="020B0609040504020204" pitchFamily="49" charset="0"/>
+              </a:rPr>
+              <a:t>ggplot</a:t>
+            </a:r>
+            <a:r>
+              <a:rPr lang="en-US" sz="2400" dirty="0" smtClean="0">
+                <a:latin typeface="Lucida Console" panose="020B0609040504020204" pitchFamily="49" charset="0"/>
+              </a:rPr>
+              <a:t>(</a:t>
+            </a:r>
+            <a:r>
+              <a:rPr lang="en-US" sz="2400" dirty="0" err="1" smtClean="0">
+                <a:solidFill>
+                  <a:srgbClr val="FF0000"/>
+                </a:solidFill>
+                <a:latin typeface="Lucida Console" panose="020B0609040504020204" pitchFamily="49" charset="0"/>
+              </a:rPr>
+              <a:t>df</a:t>
+            </a:r>
+            <a:r>
+              <a:rPr lang="en-US" sz="2400" dirty="0" smtClean="0">
+                <a:latin typeface="Lucida Console" panose="020B0609040504020204" pitchFamily="49" charset="0"/>
+              </a:rPr>
+              <a:t>, </a:t>
+            </a:r>
+            <a:r>
+              <a:rPr lang="en-US" sz="2400" dirty="0" err="1" smtClean="0">
+                <a:latin typeface="Lucida Console" panose="020B0609040504020204" pitchFamily="49" charset="0"/>
+              </a:rPr>
+              <a:t>aes</a:t>
+            </a:r>
+            <a:r>
+              <a:rPr lang="en-US" sz="2400" dirty="0" smtClean="0">
+                <a:latin typeface="Lucida Console" panose="020B0609040504020204" pitchFamily="49" charset="0"/>
+              </a:rPr>
+              <a:t>(x=</a:t>
+            </a:r>
+            <a:r>
+              <a:rPr lang="en-US" sz="2400" dirty="0" smtClean="0">
+                <a:solidFill>
+                  <a:srgbClr val="FF0000"/>
+                </a:solidFill>
+                <a:latin typeface="Lucida Console" panose="020B0609040504020204" pitchFamily="49" charset="0"/>
+              </a:rPr>
+              <a:t>x</a:t>
+            </a:r>
+            <a:r>
+              <a:rPr lang="en-US" sz="2400" dirty="0" smtClean="0">
+                <a:latin typeface="Lucida Console" panose="020B0609040504020204" pitchFamily="49" charset="0"/>
+              </a:rPr>
+              <a:t>, y=</a:t>
+            </a:r>
+            <a:r>
+              <a:rPr lang="en-US" sz="2400" dirty="0" smtClean="0">
+                <a:solidFill>
+                  <a:srgbClr val="FF0000"/>
+                </a:solidFill>
+                <a:latin typeface="Lucida Console" panose="020B0609040504020204" pitchFamily="49" charset="0"/>
+              </a:rPr>
+              <a:t>y</a:t>
+            </a:r>
+            <a:r>
+              <a:rPr lang="en-US" sz="2400" dirty="0" smtClean="0">
+                <a:latin typeface="Lucida Console" panose="020B0609040504020204" pitchFamily="49" charset="0"/>
+              </a:rPr>
+              <a:t>)) + </a:t>
+            </a:r>
+            <a:endParaRPr lang="en-US" sz="2400" dirty="0" smtClean="0">
+              <a:latin typeface="Lucida Console" panose="020B0609040504020204" pitchFamily="49" charset="0"/>
+            </a:endParaRPr>
+          </a:p>
+          <a:p>
+            <a:r>
+              <a:rPr lang="en-US" sz="2400" dirty="0">
+                <a:latin typeface="Lucida Console" panose="020B0609040504020204" pitchFamily="49" charset="0"/>
+              </a:rPr>
+              <a:t> </a:t>
+            </a:r>
+            <a:r>
+              <a:rPr lang="en-US" sz="2400" dirty="0" smtClean="0">
+                <a:latin typeface="Lucida Console" panose="020B0609040504020204" pitchFamily="49" charset="0"/>
+              </a:rPr>
+              <a:t>    </a:t>
+            </a:r>
+            <a:r>
+              <a:rPr lang="en-US" sz="2400" dirty="0" err="1" smtClean="0">
+                <a:latin typeface="Lucida Console" panose="020B0609040504020204" pitchFamily="49" charset="0"/>
+              </a:rPr>
+              <a:t>geom_col</a:t>
+            </a:r>
+            <a:r>
+              <a:rPr lang="en-US" sz="2400" dirty="0" smtClean="0">
+                <a:latin typeface="Lucida Console" panose="020B0609040504020204" pitchFamily="49" charset="0"/>
+              </a:rPr>
+              <a:t>() +</a:t>
+            </a:r>
+          </a:p>
+          <a:p>
+            <a:r>
+              <a:rPr lang="en-US" sz="2400" dirty="0">
+                <a:latin typeface="Lucida Console" panose="020B0609040504020204" pitchFamily="49" charset="0"/>
+              </a:rPr>
+              <a:t> </a:t>
+            </a:r>
+            <a:r>
+              <a:rPr lang="en-US" sz="2400" dirty="0" smtClean="0">
+                <a:latin typeface="Lucida Console" panose="020B0609040504020204" pitchFamily="49" charset="0"/>
+              </a:rPr>
+              <a:t>    </a:t>
+            </a:r>
+            <a:r>
+              <a:rPr lang="en-US" sz="2400" dirty="0" err="1" smtClean="0">
+                <a:latin typeface="Lucida Console" panose="020B0609040504020204" pitchFamily="49" charset="0"/>
+              </a:rPr>
+              <a:t>coord_flip</a:t>
+            </a:r>
+            <a:r>
+              <a:rPr lang="en-US" sz="2400" dirty="0" smtClean="0">
+                <a:latin typeface="Lucida Console" panose="020B0609040504020204" pitchFamily="49" charset="0"/>
+              </a:rPr>
+              <a:t>()</a:t>
+            </a:r>
+            <a:endParaRPr lang="en-US" sz="2400" dirty="0" smtClean="0">
+              <a:latin typeface="Lucida Console" panose="020B0609040504020204" pitchFamily="49" charset="0"/>
+            </a:endParaRPr>
+          </a:p>
+          <a:p>
+            <a:endParaRPr lang="en-US" sz="2400" dirty="0">
+              <a:latin typeface="Lucida Console" panose="020B0609040504020204" pitchFamily="49" charset="0"/>
+            </a:endParaRPr>
+          </a:p>
+          <a:p>
+            <a:endParaRPr lang="en-US" sz="2400" dirty="0">
+              <a:latin typeface="Lucida Console" panose="020B0609040504020204" pitchFamily="49" charset="0"/>
+            </a:endParaRPr>
+          </a:p>
+        </p:txBody>
+      </p:sp>
+      <p:sp>
+        <p:nvSpPr>
+          <p:cNvPr id="14" name="TextBox 13"/>
+          <p:cNvSpPr txBox="1"/>
+          <p:nvPr/>
+        </p:nvSpPr>
+        <p:spPr>
+          <a:xfrm>
+            <a:off x="5145004" y="5136720"/>
+            <a:ext cx="3968867" cy="707886"/>
+          </a:xfrm>
+          <a:prstGeom prst="rect">
+            <a:avLst/>
+          </a:prstGeom>
+          <a:noFill/>
+        </p:spPr>
+        <p:txBody>
+          <a:bodyPr wrap="square" rtlCol="0">
+            <a:spAutoFit/>
+          </a:bodyPr>
+          <a:lstStyle/>
+          <a:p>
+            <a:r>
+              <a:rPr lang="en-US" sz="2000" dirty="0" smtClean="0">
+                <a:solidFill>
+                  <a:schemeClr val="accent2">
+                    <a:lumMod val="75000"/>
+                  </a:schemeClr>
+                </a:solidFill>
+              </a:rPr>
+              <a:t>You can flip the orientation of the bars using </a:t>
+            </a:r>
+            <a:r>
+              <a:rPr lang="en-US" sz="2000" dirty="0" err="1" smtClean="0">
+                <a:solidFill>
+                  <a:schemeClr val="accent2">
+                    <a:lumMod val="75000"/>
+                  </a:schemeClr>
+                </a:solidFill>
+              </a:rPr>
+              <a:t>coord_flip</a:t>
+            </a:r>
+            <a:r>
+              <a:rPr lang="en-US" sz="2000" dirty="0" smtClean="0">
+                <a:solidFill>
+                  <a:schemeClr val="accent2">
+                    <a:lumMod val="75000"/>
+                  </a:schemeClr>
+                </a:solidFill>
+              </a:rPr>
+              <a:t>()</a:t>
+            </a:r>
+            <a:endParaRPr lang="en-US" sz="2000" dirty="0">
+              <a:solidFill>
+                <a:schemeClr val="accent2">
+                  <a:lumMod val="75000"/>
+                </a:schemeClr>
+              </a:solidFill>
+            </a:endParaRPr>
+          </a:p>
+        </p:txBody>
+      </p:sp>
+      <p:cxnSp>
+        <p:nvCxnSpPr>
+          <p:cNvPr id="15" name="Straight Arrow Connector 14"/>
+          <p:cNvCxnSpPr/>
+          <p:nvPr/>
+        </p:nvCxnSpPr>
+        <p:spPr>
+          <a:xfrm flipH="1" flipV="1">
+            <a:off x="4080723" y="4938773"/>
+            <a:ext cx="1064281" cy="395895"/>
+          </a:xfrm>
+          <a:prstGeom prst="straightConnector1">
+            <a:avLst/>
+          </a:prstGeom>
+          <a:ln w="38100">
+            <a:solidFill>
+              <a:schemeClr val="accent2">
+                <a:lumMod val="75000"/>
+              </a:schemeClr>
+            </a:solidFill>
+            <a:tailEnd type="triangle"/>
+          </a:ln>
+        </p:spPr>
+        <p:style>
+          <a:lnRef idx="1">
+            <a:schemeClr val="accent1"/>
+          </a:lnRef>
+          <a:fillRef idx="0">
+            <a:schemeClr val="accent1"/>
+          </a:fillRef>
+          <a:effectRef idx="0">
+            <a:schemeClr val="accent1"/>
+          </a:effectRef>
+          <a:fontRef idx="minor">
+            <a:schemeClr val="tx1"/>
+          </a:fontRef>
+        </p:style>
+      </p:cxnSp>
+    </p:spTree>
+    <p:extLst>
+      <p:ext uri="{BB962C8B-B14F-4D97-AF65-F5344CB8AC3E}">
+        <p14:creationId xmlns:p14="http://schemas.microsoft.com/office/powerpoint/2010/main" val="1659713665"/>
+      </p:ext>
+    </p:extLst>
+  </p:cSld>
+  <p:clrMapOvr>
+    <a:masterClrMapping/>
+  </p:clrMapOvr>
+  <p:timing>
+    <p:tnLst>
+      <p:par>
+        <p:cTn id="1" dur="indefinite" restart="never" nodeType="tmRoot"/>
+      </p:par>
+    </p:tnLst>
+  </p:timing>
 </p:sld>
 </file>
 
@@ -7806,6 +10106,834 @@
       </p:par>
     </p:tnLst>
   </p:timing>
+</p:sld>
+</file>
+
+<file path=ppt/slides/slide30.xml><?xml version="1.0" encoding="utf-8"?>
+<p:sld xmlns:a="http://schemas.openxmlformats.org/drawingml/2006/main" xmlns:r="http://schemas.openxmlformats.org/officeDocument/2006/relationships" xmlns:p="http://schemas.openxmlformats.org/presentationml/2006/main">
+  <p:cSld>
+    <p:spTree>
+      <p:nvGrpSpPr>
+        <p:cNvPr id="1" name=""/>
+        <p:cNvGrpSpPr/>
+        <p:nvPr/>
+      </p:nvGrpSpPr>
+      <p:grpSpPr>
+        <a:xfrm>
+          <a:off x="0" y="0"/>
+          <a:ext cx="0" cy="0"/>
+          <a:chOff x="0" y="0"/>
+          <a:chExt cx="0" cy="0"/>
+        </a:xfrm>
+      </p:grpSpPr>
+      <p:sp>
+        <p:nvSpPr>
+          <p:cNvPr id="4" name="TextBox 3"/>
+          <p:cNvSpPr txBox="1"/>
+          <p:nvPr/>
+        </p:nvSpPr>
+        <p:spPr>
+          <a:xfrm>
+            <a:off x="715617" y="457200"/>
+            <a:ext cx="8062400" cy="523220"/>
+          </a:xfrm>
+          <a:prstGeom prst="rect">
+            <a:avLst/>
+          </a:prstGeom>
+          <a:noFill/>
+        </p:spPr>
+        <p:txBody>
+          <a:bodyPr wrap="none" rtlCol="0">
+            <a:spAutoFit/>
+          </a:bodyPr>
+          <a:lstStyle/>
+          <a:p>
+            <a:r>
+              <a:rPr lang="en-US" sz="2800" b="1" dirty="0" smtClean="0"/>
+              <a:t>To </a:t>
+            </a:r>
+            <a:r>
+              <a:rPr lang="en-US" sz="2800" b="1" dirty="0" smtClean="0"/>
+              <a:t>reorder order of categories on x-axis of bar graphs</a:t>
+            </a:r>
+            <a:endParaRPr lang="en-US" b="1" dirty="0"/>
+          </a:p>
+        </p:txBody>
+      </p:sp>
+      <p:sp>
+        <p:nvSpPr>
+          <p:cNvPr id="5" name="TextBox 4"/>
+          <p:cNvSpPr txBox="1"/>
+          <p:nvPr/>
+        </p:nvSpPr>
+        <p:spPr>
+          <a:xfrm>
+            <a:off x="606760" y="1796643"/>
+            <a:ext cx="9939132" cy="4154984"/>
+          </a:xfrm>
+          <a:prstGeom prst="rect">
+            <a:avLst/>
+          </a:prstGeom>
+          <a:noFill/>
+        </p:spPr>
+        <p:txBody>
+          <a:bodyPr wrap="square" rtlCol="0">
+            <a:spAutoFit/>
+          </a:bodyPr>
+          <a:lstStyle/>
+          <a:p>
+            <a:r>
+              <a:rPr lang="en-US" sz="2400" b="1" dirty="0" smtClean="0">
+                <a:solidFill>
+                  <a:srgbClr val="0766F5"/>
+                </a:solidFill>
+                <a:latin typeface="Lucida Console" panose="020B0609040504020204" pitchFamily="49" charset="0"/>
+              </a:rPr>
+              <a:t>library</a:t>
+            </a:r>
+            <a:r>
+              <a:rPr lang="en-US" sz="2400" dirty="0" smtClean="0">
+                <a:latin typeface="Lucida Console" panose="020B0609040504020204" pitchFamily="49" charset="0"/>
+              </a:rPr>
+              <a:t>(</a:t>
+            </a:r>
+            <a:r>
+              <a:rPr lang="en-US" sz="2400" dirty="0" err="1" smtClean="0">
+                <a:latin typeface="Lucida Console" panose="020B0609040504020204" pitchFamily="49" charset="0"/>
+              </a:rPr>
+              <a:t>tidyverse</a:t>
+            </a:r>
+            <a:r>
+              <a:rPr lang="en-US" sz="2400" dirty="0" smtClean="0">
+                <a:latin typeface="Lucida Console" panose="020B0609040504020204" pitchFamily="49" charset="0"/>
+              </a:rPr>
+              <a:t>)</a:t>
+            </a:r>
+          </a:p>
+          <a:p>
+            <a:endParaRPr lang="en-US" sz="2400" dirty="0">
+              <a:latin typeface="Lucida Console" panose="020B0609040504020204" pitchFamily="49" charset="0"/>
+            </a:endParaRPr>
+          </a:p>
+          <a:p>
+            <a:endParaRPr lang="en-US" sz="2400" dirty="0" smtClean="0">
+              <a:latin typeface="Lucida Console" panose="020B0609040504020204" pitchFamily="49" charset="0"/>
+            </a:endParaRPr>
+          </a:p>
+          <a:p>
+            <a:r>
+              <a:rPr lang="en-US" sz="2400" dirty="0" err="1" smtClean="0">
+                <a:latin typeface="Lucida Console" panose="020B0609040504020204" pitchFamily="49" charset="0"/>
+              </a:rPr>
+              <a:t>ggplot</a:t>
+            </a:r>
+            <a:r>
+              <a:rPr lang="en-US" sz="2400" dirty="0" smtClean="0">
+                <a:latin typeface="Lucida Console" panose="020B0609040504020204" pitchFamily="49" charset="0"/>
+              </a:rPr>
+              <a:t>(</a:t>
+            </a:r>
+            <a:r>
+              <a:rPr lang="en-US" sz="2400" dirty="0" err="1" smtClean="0">
+                <a:solidFill>
+                  <a:srgbClr val="FF0000"/>
+                </a:solidFill>
+                <a:latin typeface="Lucida Console" panose="020B0609040504020204" pitchFamily="49" charset="0"/>
+              </a:rPr>
+              <a:t>df</a:t>
+            </a:r>
+            <a:r>
+              <a:rPr lang="en-US" sz="2400" dirty="0" smtClean="0">
+                <a:latin typeface="Lucida Console" panose="020B0609040504020204" pitchFamily="49" charset="0"/>
+              </a:rPr>
+              <a:t>, </a:t>
+            </a:r>
+            <a:r>
+              <a:rPr lang="en-US" sz="2400" dirty="0" err="1" smtClean="0">
+                <a:latin typeface="Lucida Console" panose="020B0609040504020204" pitchFamily="49" charset="0"/>
+              </a:rPr>
+              <a:t>aes</a:t>
+            </a:r>
+            <a:r>
+              <a:rPr lang="en-US" sz="2400" dirty="0" smtClean="0">
+                <a:latin typeface="Lucida Console" panose="020B0609040504020204" pitchFamily="49" charset="0"/>
+              </a:rPr>
+              <a:t>(x=</a:t>
+            </a:r>
+            <a:r>
+              <a:rPr lang="en-US" sz="2400" dirty="0" smtClean="0">
+                <a:solidFill>
+                  <a:srgbClr val="FF0000"/>
+                </a:solidFill>
+                <a:latin typeface="Lucida Console" panose="020B0609040504020204" pitchFamily="49" charset="0"/>
+              </a:rPr>
+              <a:t>x</a:t>
+            </a:r>
+            <a:r>
+              <a:rPr lang="en-US" sz="2400" dirty="0" smtClean="0">
+                <a:latin typeface="Lucida Console" panose="020B0609040504020204" pitchFamily="49" charset="0"/>
+              </a:rPr>
+              <a:t>, y=</a:t>
+            </a:r>
+            <a:r>
+              <a:rPr lang="en-US" sz="2400" dirty="0" smtClean="0">
+                <a:solidFill>
+                  <a:srgbClr val="FF0000"/>
+                </a:solidFill>
+                <a:latin typeface="Lucida Console" panose="020B0609040504020204" pitchFamily="49" charset="0"/>
+              </a:rPr>
+              <a:t>y</a:t>
+            </a:r>
+            <a:r>
+              <a:rPr lang="en-US" sz="2400" dirty="0" smtClean="0">
+                <a:latin typeface="Lucida Console" panose="020B0609040504020204" pitchFamily="49" charset="0"/>
+              </a:rPr>
+              <a:t>)) + </a:t>
+            </a:r>
+            <a:r>
+              <a:rPr lang="en-US" sz="2400" dirty="0" err="1" smtClean="0">
+                <a:latin typeface="Lucida Console" panose="020B0609040504020204" pitchFamily="49" charset="0"/>
+              </a:rPr>
+              <a:t>geom_col</a:t>
+            </a:r>
+            <a:r>
+              <a:rPr lang="en-US" sz="2400" dirty="0" smtClean="0">
+                <a:latin typeface="Lucida Console" panose="020B0609040504020204" pitchFamily="49" charset="0"/>
+              </a:rPr>
+              <a:t>()</a:t>
+            </a:r>
+            <a:endParaRPr lang="en-US" sz="2400" dirty="0" smtClean="0">
+              <a:latin typeface="Lucida Console" panose="020B0609040504020204" pitchFamily="49" charset="0"/>
+            </a:endParaRPr>
+          </a:p>
+          <a:p>
+            <a:endParaRPr lang="en-US" sz="2400" dirty="0" smtClean="0">
+              <a:latin typeface="Lucida Console" panose="020B0609040504020204" pitchFamily="49" charset="0"/>
+            </a:endParaRPr>
+          </a:p>
+          <a:p>
+            <a:endParaRPr lang="en-US" sz="2400" dirty="0">
+              <a:latin typeface="Lucida Console" panose="020B0609040504020204" pitchFamily="49" charset="0"/>
+            </a:endParaRPr>
+          </a:p>
+          <a:p>
+            <a:r>
+              <a:rPr lang="en-US" sz="2400" dirty="0" err="1" smtClean="0">
+                <a:latin typeface="Lucida Console" panose="020B0609040504020204" pitchFamily="49" charset="0"/>
+              </a:rPr>
+              <a:t>ggplot</a:t>
+            </a:r>
+            <a:r>
+              <a:rPr lang="en-US" sz="2400" dirty="0" smtClean="0">
+                <a:latin typeface="Lucida Console" panose="020B0609040504020204" pitchFamily="49" charset="0"/>
+              </a:rPr>
+              <a:t>(</a:t>
+            </a:r>
+            <a:r>
+              <a:rPr lang="en-US" sz="2400" dirty="0" err="1" smtClean="0">
+                <a:solidFill>
+                  <a:srgbClr val="FF0000"/>
+                </a:solidFill>
+                <a:latin typeface="Lucida Console" panose="020B0609040504020204" pitchFamily="49" charset="0"/>
+              </a:rPr>
+              <a:t>df</a:t>
+            </a:r>
+            <a:r>
+              <a:rPr lang="en-US" sz="2400" dirty="0" smtClean="0">
+                <a:latin typeface="Lucida Console" panose="020B0609040504020204" pitchFamily="49" charset="0"/>
+              </a:rPr>
+              <a:t>, </a:t>
+            </a:r>
+            <a:r>
+              <a:rPr lang="en-US" sz="2400" dirty="0" err="1" smtClean="0">
+                <a:latin typeface="Lucida Console" panose="020B0609040504020204" pitchFamily="49" charset="0"/>
+              </a:rPr>
+              <a:t>aes</a:t>
+            </a:r>
+            <a:r>
+              <a:rPr lang="en-US" sz="2400" dirty="0" smtClean="0">
+                <a:latin typeface="Lucida Console" panose="020B0609040504020204" pitchFamily="49" charset="0"/>
+              </a:rPr>
+              <a:t>(x=reorder(</a:t>
+            </a:r>
+            <a:r>
+              <a:rPr lang="en-US" sz="2400" dirty="0" smtClean="0">
+                <a:solidFill>
+                  <a:srgbClr val="FF0000"/>
+                </a:solidFill>
+                <a:latin typeface="Lucida Console" panose="020B0609040504020204" pitchFamily="49" charset="0"/>
+              </a:rPr>
+              <a:t>x</a:t>
+            </a:r>
+            <a:r>
+              <a:rPr lang="en-US" sz="2400" dirty="0" smtClean="0">
+                <a:latin typeface="Lucida Console" panose="020B0609040504020204" pitchFamily="49" charset="0"/>
+              </a:rPr>
+              <a:t>,</a:t>
+            </a:r>
+            <a:r>
+              <a:rPr lang="en-US" sz="2400" dirty="0" smtClean="0">
+                <a:solidFill>
+                  <a:srgbClr val="FF0000"/>
+                </a:solidFill>
+                <a:latin typeface="Lucida Console" panose="020B0609040504020204" pitchFamily="49" charset="0"/>
+              </a:rPr>
+              <a:t> y</a:t>
+            </a:r>
+            <a:r>
+              <a:rPr lang="en-US" sz="2400" dirty="0" smtClean="0">
+                <a:latin typeface="Lucida Console" panose="020B0609040504020204" pitchFamily="49" charset="0"/>
+              </a:rPr>
+              <a:t>), </a:t>
+            </a:r>
+            <a:r>
+              <a:rPr lang="en-US" sz="2400" dirty="0" smtClean="0">
+                <a:latin typeface="Lucida Console" panose="020B0609040504020204" pitchFamily="49" charset="0"/>
+              </a:rPr>
+              <a:t>y=</a:t>
+            </a:r>
+            <a:r>
+              <a:rPr lang="en-US" sz="2400" dirty="0" smtClean="0">
+                <a:solidFill>
+                  <a:srgbClr val="FF0000"/>
+                </a:solidFill>
+                <a:latin typeface="Lucida Console" panose="020B0609040504020204" pitchFamily="49" charset="0"/>
+              </a:rPr>
+              <a:t>y</a:t>
+            </a:r>
+            <a:r>
+              <a:rPr lang="en-US" sz="2400" dirty="0" smtClean="0">
+                <a:latin typeface="Lucida Console" panose="020B0609040504020204" pitchFamily="49" charset="0"/>
+              </a:rPr>
+              <a:t>)) + </a:t>
+            </a:r>
+            <a:r>
+              <a:rPr lang="en-US" sz="2400" dirty="0" err="1" smtClean="0">
+                <a:latin typeface="Lucida Console" panose="020B0609040504020204" pitchFamily="49" charset="0"/>
+              </a:rPr>
+              <a:t>geom_col</a:t>
+            </a:r>
+            <a:r>
+              <a:rPr lang="en-US" sz="2400" dirty="0" smtClean="0">
+                <a:latin typeface="Lucida Console" panose="020B0609040504020204" pitchFamily="49" charset="0"/>
+              </a:rPr>
+              <a:t>()</a:t>
+            </a:r>
+            <a:endParaRPr lang="en-US" sz="2400" dirty="0">
+              <a:latin typeface="Lucida Console" panose="020B0609040504020204" pitchFamily="49" charset="0"/>
+            </a:endParaRPr>
+          </a:p>
+          <a:p>
+            <a:endParaRPr lang="en-US" sz="2400" dirty="0" smtClean="0">
+              <a:latin typeface="Lucida Console" panose="020B0609040504020204" pitchFamily="49" charset="0"/>
+            </a:endParaRPr>
+          </a:p>
+          <a:p>
+            <a:endParaRPr lang="en-US" sz="2400" dirty="0" smtClean="0">
+              <a:latin typeface="Lucida Console" panose="020B0609040504020204" pitchFamily="49" charset="0"/>
+            </a:endParaRPr>
+          </a:p>
+          <a:p>
+            <a:r>
+              <a:rPr lang="en-US" sz="2400" dirty="0" err="1" smtClean="0">
+                <a:latin typeface="Lucida Console" panose="020B0609040504020204" pitchFamily="49" charset="0"/>
+              </a:rPr>
+              <a:t>ggplot</a:t>
+            </a:r>
+            <a:r>
+              <a:rPr lang="en-US" sz="2400" dirty="0" smtClean="0">
+                <a:latin typeface="Lucida Console" panose="020B0609040504020204" pitchFamily="49" charset="0"/>
+              </a:rPr>
+              <a:t>(</a:t>
+            </a:r>
+            <a:r>
+              <a:rPr lang="en-US" sz="2400" dirty="0" err="1" smtClean="0">
+                <a:solidFill>
+                  <a:srgbClr val="FF0000"/>
+                </a:solidFill>
+                <a:latin typeface="Lucida Console" panose="020B0609040504020204" pitchFamily="49" charset="0"/>
+              </a:rPr>
+              <a:t>df</a:t>
+            </a:r>
+            <a:r>
+              <a:rPr lang="en-US" sz="2400" dirty="0">
+                <a:latin typeface="Lucida Console" panose="020B0609040504020204" pitchFamily="49" charset="0"/>
+              </a:rPr>
+              <a:t>, </a:t>
+            </a:r>
+            <a:r>
+              <a:rPr lang="en-US" sz="2400" dirty="0" err="1">
+                <a:latin typeface="Lucida Console" panose="020B0609040504020204" pitchFamily="49" charset="0"/>
+              </a:rPr>
+              <a:t>aes</a:t>
+            </a:r>
+            <a:r>
+              <a:rPr lang="en-US" sz="2400" dirty="0">
+                <a:latin typeface="Lucida Console" panose="020B0609040504020204" pitchFamily="49" charset="0"/>
+              </a:rPr>
+              <a:t>(x=reorder(</a:t>
+            </a:r>
+            <a:r>
+              <a:rPr lang="en-US" sz="2400" dirty="0">
+                <a:solidFill>
+                  <a:srgbClr val="FF0000"/>
+                </a:solidFill>
+                <a:latin typeface="Lucida Console" panose="020B0609040504020204" pitchFamily="49" charset="0"/>
+              </a:rPr>
+              <a:t>x</a:t>
+            </a:r>
+            <a:r>
+              <a:rPr lang="en-US" sz="2400" dirty="0">
+                <a:latin typeface="Lucida Console" panose="020B0609040504020204" pitchFamily="49" charset="0"/>
+              </a:rPr>
+              <a:t>,</a:t>
+            </a:r>
+            <a:r>
+              <a:rPr lang="en-US" sz="2400" dirty="0">
+                <a:solidFill>
+                  <a:srgbClr val="FF0000"/>
+                </a:solidFill>
+                <a:latin typeface="Lucida Console" panose="020B0609040504020204" pitchFamily="49" charset="0"/>
+              </a:rPr>
+              <a:t> </a:t>
+            </a:r>
+            <a:r>
+              <a:rPr lang="en-US" sz="2400" dirty="0" smtClean="0">
+                <a:solidFill>
+                  <a:srgbClr val="FF0000"/>
+                </a:solidFill>
+                <a:latin typeface="Lucida Console" panose="020B0609040504020204" pitchFamily="49" charset="0"/>
+              </a:rPr>
+              <a:t>-y</a:t>
+            </a:r>
+            <a:r>
+              <a:rPr lang="en-US" sz="2400" dirty="0">
+                <a:latin typeface="Lucida Console" panose="020B0609040504020204" pitchFamily="49" charset="0"/>
+              </a:rPr>
+              <a:t>), y=</a:t>
+            </a:r>
+            <a:r>
+              <a:rPr lang="en-US" sz="2400" dirty="0">
+                <a:solidFill>
+                  <a:srgbClr val="FF0000"/>
+                </a:solidFill>
+                <a:latin typeface="Lucida Console" panose="020B0609040504020204" pitchFamily="49" charset="0"/>
+              </a:rPr>
+              <a:t>y</a:t>
+            </a:r>
+            <a:r>
+              <a:rPr lang="en-US" sz="2400" dirty="0">
+                <a:latin typeface="Lucida Console" panose="020B0609040504020204" pitchFamily="49" charset="0"/>
+              </a:rPr>
+              <a:t>)) + </a:t>
+            </a:r>
+            <a:r>
+              <a:rPr lang="en-US" sz="2400" dirty="0" err="1">
+                <a:latin typeface="Lucida Console" panose="020B0609040504020204" pitchFamily="49" charset="0"/>
+              </a:rPr>
+              <a:t>geom_col</a:t>
+            </a:r>
+            <a:r>
+              <a:rPr lang="en-US" sz="2400" dirty="0">
+                <a:latin typeface="Lucida Console" panose="020B0609040504020204" pitchFamily="49" charset="0"/>
+              </a:rPr>
+              <a:t>()</a:t>
+            </a:r>
+          </a:p>
+          <a:p>
+            <a:endParaRPr lang="en-US" sz="2400" dirty="0">
+              <a:latin typeface="Lucida Console" panose="020B0609040504020204" pitchFamily="49" charset="0"/>
+            </a:endParaRPr>
+          </a:p>
+        </p:txBody>
+      </p:sp>
+      <p:sp>
+        <p:nvSpPr>
+          <p:cNvPr id="14" name="TextBox 13"/>
+          <p:cNvSpPr txBox="1"/>
+          <p:nvPr/>
+        </p:nvSpPr>
+        <p:spPr>
+          <a:xfrm>
+            <a:off x="9285514" y="1155527"/>
+            <a:ext cx="2734843" cy="2246769"/>
+          </a:xfrm>
+          <a:prstGeom prst="rect">
+            <a:avLst/>
+          </a:prstGeom>
+          <a:noFill/>
+        </p:spPr>
+        <p:txBody>
+          <a:bodyPr wrap="square" rtlCol="0">
+            <a:spAutoFit/>
+          </a:bodyPr>
+          <a:lstStyle/>
+          <a:p>
+            <a:r>
+              <a:rPr lang="en-US" sz="2000" dirty="0" smtClean="0">
+                <a:solidFill>
+                  <a:schemeClr val="accent2">
+                    <a:lumMod val="75000"/>
+                  </a:schemeClr>
+                </a:solidFill>
+              </a:rPr>
+              <a:t>Wrap reorder() around your x. Then put a comma and the column you wish to order by (usually the y column).</a:t>
+            </a:r>
+          </a:p>
+          <a:p>
+            <a:r>
+              <a:rPr lang="en-US" sz="2000" dirty="0" smtClean="0">
+                <a:solidFill>
+                  <a:schemeClr val="accent2">
+                    <a:lumMod val="75000"/>
+                  </a:schemeClr>
+                </a:solidFill>
+              </a:rPr>
+              <a:t>Be careful to close brackets.</a:t>
+            </a:r>
+            <a:endParaRPr lang="en-US" sz="2000" dirty="0">
+              <a:solidFill>
+                <a:schemeClr val="accent2">
+                  <a:lumMod val="75000"/>
+                </a:schemeClr>
+              </a:solidFill>
+            </a:endParaRPr>
+          </a:p>
+        </p:txBody>
+      </p:sp>
+      <p:cxnSp>
+        <p:nvCxnSpPr>
+          <p:cNvPr id="15" name="Straight Arrow Connector 14"/>
+          <p:cNvCxnSpPr/>
+          <p:nvPr/>
+        </p:nvCxnSpPr>
+        <p:spPr>
+          <a:xfrm flipH="1">
+            <a:off x="5798173" y="2786743"/>
+            <a:ext cx="3487341" cy="1219444"/>
+          </a:xfrm>
+          <a:prstGeom prst="straightConnector1">
+            <a:avLst/>
+          </a:prstGeom>
+          <a:ln w="38100">
+            <a:solidFill>
+              <a:schemeClr val="accent2">
+                <a:lumMod val="75000"/>
+              </a:schemeClr>
+            </a:solidFill>
+            <a:tailEnd type="triangle"/>
+          </a:ln>
+        </p:spPr>
+        <p:style>
+          <a:lnRef idx="1">
+            <a:schemeClr val="accent1"/>
+          </a:lnRef>
+          <a:fillRef idx="0">
+            <a:schemeClr val="accent1"/>
+          </a:fillRef>
+          <a:effectRef idx="0">
+            <a:schemeClr val="accent1"/>
+          </a:effectRef>
+          <a:fontRef idx="minor">
+            <a:schemeClr val="tx1"/>
+          </a:fontRef>
+        </p:style>
+      </p:cxnSp>
+      <p:cxnSp>
+        <p:nvCxnSpPr>
+          <p:cNvPr id="9" name="Straight Arrow Connector 8"/>
+          <p:cNvCxnSpPr/>
+          <p:nvPr/>
+        </p:nvCxnSpPr>
+        <p:spPr>
+          <a:xfrm flipH="1" flipV="1">
+            <a:off x="6096001" y="5497286"/>
+            <a:ext cx="1034142" cy="454341"/>
+          </a:xfrm>
+          <a:prstGeom prst="straightConnector1">
+            <a:avLst/>
+          </a:prstGeom>
+          <a:ln w="38100">
+            <a:solidFill>
+              <a:schemeClr val="accent2">
+                <a:lumMod val="75000"/>
+              </a:schemeClr>
+            </a:solidFill>
+            <a:tailEnd type="triangle"/>
+          </a:ln>
+        </p:spPr>
+        <p:style>
+          <a:lnRef idx="1">
+            <a:schemeClr val="accent1"/>
+          </a:lnRef>
+          <a:fillRef idx="0">
+            <a:schemeClr val="accent1"/>
+          </a:fillRef>
+          <a:effectRef idx="0">
+            <a:schemeClr val="accent1"/>
+          </a:effectRef>
+          <a:fontRef idx="minor">
+            <a:schemeClr val="tx1"/>
+          </a:fontRef>
+        </p:style>
+      </p:cxnSp>
+      <p:sp>
+        <p:nvSpPr>
+          <p:cNvPr id="12" name="TextBox 11"/>
+          <p:cNvSpPr txBox="1"/>
+          <p:nvPr/>
+        </p:nvSpPr>
+        <p:spPr>
+          <a:xfrm>
+            <a:off x="7130143" y="5724456"/>
+            <a:ext cx="5077637" cy="1015663"/>
+          </a:xfrm>
+          <a:prstGeom prst="rect">
+            <a:avLst/>
+          </a:prstGeom>
+          <a:noFill/>
+        </p:spPr>
+        <p:txBody>
+          <a:bodyPr wrap="square" rtlCol="0">
+            <a:spAutoFit/>
+          </a:bodyPr>
+          <a:lstStyle/>
+          <a:p>
+            <a:r>
+              <a:rPr lang="en-US" sz="2000" dirty="0" smtClean="0">
+                <a:solidFill>
+                  <a:schemeClr val="accent2">
+                    <a:lumMod val="75000"/>
+                  </a:schemeClr>
+                </a:solidFill>
+              </a:rPr>
+              <a:t>Often you actually want to organize in descending order, so put the negative sign in front of the y axis name</a:t>
+            </a:r>
+            <a:endParaRPr lang="en-US" sz="2000" dirty="0">
+              <a:solidFill>
+                <a:schemeClr val="accent2">
+                  <a:lumMod val="75000"/>
+                </a:schemeClr>
+              </a:solidFill>
+            </a:endParaRPr>
+          </a:p>
+        </p:txBody>
+      </p:sp>
+    </p:spTree>
+    <p:extLst>
+      <p:ext uri="{BB962C8B-B14F-4D97-AF65-F5344CB8AC3E}">
+        <p14:creationId xmlns:p14="http://schemas.microsoft.com/office/powerpoint/2010/main" val="4166403344"/>
+      </p:ext>
+    </p:extLst>
+  </p:cSld>
+  <p:clrMapOvr>
+    <a:masterClrMapping/>
+  </p:clrMapOvr>
+  <p:timing>
+    <p:tnLst>
+      <p:par>
+        <p:cTn id="1" dur="indefinite" restart="never" nodeType="tmRoot"/>
+      </p:par>
+    </p:tnLst>
+  </p:timing>
+</p:sld>
+</file>
+
+<file path=ppt/slides/slide31.xml><?xml version="1.0" encoding="utf-8"?>
+<p:sld xmlns:a="http://schemas.openxmlformats.org/drawingml/2006/main" xmlns:r="http://schemas.openxmlformats.org/officeDocument/2006/relationships" xmlns:p="http://schemas.openxmlformats.org/presentationml/2006/main">
+  <p:cSld>
+    <p:spTree>
+      <p:nvGrpSpPr>
+        <p:cNvPr id="1" name=""/>
+        <p:cNvGrpSpPr/>
+        <p:nvPr/>
+      </p:nvGrpSpPr>
+      <p:grpSpPr>
+        <a:xfrm>
+          <a:off x="0" y="0"/>
+          <a:ext cx="0" cy="0"/>
+          <a:chOff x="0" y="0"/>
+          <a:chExt cx="0" cy="0"/>
+        </a:xfrm>
+      </p:grpSpPr>
+    </p:spTree>
+    <p:extLst>
+      <p:ext uri="{BB962C8B-B14F-4D97-AF65-F5344CB8AC3E}">
+        <p14:creationId xmlns:p14="http://schemas.microsoft.com/office/powerpoint/2010/main" val="181756959"/>
+      </p:ext>
+    </p:extLst>
+  </p:cSld>
+  <p:clrMapOvr>
+    <a:masterClrMapping/>
+  </p:clrMapOvr>
+</p:sld>
+</file>
+
+<file path=ppt/slides/slide32.xml><?xml version="1.0" encoding="utf-8"?>
+<p:sld xmlns:a="http://schemas.openxmlformats.org/drawingml/2006/main" xmlns:r="http://schemas.openxmlformats.org/officeDocument/2006/relationships" xmlns:p="http://schemas.openxmlformats.org/presentationml/2006/main">
+  <p:cSld>
+    <p:spTree>
+      <p:nvGrpSpPr>
+        <p:cNvPr id="1" name=""/>
+        <p:cNvGrpSpPr/>
+        <p:nvPr/>
+      </p:nvGrpSpPr>
+      <p:grpSpPr>
+        <a:xfrm>
+          <a:off x="0" y="0"/>
+          <a:ext cx="0" cy="0"/>
+          <a:chOff x="0" y="0"/>
+          <a:chExt cx="0" cy="0"/>
+        </a:xfrm>
+      </p:grpSpPr>
+    </p:spTree>
+    <p:extLst>
+      <p:ext uri="{BB962C8B-B14F-4D97-AF65-F5344CB8AC3E}">
+        <p14:creationId xmlns:p14="http://schemas.microsoft.com/office/powerpoint/2010/main" val="338132458"/>
+      </p:ext>
+    </p:extLst>
+  </p:cSld>
+  <p:clrMapOvr>
+    <a:masterClrMapping/>
+  </p:clrMapOvr>
+</p:sld>
+</file>
+
+<file path=ppt/slides/slide33.xml><?xml version="1.0" encoding="utf-8"?>
+<p:sld xmlns:a="http://schemas.openxmlformats.org/drawingml/2006/main" xmlns:r="http://schemas.openxmlformats.org/officeDocument/2006/relationships" xmlns:p="http://schemas.openxmlformats.org/presentationml/2006/main">
+  <p:cSld>
+    <p:spTree>
+      <p:nvGrpSpPr>
+        <p:cNvPr id="1" name=""/>
+        <p:cNvGrpSpPr/>
+        <p:nvPr/>
+      </p:nvGrpSpPr>
+      <p:grpSpPr>
+        <a:xfrm>
+          <a:off x="0" y="0"/>
+          <a:ext cx="0" cy="0"/>
+          <a:chOff x="0" y="0"/>
+          <a:chExt cx="0" cy="0"/>
+        </a:xfrm>
+      </p:grpSpPr>
+      <p:pic>
+        <p:nvPicPr>
+          <p:cNvPr id="2" name="Picture 1"/>
+          <p:cNvPicPr>
+            <a:picLocks noChangeAspect="1"/>
+          </p:cNvPicPr>
+          <p:nvPr/>
+        </p:nvPicPr>
+        <p:blipFill>
+          <a:blip r:embed="rId2"/>
+          <a:stretch>
+            <a:fillRect/>
+          </a:stretch>
+        </p:blipFill>
+        <p:spPr>
+          <a:xfrm>
+            <a:off x="5524450" y="429926"/>
+            <a:ext cx="5295950" cy="6267127"/>
+          </a:xfrm>
+          <a:prstGeom prst="rect">
+            <a:avLst/>
+          </a:prstGeom>
+        </p:spPr>
+      </p:pic>
+      <p:pic>
+        <p:nvPicPr>
+          <p:cNvPr id="3" name="Picture 2"/>
+          <p:cNvPicPr>
+            <a:picLocks noChangeAspect="1"/>
+          </p:cNvPicPr>
+          <p:nvPr/>
+        </p:nvPicPr>
+        <p:blipFill>
+          <a:blip r:embed="rId3"/>
+          <a:stretch>
+            <a:fillRect/>
+          </a:stretch>
+        </p:blipFill>
+        <p:spPr>
+          <a:xfrm>
+            <a:off x="1208315" y="582326"/>
+            <a:ext cx="2590799" cy="4722900"/>
+          </a:xfrm>
+          <a:prstGeom prst="rect">
+            <a:avLst/>
+          </a:prstGeom>
+        </p:spPr>
+      </p:pic>
+      <p:sp>
+        <p:nvSpPr>
+          <p:cNvPr id="4" name="TextBox 3"/>
+          <p:cNvSpPr txBox="1"/>
+          <p:nvPr/>
+        </p:nvSpPr>
+        <p:spPr>
+          <a:xfrm>
+            <a:off x="174171" y="5954485"/>
+            <a:ext cx="5181600" cy="461665"/>
+          </a:xfrm>
+          <a:prstGeom prst="rect">
+            <a:avLst/>
+          </a:prstGeom>
+          <a:noFill/>
+        </p:spPr>
+        <p:txBody>
+          <a:bodyPr wrap="square" rtlCol="0">
+            <a:spAutoFit/>
+          </a:bodyPr>
+          <a:lstStyle/>
+          <a:p>
+            <a:r>
+              <a:rPr lang="en-US" sz="2400" dirty="0" smtClean="0"/>
+              <a:t>Data not yet made into summary counts</a:t>
+            </a:r>
+            <a:endParaRPr lang="en-US" sz="2400" dirty="0"/>
+          </a:p>
+        </p:txBody>
+      </p:sp>
+    </p:spTree>
+    <p:extLst>
+      <p:ext uri="{BB962C8B-B14F-4D97-AF65-F5344CB8AC3E}">
+        <p14:creationId xmlns:p14="http://schemas.microsoft.com/office/powerpoint/2010/main" val="612491043"/>
+      </p:ext>
+    </p:extLst>
+  </p:cSld>
+  <p:clrMapOvr>
+    <a:masterClrMapping/>
+  </p:clrMapOvr>
+</p:sld>
+</file>
+
+<file path=ppt/slides/slide34.xml><?xml version="1.0" encoding="utf-8"?>
+<p:sld xmlns:a="http://schemas.openxmlformats.org/drawingml/2006/main" xmlns:r="http://schemas.openxmlformats.org/officeDocument/2006/relationships" xmlns:p="http://schemas.openxmlformats.org/presentationml/2006/main">
+  <p:cSld>
+    <p:spTree>
+      <p:nvGrpSpPr>
+        <p:cNvPr id="1" name=""/>
+        <p:cNvGrpSpPr/>
+        <p:nvPr/>
+      </p:nvGrpSpPr>
+      <p:grpSpPr>
+        <a:xfrm>
+          <a:off x="0" y="0"/>
+          <a:ext cx="0" cy="0"/>
+          <a:chOff x="0" y="0"/>
+          <a:chExt cx="0" cy="0"/>
+        </a:xfrm>
+      </p:grpSpPr>
+    </p:spTree>
+    <p:extLst>
+      <p:ext uri="{BB962C8B-B14F-4D97-AF65-F5344CB8AC3E}">
+        <p14:creationId xmlns:p14="http://schemas.microsoft.com/office/powerpoint/2010/main" val="3190527779"/>
+      </p:ext>
+    </p:extLst>
+  </p:cSld>
+  <p:clrMapOvr>
+    <a:masterClrMapping/>
+  </p:clrMapOvr>
 </p:sld>
 </file>
 

--- a/slides/intro_ggplot2.pptx
+++ b/slides/intro_ggplot2.pptx
@@ -52,8 +52,17 @@
     <p:sldId id="304" r:id="rId46"/>
     <p:sldId id="303" r:id="rId47"/>
     <p:sldId id="305" r:id="rId48"/>
-    <p:sldId id="284" r:id="rId49"/>
-    <p:sldId id="286" r:id="rId50"/>
+    <p:sldId id="307" r:id="rId49"/>
+    <p:sldId id="308" r:id="rId50"/>
+    <p:sldId id="284" r:id="rId51"/>
+    <p:sldId id="286" r:id="rId52"/>
+    <p:sldId id="309" r:id="rId53"/>
+    <p:sldId id="313" r:id="rId54"/>
+    <p:sldId id="315" r:id="rId55"/>
+    <p:sldId id="314" r:id="rId56"/>
+    <p:sldId id="310" r:id="rId57"/>
+    <p:sldId id="311" r:id="rId58"/>
+    <p:sldId id="312" r:id="rId59"/>
   </p:sldIdLst>
   <p:sldSz cx="12192000" cy="6858000"/>
   <p:notesSz cx="6858000" cy="9144000"/>
@@ -291,7 +300,7 @@
           <a:p>
             <a:fld id="{3327A99C-74C4-48BE-A4A2-C59926EA5F7C}" type="datetimeFigureOut">
               <a:rPr lang="en-US" smtClean="0"/>
-              <a:t>6/7/2020</a:t>
+              <a:t>6/14/2020</a:t>
             </a:fld>
             <a:endParaRPr lang="en-US"/>
           </a:p>
@@ -461,7 +470,7 @@
           <a:p>
             <a:fld id="{3327A99C-74C4-48BE-A4A2-C59926EA5F7C}" type="datetimeFigureOut">
               <a:rPr lang="en-US" smtClean="0"/>
-              <a:t>6/7/2020</a:t>
+              <a:t>6/14/2020</a:t>
             </a:fld>
             <a:endParaRPr lang="en-US"/>
           </a:p>
@@ -641,7 +650,7 @@
           <a:p>
             <a:fld id="{3327A99C-74C4-48BE-A4A2-C59926EA5F7C}" type="datetimeFigureOut">
               <a:rPr lang="en-US" smtClean="0"/>
-              <a:t>6/7/2020</a:t>
+              <a:t>6/14/2020</a:t>
             </a:fld>
             <a:endParaRPr lang="en-US"/>
           </a:p>
@@ -811,7 +820,7 @@
           <a:p>
             <a:fld id="{3327A99C-74C4-48BE-A4A2-C59926EA5F7C}" type="datetimeFigureOut">
               <a:rPr lang="en-US" smtClean="0"/>
-              <a:t>6/7/2020</a:t>
+              <a:t>6/14/2020</a:t>
             </a:fld>
             <a:endParaRPr lang="en-US"/>
           </a:p>
@@ -1057,7 +1066,7 @@
           <a:p>
             <a:fld id="{3327A99C-74C4-48BE-A4A2-C59926EA5F7C}" type="datetimeFigureOut">
               <a:rPr lang="en-US" smtClean="0"/>
-              <a:t>6/7/2020</a:t>
+              <a:t>6/14/2020</a:t>
             </a:fld>
             <a:endParaRPr lang="en-US"/>
           </a:p>
@@ -1289,7 +1298,7 @@
           <a:p>
             <a:fld id="{3327A99C-74C4-48BE-A4A2-C59926EA5F7C}" type="datetimeFigureOut">
               <a:rPr lang="en-US" smtClean="0"/>
-              <a:t>6/7/2020</a:t>
+              <a:t>6/14/2020</a:t>
             </a:fld>
             <a:endParaRPr lang="en-US"/>
           </a:p>
@@ -1656,7 +1665,7 @@
           <a:p>
             <a:fld id="{3327A99C-74C4-48BE-A4A2-C59926EA5F7C}" type="datetimeFigureOut">
               <a:rPr lang="en-US" smtClean="0"/>
-              <a:t>6/7/2020</a:t>
+              <a:t>6/14/2020</a:t>
             </a:fld>
             <a:endParaRPr lang="en-US"/>
           </a:p>
@@ -1774,7 +1783,7 @@
           <a:p>
             <a:fld id="{3327A99C-74C4-48BE-A4A2-C59926EA5F7C}" type="datetimeFigureOut">
               <a:rPr lang="en-US" smtClean="0"/>
-              <a:t>6/7/2020</a:t>
+              <a:t>6/14/2020</a:t>
             </a:fld>
             <a:endParaRPr lang="en-US"/>
           </a:p>
@@ -1869,7 +1878,7 @@
           <a:p>
             <a:fld id="{3327A99C-74C4-48BE-A4A2-C59926EA5F7C}" type="datetimeFigureOut">
               <a:rPr lang="en-US" smtClean="0"/>
-              <a:t>6/7/2020</a:t>
+              <a:t>6/14/2020</a:t>
             </a:fld>
             <a:endParaRPr lang="en-US"/>
           </a:p>
@@ -2146,7 +2155,7 @@
           <a:p>
             <a:fld id="{3327A99C-74C4-48BE-A4A2-C59926EA5F7C}" type="datetimeFigureOut">
               <a:rPr lang="en-US" smtClean="0"/>
-              <a:t>6/7/2020</a:t>
+              <a:t>6/14/2020</a:t>
             </a:fld>
             <a:endParaRPr lang="en-US"/>
           </a:p>
@@ -2399,7 +2408,7 @@
           <a:p>
             <a:fld id="{3327A99C-74C4-48BE-A4A2-C59926EA5F7C}" type="datetimeFigureOut">
               <a:rPr lang="en-US" smtClean="0"/>
-              <a:t>6/7/2020</a:t>
+              <a:t>6/14/2020</a:t>
             </a:fld>
             <a:endParaRPr lang="en-US"/>
           </a:p>
@@ -2612,7 +2621,7 @@
           <a:p>
             <a:fld id="{3327A99C-74C4-48BE-A4A2-C59926EA5F7C}" type="datetimeFigureOut">
               <a:rPr lang="en-US" smtClean="0"/>
-              <a:t>6/7/2020</a:t>
+              <a:t>6/14/2020</a:t>
             </a:fld>
             <a:endParaRPr lang="en-US"/>
           </a:p>
@@ -5409,11 +5418,7 @@
           <a:p>
             <a:r>
               <a:rPr lang="en-US" sz="2000" dirty="0" smtClean="0"/>
-              <a:t>Can also visualize </a:t>
-            </a:r>
-            <a:r>
-              <a:rPr lang="en-US" sz="2000" dirty="0" smtClean="0"/>
-              <a:t>a </a:t>
+              <a:t>Can also visualize a </a:t>
             </a:r>
             <a:r>
               <a:rPr lang="en-US" sz="2000" b="1" dirty="0" smtClean="0"/>
@@ -11855,13 +11860,7 @@
               <a:rPr lang="en-US" sz="2400" dirty="0" smtClean="0">
                 <a:latin typeface="Lucida Console" panose="020B0609040504020204" pitchFamily="49" charset="0"/>
               </a:rPr>
-              <a:t>)) </a:t>
-            </a:r>
-            <a:r>
-              <a:rPr lang="en-US" sz="2400" dirty="0" smtClean="0">
-                <a:latin typeface="Lucida Console" panose="020B0609040504020204" pitchFamily="49" charset="0"/>
-              </a:rPr>
-              <a:t>+ </a:t>
+              <a:t>)) + </a:t>
             </a:r>
             <a:r>
               <a:rPr lang="en-US" sz="2400" dirty="0" err="1" smtClean="0">
@@ -11875,9 +11874,6 @@
               </a:rPr>
               <a:t>()</a:t>
             </a:r>
-            <a:endParaRPr lang="en-US" sz="2400" dirty="0" smtClean="0">
-              <a:latin typeface="Lucida Console" panose="020B0609040504020204" pitchFamily="49" charset="0"/>
-            </a:endParaRPr>
           </a:p>
           <a:p>
             <a:endParaRPr lang="en-US" sz="2400" dirty="0">
@@ -12065,15 +12061,7 @@
                   <a:srgbClr val="FF0000"/>
                 </a:solidFill>
               </a:rPr>
-              <a:t>The categorical </a:t>
-            </a:r>
-            <a:r>
-              <a:rPr lang="en-US" dirty="0" smtClean="0">
-                <a:solidFill>
-                  <a:srgbClr val="FF0000"/>
-                </a:solidFill>
-              </a:rPr>
-              <a:t>variable</a:t>
+              <a:t>The categorical variable</a:t>
             </a:r>
           </a:p>
           <a:p>
@@ -12297,25 +12285,16 @@
           <a:p>
             <a:r>
               <a:rPr lang="en-US" sz="2400" dirty="0" smtClean="0"/>
-              <a:t>Visualizing </a:t>
-            </a:r>
+              <a:t>Visualizing distribution of data (y-axis) against grouping variable (x-axis).</a:t>
+            </a:r>
+          </a:p>
+          <a:p>
+            <a:endParaRPr lang="en-US" sz="2400" dirty="0"/>
+          </a:p>
+          <a:p>
             <a:r>
               <a:rPr lang="en-US" sz="2400" dirty="0" smtClean="0"/>
-              <a:t>distribution of data (y-axis) against grouping variable (x-axis).</a:t>
-            </a:r>
-            <a:endParaRPr lang="en-US" sz="2400" dirty="0" smtClean="0"/>
-          </a:p>
-          <a:p>
-            <a:endParaRPr lang="en-US" sz="2400" dirty="0"/>
-          </a:p>
-          <a:p>
-            <a:r>
-              <a:rPr lang="en-US" sz="2400" dirty="0" smtClean="0"/>
-              <a:t>…. </a:t>
-            </a:r>
-            <a:r>
-              <a:rPr lang="en-US" sz="2400" dirty="0" smtClean="0"/>
-              <a:t>Plotting raw data points over the top aids understanding as long as not too many data points</a:t>
+              <a:t>…. Plotting raw data points over the top aids understanding as long as not too many data points</a:t>
             </a:r>
             <a:endParaRPr lang="en-US" sz="2400" dirty="0"/>
           </a:p>
@@ -12683,11 +12662,7 @@
           <a:p>
             <a:r>
               <a:rPr lang="en-US" sz="2800" b="1" dirty="0" smtClean="0"/>
-              <a:t>Boxplots </a:t>
-            </a:r>
-            <a:r>
-              <a:rPr lang="en-US" sz="2800" b="1" dirty="0" smtClean="0"/>
-              <a:t>in ggplot2</a:t>
+              <a:t>Boxplots in ggplot2</a:t>
             </a:r>
             <a:endParaRPr lang="en-US" b="1" dirty="0"/>
           </a:p>
@@ -13567,9 +13542,6 @@
               </a:rPr>
               <a:t>)) + </a:t>
             </a:r>
-            <a:endParaRPr lang="en-US" sz="2400" dirty="0" smtClean="0">
-              <a:latin typeface="Lucida Console" panose="020B0609040504020204" pitchFamily="49" charset="0"/>
-            </a:endParaRPr>
           </a:p>
           <a:p>
             <a:r>
@@ -14129,9 +14101,6 @@
               </a:rPr>
               <a:t>)) + </a:t>
             </a:r>
-            <a:endParaRPr lang="en-US" sz="2400" dirty="0" smtClean="0">
-              <a:latin typeface="Lucida Console" panose="020B0609040504020204" pitchFamily="49" charset="0"/>
-            </a:endParaRPr>
           </a:p>
           <a:p>
             <a:r>
@@ -14691,9 +14660,6 @@
               </a:rPr>
               <a:t>)) + </a:t>
             </a:r>
-            <a:endParaRPr lang="en-US" sz="2400" dirty="0" smtClean="0">
-              <a:latin typeface="Lucida Console" panose="020B0609040504020204" pitchFamily="49" charset="0"/>
-            </a:endParaRPr>
           </a:p>
           <a:p>
             <a:r>
@@ -15021,17 +14987,7 @@
                   </a:schemeClr>
                 </a:solidFill>
               </a:rPr>
-              <a:t>This will add points in a jittered, wobbly manner but constrained by a width of 0.1 . </a:t>
-            </a:r>
-            <a:r>
-              <a:rPr lang="en-US" sz="2000" dirty="0" smtClean="0">
-                <a:solidFill>
-                  <a:schemeClr val="accent2">
-                    <a:lumMod val="75000"/>
-                  </a:schemeClr>
-                </a:solidFill>
-              </a:rPr>
-              <a:t>Play around with this number until the plots looks not too crazy</a:t>
+              <a:t>This will add points in a jittered, wobbly manner but constrained by a width of 0.1 . Play around with this number until the plots looks not too crazy</a:t>
             </a:r>
             <a:endParaRPr lang="en-US" sz="2000" dirty="0">
               <a:solidFill>
@@ -15278,9 +15234,6 @@
               </a:rPr>
               <a:t>)) + </a:t>
             </a:r>
-            <a:endParaRPr lang="en-US" sz="2400" dirty="0" smtClean="0">
-              <a:latin typeface="Lucida Console" panose="020B0609040504020204" pitchFamily="49" charset="0"/>
-            </a:endParaRPr>
           </a:p>
           <a:p>
             <a:r>
@@ -15637,9 +15590,6 @@
               </a:rPr>
               <a:t>)) + </a:t>
             </a:r>
-            <a:endParaRPr lang="en-US" sz="2400" dirty="0" smtClean="0">
-              <a:latin typeface="Lucida Console" panose="020B0609040504020204" pitchFamily="49" charset="0"/>
-            </a:endParaRPr>
           </a:p>
           <a:p>
             <a:r>
@@ -15702,9 +15652,6 @@
               </a:rPr>
               <a:t>")</a:t>
             </a:r>
-            <a:endParaRPr lang="en-US" sz="2400" dirty="0">
-              <a:latin typeface="Lucida Console" panose="020B0609040504020204" pitchFamily="49" charset="0"/>
-            </a:endParaRPr>
           </a:p>
         </p:txBody>
       </p:sp>
@@ -15772,39 +15719,7 @@
                   <a:srgbClr val="FF0000"/>
                 </a:solidFill>
               </a:rPr>
-              <a:t>Separate </a:t>
-            </a:r>
-            <a:r>
-              <a:rPr lang="en-US" dirty="0" smtClean="0">
-                <a:solidFill>
-                  <a:srgbClr val="FF0000"/>
-                </a:solidFill>
-              </a:rPr>
-              <a:t>fill </a:t>
-            </a:r>
-            <a:r>
-              <a:rPr lang="en-US" dirty="0" smtClean="0">
-                <a:solidFill>
-                  <a:srgbClr val="FF0000"/>
-                </a:solidFill>
-              </a:rPr>
-              <a:t>and </a:t>
-            </a:r>
-            <a:r>
-              <a:rPr lang="en-US" dirty="0" smtClean="0">
-                <a:solidFill>
-                  <a:srgbClr val="FF0000"/>
-                </a:solidFill>
-              </a:rPr>
-              <a:t>color by </a:t>
-            </a:r>
-            <a:r>
-              <a:rPr lang="en-US" dirty="0" smtClean="0">
-                <a:solidFill>
-                  <a:srgbClr val="FF0000"/>
-                </a:solidFill>
-              </a:rPr>
-              <a:t>comma</a:t>
+              <a:t>Separate fill and color by comma</a:t>
             </a:r>
             <a:endParaRPr lang="en-US" dirty="0">
               <a:solidFill>
@@ -15878,15 +15793,7 @@
                   <a:srgbClr val="FF0000"/>
                 </a:solidFill>
               </a:rPr>
-              <a:t>Enter a </a:t>
-            </a:r>
-            <a:r>
-              <a:rPr lang="en-US" dirty="0" smtClean="0">
-                <a:solidFill>
-                  <a:srgbClr val="FF0000"/>
-                </a:solidFill>
-              </a:rPr>
-              <a:t>color name with single or double quotes</a:t>
+              <a:t>Enter a color name with single or double quotes</a:t>
             </a:r>
             <a:endParaRPr lang="en-US" dirty="0">
               <a:solidFill>
@@ -15962,17 +15869,7 @@
                   </a:schemeClr>
                 </a:solidFill>
               </a:rPr>
-              <a:t>Remembe</a:t>
-            </a:r>
-            <a:r>
-              <a:rPr lang="en-US" sz="2000" dirty="0" smtClean="0">
-                <a:solidFill>
-                  <a:schemeClr val="accent2">
-                    <a:lumMod val="75000"/>
-                  </a:schemeClr>
-                </a:solidFill>
-              </a:rPr>
-              <a:t>r, ‘fill’ refers to the inside color of the boxplot, and ‘color’ refers to the lines around the boxplot.</a:t>
+              <a:t>Remember, ‘fill’ refers to the inside color of the boxplot, and ‘color’ refers to the lines around the boxplot.</a:t>
             </a:r>
             <a:endParaRPr lang="en-US" sz="2000" dirty="0">
               <a:solidFill>
@@ -16202,13 +16099,7 @@
               <a:rPr lang="en-US" sz="2400" dirty="0" smtClean="0">
                 <a:latin typeface="Lucida Console" panose="020B0609040504020204" pitchFamily="49" charset="0"/>
               </a:rPr>
-              <a:t>, </a:t>
-            </a:r>
-            <a:r>
-              <a:rPr lang="en-US" sz="2400" dirty="0" smtClean="0">
-                <a:latin typeface="Lucida Console" panose="020B0609040504020204" pitchFamily="49" charset="0"/>
-              </a:rPr>
-              <a:t>y=</a:t>
+              <a:t>, y=</a:t>
             </a:r>
             <a:r>
               <a:rPr lang="en-US" sz="2400" dirty="0" smtClean="0">
@@ -16238,17 +16129,8 @@
               <a:rPr lang="en-US" sz="2400" dirty="0" smtClean="0">
                 <a:latin typeface="Lucida Console" panose="020B0609040504020204" pitchFamily="49" charset="0"/>
               </a:rPr>
-              <a:t>) </a:t>
-            </a:r>
-            <a:r>
-              <a:rPr lang="en-US" sz="2400" dirty="0" smtClean="0">
-                <a:latin typeface="Lucida Console" panose="020B0609040504020204" pitchFamily="49" charset="0"/>
-              </a:rPr>
-              <a:t>+ </a:t>
-            </a:r>
-            <a:endParaRPr lang="en-US" sz="2400" dirty="0" smtClean="0">
-              <a:latin typeface="Lucida Console" panose="020B0609040504020204" pitchFamily="49" charset="0"/>
-            </a:endParaRPr>
+              <a:t>) + </a:t>
+            </a:r>
           </a:p>
           <a:p>
             <a:r>
@@ -16385,17 +16267,7 @@
                   </a:schemeClr>
                 </a:solidFill>
               </a:rPr>
-              <a:t>This will make each group of the x-axis have a separate color</a:t>
-            </a:r>
-            <a:r>
-              <a:rPr lang="en-US" sz="2000" dirty="0" smtClean="0">
-                <a:solidFill>
-                  <a:schemeClr val="accent2">
-                    <a:lumMod val="75000"/>
-                  </a:schemeClr>
-                </a:solidFill>
-              </a:rPr>
-              <a:t>.</a:t>
+              <a:t>This will make each group of the x-axis have a separate color.</a:t>
             </a:r>
             <a:endParaRPr lang="en-US" sz="2000" dirty="0">
               <a:solidFill>
@@ -16642,9 +16514,6 @@
               </a:rPr>
               <a:t>)) + </a:t>
             </a:r>
-            <a:endParaRPr lang="en-US" sz="2400" dirty="0" smtClean="0">
-              <a:latin typeface="Lucida Console" panose="020B0609040504020204" pitchFamily="49" charset="0"/>
-            </a:endParaRPr>
           </a:p>
           <a:p>
             <a:r>
@@ -16807,15 +16676,7 @@
                   <a:srgbClr val="FF0000"/>
                 </a:solidFill>
               </a:rPr>
-              <a:t>Enter a number </a:t>
-            </a:r>
-            <a:r>
-              <a:rPr lang="en-US" dirty="0" smtClean="0">
-                <a:solidFill>
-                  <a:srgbClr val="FF0000"/>
-                </a:solidFill>
-              </a:rPr>
-              <a:t>for </a:t>
+              <a:t>Enter a number for </a:t>
             </a:r>
             <a:r>
               <a:rPr lang="en-US" dirty="0" err="1" smtClean="0">
@@ -16912,15 +16773,7 @@
                   <a:srgbClr val="FF0000"/>
                 </a:solidFill>
               </a:rPr>
-              <a:t>Enter a </a:t>
-            </a:r>
-            <a:r>
-              <a:rPr lang="en-US" dirty="0" smtClean="0">
-                <a:solidFill>
-                  <a:srgbClr val="FF0000"/>
-                </a:solidFill>
-              </a:rPr>
-              <a:t>color name with single or double quotes</a:t>
+              <a:t>Enter a color name with single or double quotes</a:t>
             </a:r>
             <a:endParaRPr lang="en-US" dirty="0">
               <a:solidFill>
@@ -17362,10 +17215,104 @@
           <a:chExt cx="0" cy="0"/>
         </a:xfrm>
       </p:grpSpPr>
+      <p:sp>
+        <p:nvSpPr>
+          <p:cNvPr id="4" name="TextBox 3"/>
+          <p:cNvSpPr txBox="1"/>
+          <p:nvPr/>
+        </p:nvSpPr>
+        <p:spPr>
+          <a:xfrm>
+            <a:off x="715617" y="457200"/>
+            <a:ext cx="1853969" cy="523220"/>
+          </a:xfrm>
+          <a:prstGeom prst="rect">
+            <a:avLst/>
+          </a:prstGeom>
+          <a:noFill/>
+        </p:spPr>
+        <p:txBody>
+          <a:bodyPr wrap="none" rtlCol="0">
+            <a:spAutoFit/>
+          </a:bodyPr>
+          <a:lstStyle/>
+          <a:p>
+            <a:r>
+              <a:rPr lang="en-US" sz="2800" b="1" dirty="0" smtClean="0"/>
+              <a:t>Histograms</a:t>
+            </a:r>
+            <a:endParaRPr lang="en-US" b="1" dirty="0"/>
+          </a:p>
+        </p:txBody>
+      </p:sp>
+      <p:sp>
+        <p:nvSpPr>
+          <p:cNvPr id="5" name="TextBox 4"/>
+          <p:cNvSpPr txBox="1"/>
+          <p:nvPr/>
+        </p:nvSpPr>
+        <p:spPr>
+          <a:xfrm>
+            <a:off x="342628" y="2349218"/>
+            <a:ext cx="4245902" cy="1200329"/>
+          </a:xfrm>
+          <a:prstGeom prst="rect">
+            <a:avLst/>
+          </a:prstGeom>
+          <a:noFill/>
+        </p:spPr>
+        <p:txBody>
+          <a:bodyPr wrap="square" rtlCol="0">
+            <a:spAutoFit/>
+          </a:bodyPr>
+          <a:lstStyle/>
+          <a:p>
+            <a:r>
+              <a:rPr lang="en-US" sz="2400" dirty="0" smtClean="0"/>
+              <a:t>Visualizing </a:t>
+            </a:r>
+            <a:r>
+              <a:rPr lang="en-US" sz="2400" dirty="0" smtClean="0"/>
+              <a:t>the frequency (</a:t>
+            </a:r>
+            <a:r>
+              <a:rPr lang="en-US" sz="2400" dirty="0" smtClean="0"/>
+              <a:t>y-axis) of a continuous variable (x-axis)</a:t>
+            </a:r>
+          </a:p>
+          <a:p>
+            <a:endParaRPr lang="en-US" sz="2400" dirty="0" smtClean="0"/>
+          </a:p>
+        </p:txBody>
+      </p:sp>
+      <p:pic>
+        <p:nvPicPr>
+          <p:cNvPr id="3" name="Picture 2"/>
+          <p:cNvPicPr>
+            <a:picLocks noChangeAspect="1"/>
+          </p:cNvPicPr>
+          <p:nvPr/>
+        </p:nvPicPr>
+        <p:blipFill>
+          <a:blip r:embed="rId2"/>
+          <a:stretch>
+            <a:fillRect/>
+          </a:stretch>
+        </p:blipFill>
+        <p:spPr>
+          <a:xfrm>
+            <a:off x="4755870" y="1534306"/>
+            <a:ext cx="7005390" cy="4504030"/>
+          </a:xfrm>
+          <a:prstGeom prst="rect">
+            <a:avLst/>
+          </a:prstGeom>
+        </p:spPr>
+      </p:pic>
     </p:spTree>
     <p:extLst>
       <p:ext uri="{BB962C8B-B14F-4D97-AF65-F5344CB8AC3E}">
-        <p14:creationId xmlns:p14="http://schemas.microsoft.com/office/powerpoint/2010/main" val="338132458"/>
+        <p14:creationId xmlns:p14="http://schemas.microsoft.com/office/powerpoint/2010/main" val="1419736487"/>
       </p:ext>
     </p:extLst>
   </p:cSld>
@@ -17392,10 +17339,202 @@
           <a:chExt cx="0" cy="0"/>
         </a:xfrm>
       </p:grpSpPr>
+      <p:sp>
+        <p:nvSpPr>
+          <p:cNvPr id="4" name="TextBox 3"/>
+          <p:cNvSpPr txBox="1"/>
+          <p:nvPr/>
+        </p:nvSpPr>
+        <p:spPr>
+          <a:xfrm>
+            <a:off x="715617" y="457200"/>
+            <a:ext cx="1853969" cy="523220"/>
+          </a:xfrm>
+          <a:prstGeom prst="rect">
+            <a:avLst/>
+          </a:prstGeom>
+          <a:noFill/>
+        </p:spPr>
+        <p:txBody>
+          <a:bodyPr wrap="none" rtlCol="0">
+            <a:spAutoFit/>
+          </a:bodyPr>
+          <a:lstStyle/>
+          <a:p>
+            <a:r>
+              <a:rPr lang="en-US" sz="2800" b="1" dirty="0" smtClean="0"/>
+              <a:t>Histograms</a:t>
+            </a:r>
+            <a:endParaRPr lang="en-US" b="1" dirty="0"/>
+          </a:p>
+        </p:txBody>
+      </p:sp>
+      <p:sp>
+        <p:nvSpPr>
+          <p:cNvPr id="9" name="TextBox 8"/>
+          <p:cNvSpPr txBox="1"/>
+          <p:nvPr/>
+        </p:nvSpPr>
+        <p:spPr>
+          <a:xfrm>
+            <a:off x="5013949" y="5318732"/>
+            <a:ext cx="4817910" cy="1015663"/>
+          </a:xfrm>
+          <a:prstGeom prst="rect">
+            <a:avLst/>
+          </a:prstGeom>
+          <a:noFill/>
+        </p:spPr>
+        <p:txBody>
+          <a:bodyPr wrap="square" rtlCol="0">
+            <a:spAutoFit/>
+          </a:bodyPr>
+          <a:lstStyle/>
+          <a:p>
+            <a:r>
+              <a:rPr lang="en-US" sz="2000" dirty="0" smtClean="0"/>
+              <a:t>To create a histogram you need all the data for one variable in a column. Each row is a separate observation.</a:t>
+            </a:r>
+            <a:endParaRPr lang="en-US" sz="2000" dirty="0"/>
+          </a:p>
+        </p:txBody>
+      </p:sp>
+      <p:pic>
+        <p:nvPicPr>
+          <p:cNvPr id="11" name="Picture 10"/>
+          <p:cNvPicPr>
+            <a:picLocks noChangeAspect="1"/>
+          </p:cNvPicPr>
+          <p:nvPr/>
+        </p:nvPicPr>
+        <p:blipFill>
+          <a:blip r:embed="rId2"/>
+          <a:stretch>
+            <a:fillRect/>
+          </a:stretch>
+        </p:blipFill>
+        <p:spPr>
+          <a:xfrm>
+            <a:off x="4908043" y="980420"/>
+            <a:ext cx="6336606" cy="4074044"/>
+          </a:xfrm>
+          <a:prstGeom prst="rect">
+            <a:avLst/>
+          </a:prstGeom>
+        </p:spPr>
+      </p:pic>
+      <p:pic>
+        <p:nvPicPr>
+          <p:cNvPr id="2" name="Picture 1"/>
+          <p:cNvPicPr>
+            <a:picLocks noChangeAspect="1"/>
+          </p:cNvPicPr>
+          <p:nvPr/>
+        </p:nvPicPr>
+        <p:blipFill>
+          <a:blip r:embed="rId3"/>
+          <a:stretch>
+            <a:fillRect/>
+          </a:stretch>
+        </p:blipFill>
+        <p:spPr>
+          <a:xfrm>
+            <a:off x="495939" y="908357"/>
+            <a:ext cx="3777301" cy="5604532"/>
+          </a:xfrm>
+          <a:prstGeom prst="rect">
+            <a:avLst/>
+          </a:prstGeom>
+        </p:spPr>
+      </p:pic>
+      <p:sp>
+        <p:nvSpPr>
+          <p:cNvPr id="7" name="Rectangle 6"/>
+          <p:cNvSpPr/>
+          <p:nvPr/>
+        </p:nvSpPr>
+        <p:spPr>
+          <a:xfrm>
+            <a:off x="3120438" y="1202486"/>
+            <a:ext cx="521878" cy="5310403"/>
+          </a:xfrm>
+          <a:prstGeom prst="rect">
+            <a:avLst/>
+          </a:prstGeom>
+          <a:solidFill>
+            <a:srgbClr val="FFF2CC">
+              <a:alpha val="23137"/>
+            </a:srgbClr>
+          </a:solidFill>
+          <a:ln>
+            <a:noFill/>
+          </a:ln>
+        </p:spPr>
+        <p:style>
+          <a:lnRef idx="2">
+            <a:schemeClr val="accent1">
+              <a:shade val="50000"/>
+            </a:schemeClr>
+          </a:lnRef>
+          <a:fillRef idx="1">
+            <a:schemeClr val="accent1"/>
+          </a:fillRef>
+          <a:effectRef idx="0">
+            <a:schemeClr val="accent1"/>
+          </a:effectRef>
+          <a:fontRef idx="minor">
+            <a:schemeClr val="lt1"/>
+          </a:fontRef>
+        </p:style>
+        <p:txBody>
+          <a:bodyPr rtlCol="0" anchor="ctr"/>
+          <a:lstStyle/>
+          <a:p>
+            <a:pPr algn="ctr"/>
+            <a:endParaRPr lang="en-US"/>
+          </a:p>
+        </p:txBody>
+      </p:sp>
+      <p:cxnSp>
+        <p:nvCxnSpPr>
+          <p:cNvPr id="10" name="Straight Arrow Connector 9"/>
+          <p:cNvCxnSpPr/>
+          <p:nvPr/>
+        </p:nvCxnSpPr>
+        <p:spPr>
+          <a:xfrm flipH="1" flipV="1">
+            <a:off x="3684614" y="4562794"/>
+            <a:ext cx="1389894" cy="879505"/>
+          </a:xfrm>
+          <a:prstGeom prst="straightConnector1">
+            <a:avLst/>
+          </a:prstGeom>
+          <a:ln w="38100">
+            <a:solidFill>
+              <a:srgbClr val="FF0000"/>
+            </a:solidFill>
+            <a:tailEnd type="triangle"/>
+          </a:ln>
+        </p:spPr>
+        <p:style>
+          <a:lnRef idx="1">
+            <a:schemeClr val="accent1"/>
+          </a:lnRef>
+          <a:fillRef idx="0">
+            <a:schemeClr val="accent1"/>
+          </a:fillRef>
+          <a:effectRef idx="0">
+            <a:schemeClr val="accent1"/>
+          </a:effectRef>
+          <a:fontRef idx="minor">
+            <a:schemeClr val="tx1"/>
+          </a:fontRef>
+        </p:style>
+      </p:cxnSp>
     </p:spTree>
     <p:extLst>
       <p:ext uri="{BB962C8B-B14F-4D97-AF65-F5344CB8AC3E}">
-        <p14:creationId xmlns:p14="http://schemas.microsoft.com/office/powerpoint/2010/main" val="3190527779"/>
+        <p14:creationId xmlns:p14="http://schemas.microsoft.com/office/powerpoint/2010/main" val="1039921205"/>
       </p:ext>
     </p:extLst>
   </p:cSld>
@@ -17953,6 +18092,1263 @@
       </p:par>
     </p:tnLst>
   </p:timing>
+</p:sld>
+</file>
+
+<file path=ppt/slides/slide50.xml><?xml version="1.0" encoding="utf-8"?>
+<p:sld xmlns:a="http://schemas.openxmlformats.org/drawingml/2006/main" xmlns:r="http://schemas.openxmlformats.org/officeDocument/2006/relationships" xmlns:p="http://schemas.openxmlformats.org/presentationml/2006/main">
+  <p:cSld>
+    <p:spTree>
+      <p:nvGrpSpPr>
+        <p:cNvPr id="1" name=""/>
+        <p:cNvGrpSpPr/>
+        <p:nvPr/>
+      </p:nvGrpSpPr>
+      <p:grpSpPr>
+        <a:xfrm>
+          <a:off x="0" y="0"/>
+          <a:ext cx="0" cy="0"/>
+          <a:chOff x="0" y="0"/>
+          <a:chExt cx="0" cy="0"/>
+        </a:xfrm>
+      </p:grpSpPr>
+      <p:sp>
+        <p:nvSpPr>
+          <p:cNvPr id="2" name="TextBox 1"/>
+          <p:cNvSpPr txBox="1"/>
+          <p:nvPr/>
+        </p:nvSpPr>
+        <p:spPr>
+          <a:xfrm>
+            <a:off x="547641" y="403654"/>
+            <a:ext cx="5804666" cy="400110"/>
+          </a:xfrm>
+          <a:prstGeom prst="rect">
+            <a:avLst/>
+          </a:prstGeom>
+          <a:noFill/>
+        </p:spPr>
+        <p:txBody>
+          <a:bodyPr wrap="none" rtlCol="0">
+            <a:spAutoFit/>
+          </a:bodyPr>
+          <a:lstStyle/>
+          <a:p>
+            <a:r>
+              <a:rPr lang="en-US" sz="2000" b="1" dirty="0" smtClean="0"/>
+              <a:t>Histograms can also be represented as ‘density plots’</a:t>
+            </a:r>
+            <a:endParaRPr lang="en-US" sz="2000" b="1" dirty="0"/>
+          </a:p>
+        </p:txBody>
+      </p:sp>
+      <p:pic>
+        <p:nvPicPr>
+          <p:cNvPr id="3" name="Picture 2"/>
+          <p:cNvPicPr>
+            <a:picLocks noChangeAspect="1"/>
+          </p:cNvPicPr>
+          <p:nvPr/>
+        </p:nvPicPr>
+        <p:blipFill>
+          <a:blip r:embed="rId2"/>
+          <a:stretch>
+            <a:fillRect/>
+          </a:stretch>
+        </p:blipFill>
+        <p:spPr>
+          <a:xfrm>
+            <a:off x="6244281" y="1707776"/>
+            <a:ext cx="5379309" cy="3591723"/>
+          </a:xfrm>
+          <a:prstGeom prst="rect">
+            <a:avLst/>
+          </a:prstGeom>
+        </p:spPr>
+      </p:pic>
+      <p:pic>
+        <p:nvPicPr>
+          <p:cNvPr id="4" name="Picture 3"/>
+          <p:cNvPicPr>
+            <a:picLocks noChangeAspect="1"/>
+          </p:cNvPicPr>
+          <p:nvPr/>
+        </p:nvPicPr>
+        <p:blipFill>
+          <a:blip r:embed="rId3"/>
+          <a:stretch>
+            <a:fillRect/>
+          </a:stretch>
+        </p:blipFill>
+        <p:spPr>
+          <a:xfrm>
+            <a:off x="368994" y="1707776"/>
+            <a:ext cx="5578725" cy="3586774"/>
+          </a:xfrm>
+          <a:prstGeom prst="rect">
+            <a:avLst/>
+          </a:prstGeom>
+        </p:spPr>
+      </p:pic>
+    </p:spTree>
+    <p:extLst>
+      <p:ext uri="{BB962C8B-B14F-4D97-AF65-F5344CB8AC3E}">
+        <p14:creationId xmlns:p14="http://schemas.microsoft.com/office/powerpoint/2010/main" val="338132458"/>
+      </p:ext>
+    </p:extLst>
+  </p:cSld>
+  <p:clrMapOvr>
+    <a:masterClrMapping/>
+  </p:clrMapOvr>
+</p:sld>
+</file>
+
+<file path=ppt/slides/slide51.xml><?xml version="1.0" encoding="utf-8"?>
+<p:sld xmlns:a="http://schemas.openxmlformats.org/drawingml/2006/main" xmlns:r="http://schemas.openxmlformats.org/officeDocument/2006/relationships" xmlns:p="http://schemas.openxmlformats.org/presentationml/2006/main">
+  <p:cSld>
+    <p:spTree>
+      <p:nvGrpSpPr>
+        <p:cNvPr id="1" name=""/>
+        <p:cNvGrpSpPr/>
+        <p:nvPr/>
+      </p:nvGrpSpPr>
+      <p:grpSpPr>
+        <a:xfrm>
+          <a:off x="0" y="0"/>
+          <a:ext cx="0" cy="0"/>
+          <a:chOff x="0" y="0"/>
+          <a:chExt cx="0" cy="0"/>
+        </a:xfrm>
+      </p:grpSpPr>
+      <p:pic>
+        <p:nvPicPr>
+          <p:cNvPr id="3" name="Picture 2"/>
+          <p:cNvPicPr>
+            <a:picLocks noChangeAspect="1"/>
+          </p:cNvPicPr>
+          <p:nvPr/>
+        </p:nvPicPr>
+        <p:blipFill>
+          <a:blip r:embed="rId2"/>
+          <a:stretch>
+            <a:fillRect/>
+          </a:stretch>
+        </p:blipFill>
+        <p:spPr>
+          <a:xfrm>
+            <a:off x="665001" y="897225"/>
+            <a:ext cx="6394826" cy="4340004"/>
+          </a:xfrm>
+          <a:prstGeom prst="rect">
+            <a:avLst/>
+          </a:prstGeom>
+        </p:spPr>
+      </p:pic>
+      <p:sp>
+        <p:nvSpPr>
+          <p:cNvPr id="4" name="TextBox 3"/>
+          <p:cNvSpPr txBox="1"/>
+          <p:nvPr/>
+        </p:nvSpPr>
+        <p:spPr>
+          <a:xfrm>
+            <a:off x="7336552" y="2357456"/>
+            <a:ext cx="4245902" cy="1938992"/>
+          </a:xfrm>
+          <a:prstGeom prst="rect">
+            <a:avLst/>
+          </a:prstGeom>
+          <a:noFill/>
+        </p:spPr>
+        <p:txBody>
+          <a:bodyPr wrap="square" rtlCol="0">
+            <a:spAutoFit/>
+          </a:bodyPr>
+          <a:lstStyle/>
+          <a:p>
+            <a:r>
+              <a:rPr lang="en-US" sz="2400" dirty="0" smtClean="0"/>
+              <a:t>You can also overlay histograms with their density curve – especially if you have lots of data</a:t>
+            </a:r>
+            <a:endParaRPr lang="en-US" sz="2400" dirty="0" smtClean="0"/>
+          </a:p>
+          <a:p>
+            <a:endParaRPr lang="en-US" sz="2400" dirty="0" smtClean="0"/>
+          </a:p>
+        </p:txBody>
+      </p:sp>
+    </p:spTree>
+    <p:extLst>
+      <p:ext uri="{BB962C8B-B14F-4D97-AF65-F5344CB8AC3E}">
+        <p14:creationId xmlns:p14="http://schemas.microsoft.com/office/powerpoint/2010/main" val="3190527779"/>
+      </p:ext>
+    </p:extLst>
+  </p:cSld>
+  <p:clrMapOvr>
+    <a:masterClrMapping/>
+  </p:clrMapOvr>
+</p:sld>
+</file>
+
+<file path=ppt/slides/slide52.xml><?xml version="1.0" encoding="utf-8"?>
+<p:sld xmlns:a="http://schemas.openxmlformats.org/drawingml/2006/main" xmlns:r="http://schemas.openxmlformats.org/officeDocument/2006/relationships" xmlns:p="http://schemas.openxmlformats.org/presentationml/2006/main">
+  <p:cSld>
+    <p:spTree>
+      <p:nvGrpSpPr>
+        <p:cNvPr id="1" name=""/>
+        <p:cNvGrpSpPr/>
+        <p:nvPr/>
+      </p:nvGrpSpPr>
+      <p:grpSpPr>
+        <a:xfrm>
+          <a:off x="0" y="0"/>
+          <a:ext cx="0" cy="0"/>
+          <a:chOff x="0" y="0"/>
+          <a:chExt cx="0" cy="0"/>
+        </a:xfrm>
+      </p:grpSpPr>
+      <p:sp>
+        <p:nvSpPr>
+          <p:cNvPr id="2" name="TextBox 1"/>
+          <p:cNvSpPr txBox="1"/>
+          <p:nvPr/>
+        </p:nvSpPr>
+        <p:spPr>
+          <a:xfrm>
+            <a:off x="1005016" y="659027"/>
+            <a:ext cx="2889894" cy="369332"/>
+          </a:xfrm>
+          <a:prstGeom prst="rect">
+            <a:avLst/>
+          </a:prstGeom>
+          <a:noFill/>
+        </p:spPr>
+        <p:txBody>
+          <a:bodyPr wrap="none" rtlCol="0">
+            <a:spAutoFit/>
+          </a:bodyPr>
+          <a:lstStyle/>
+          <a:p>
+            <a:r>
+              <a:rPr lang="en-US" b="1" dirty="0" smtClean="0"/>
+              <a:t>Histogram Code information</a:t>
+            </a:r>
+            <a:endParaRPr lang="en-US" b="1" dirty="0"/>
+          </a:p>
+        </p:txBody>
+      </p:sp>
+    </p:spTree>
+    <p:extLst>
+      <p:ext uri="{BB962C8B-B14F-4D97-AF65-F5344CB8AC3E}">
+        <p14:creationId xmlns:p14="http://schemas.microsoft.com/office/powerpoint/2010/main" val="3213367050"/>
+      </p:ext>
+    </p:extLst>
+  </p:cSld>
+  <p:clrMapOvr>
+    <a:masterClrMapping/>
+  </p:clrMapOvr>
+</p:sld>
+</file>
+
+<file path=ppt/slides/slide53.xml><?xml version="1.0" encoding="utf-8"?>
+<p:sld xmlns:a="http://schemas.openxmlformats.org/drawingml/2006/main" xmlns:r="http://schemas.openxmlformats.org/officeDocument/2006/relationships" xmlns:p="http://schemas.openxmlformats.org/presentationml/2006/main">
+  <p:cSld>
+    <p:spTree>
+      <p:nvGrpSpPr>
+        <p:cNvPr id="1" name=""/>
+        <p:cNvGrpSpPr/>
+        <p:nvPr/>
+      </p:nvGrpSpPr>
+      <p:grpSpPr>
+        <a:xfrm>
+          <a:off x="0" y="0"/>
+          <a:ext cx="0" cy="0"/>
+          <a:chOff x="0" y="0"/>
+          <a:chExt cx="0" cy="0"/>
+        </a:xfrm>
+      </p:grpSpPr>
+      <p:sp>
+        <p:nvSpPr>
+          <p:cNvPr id="4" name="TextBox 3"/>
+          <p:cNvSpPr txBox="1"/>
+          <p:nvPr/>
+        </p:nvSpPr>
+        <p:spPr>
+          <a:xfrm>
+            <a:off x="715617" y="457200"/>
+            <a:ext cx="2494594" cy="523220"/>
+          </a:xfrm>
+          <a:prstGeom prst="rect">
+            <a:avLst/>
+          </a:prstGeom>
+          <a:noFill/>
+        </p:spPr>
+        <p:txBody>
+          <a:bodyPr wrap="none" rtlCol="0">
+            <a:spAutoFit/>
+          </a:bodyPr>
+          <a:lstStyle/>
+          <a:p>
+            <a:r>
+              <a:rPr lang="en-US" sz="2800" b="1" dirty="0" smtClean="0"/>
+              <a:t>Small Multiples</a:t>
+            </a:r>
+            <a:endParaRPr lang="en-US" b="1" dirty="0"/>
+          </a:p>
+        </p:txBody>
+      </p:sp>
+      <p:sp>
+        <p:nvSpPr>
+          <p:cNvPr id="5" name="TextBox 4"/>
+          <p:cNvSpPr txBox="1"/>
+          <p:nvPr/>
+        </p:nvSpPr>
+        <p:spPr>
+          <a:xfrm>
+            <a:off x="6908185" y="2036180"/>
+            <a:ext cx="4245902" cy="3046988"/>
+          </a:xfrm>
+          <a:prstGeom prst="rect">
+            <a:avLst/>
+          </a:prstGeom>
+          <a:noFill/>
+        </p:spPr>
+        <p:txBody>
+          <a:bodyPr wrap="square" rtlCol="0">
+            <a:spAutoFit/>
+          </a:bodyPr>
+          <a:lstStyle/>
+          <a:p>
+            <a:r>
+              <a:rPr lang="en-US" sz="2400" dirty="0" smtClean="0"/>
+              <a:t>Small multiples are when you plot the same chart several times, but each one is for a different ‘group’.</a:t>
+            </a:r>
+          </a:p>
+          <a:p>
+            <a:endParaRPr lang="en-US" sz="2400" dirty="0"/>
+          </a:p>
+          <a:p>
+            <a:r>
+              <a:rPr lang="en-US" sz="2400" dirty="0" smtClean="0"/>
+              <a:t>They can be histograms, line graphs, bar charts etc.</a:t>
+            </a:r>
+          </a:p>
+          <a:p>
+            <a:endParaRPr lang="en-US" sz="2400" dirty="0" smtClean="0"/>
+          </a:p>
+        </p:txBody>
+      </p:sp>
+      <p:pic>
+        <p:nvPicPr>
+          <p:cNvPr id="1026" name="Picture 2" descr="Image"/>
+          <p:cNvPicPr>
+            <a:picLocks noChangeAspect="1" noChangeArrowheads="1"/>
+          </p:cNvPicPr>
+          <p:nvPr/>
+        </p:nvPicPr>
+        <p:blipFill>
+          <a:blip r:embed="rId2">
+            <a:extLst>
+              <a:ext uri="{28A0092B-C50C-407E-A947-70E740481C1C}">
+                <a14:useLocalDpi xmlns:a14="http://schemas.microsoft.com/office/drawing/2010/main" val="0"/>
+              </a:ext>
+            </a:extLst>
+          </a:blip>
+          <a:srcRect/>
+          <a:stretch>
+            <a:fillRect/>
+          </a:stretch>
+        </p:blipFill>
+        <p:spPr bwMode="auto">
+          <a:xfrm>
+            <a:off x="540679" y="1482214"/>
+            <a:ext cx="5948663" cy="3817720"/>
+          </a:xfrm>
+          <a:prstGeom prst="rect">
+            <a:avLst/>
+          </a:prstGeom>
+          <a:noFill/>
+          <a:extLst>
+            <a:ext uri="{909E8E84-426E-40DD-AFC4-6F175D3DCCD1}">
+              <a14:hiddenFill xmlns:a14="http://schemas.microsoft.com/office/drawing/2010/main">
+                <a:solidFill>
+                  <a:srgbClr val="FFFFFF"/>
+                </a:solidFill>
+              </a14:hiddenFill>
+            </a:ext>
+          </a:extLst>
+        </p:spPr>
+      </p:pic>
+      <p:sp>
+        <p:nvSpPr>
+          <p:cNvPr id="2" name="TextBox 1"/>
+          <p:cNvSpPr txBox="1"/>
+          <p:nvPr/>
+        </p:nvSpPr>
+        <p:spPr>
+          <a:xfrm>
+            <a:off x="1003941" y="5432396"/>
+            <a:ext cx="4738605" cy="369332"/>
+          </a:xfrm>
+          <a:prstGeom prst="rect">
+            <a:avLst/>
+          </a:prstGeom>
+          <a:noFill/>
+        </p:spPr>
+        <p:txBody>
+          <a:bodyPr wrap="none" rtlCol="0">
+            <a:spAutoFit/>
+          </a:bodyPr>
+          <a:lstStyle/>
+          <a:p>
+            <a:r>
+              <a:rPr lang="en-US" dirty="0" smtClean="0"/>
+              <a:t>e.g. Covid19 cases over time in 8 selected states.</a:t>
+            </a:r>
+            <a:endParaRPr lang="en-US" dirty="0"/>
+          </a:p>
+        </p:txBody>
+      </p:sp>
+      <p:sp>
+        <p:nvSpPr>
+          <p:cNvPr id="6" name="Rectangle 5"/>
+          <p:cNvSpPr/>
+          <p:nvPr/>
+        </p:nvSpPr>
+        <p:spPr>
+          <a:xfrm>
+            <a:off x="650789" y="5083168"/>
+            <a:ext cx="5838553" cy="349228"/>
+          </a:xfrm>
+          <a:prstGeom prst="rect">
+            <a:avLst/>
+          </a:prstGeom>
+          <a:solidFill>
+            <a:schemeClr val="bg1"/>
+          </a:solidFill>
+          <a:ln>
+            <a:solidFill>
+              <a:schemeClr val="bg1"/>
+            </a:solidFill>
+          </a:ln>
+        </p:spPr>
+        <p:style>
+          <a:lnRef idx="2">
+            <a:schemeClr val="accent1">
+              <a:shade val="50000"/>
+            </a:schemeClr>
+          </a:lnRef>
+          <a:fillRef idx="1">
+            <a:schemeClr val="accent1"/>
+          </a:fillRef>
+          <a:effectRef idx="0">
+            <a:schemeClr val="accent1"/>
+          </a:effectRef>
+          <a:fontRef idx="minor">
+            <a:schemeClr val="lt1"/>
+          </a:fontRef>
+        </p:style>
+        <p:txBody>
+          <a:bodyPr rtlCol="0" anchor="ctr"/>
+          <a:lstStyle/>
+          <a:p>
+            <a:pPr algn="ctr"/>
+            <a:endParaRPr lang="en-US"/>
+          </a:p>
+        </p:txBody>
+      </p:sp>
+    </p:spTree>
+    <p:extLst>
+      <p:ext uri="{BB962C8B-B14F-4D97-AF65-F5344CB8AC3E}">
+        <p14:creationId xmlns:p14="http://schemas.microsoft.com/office/powerpoint/2010/main" val="3815287015"/>
+      </p:ext>
+    </p:extLst>
+  </p:cSld>
+  <p:clrMapOvr>
+    <a:masterClrMapping/>
+  </p:clrMapOvr>
+</p:sld>
+</file>
+
+<file path=ppt/slides/slide54.xml><?xml version="1.0" encoding="utf-8"?>
+<p:sld xmlns:a="http://schemas.openxmlformats.org/drawingml/2006/main" xmlns:r="http://schemas.openxmlformats.org/officeDocument/2006/relationships" xmlns:p="http://schemas.openxmlformats.org/presentationml/2006/main">
+  <p:cSld>
+    <p:spTree>
+      <p:nvGrpSpPr>
+        <p:cNvPr id="1" name=""/>
+        <p:cNvGrpSpPr/>
+        <p:nvPr/>
+      </p:nvGrpSpPr>
+      <p:grpSpPr>
+        <a:xfrm>
+          <a:off x="0" y="0"/>
+          <a:ext cx="0" cy="0"/>
+          <a:chOff x="0" y="0"/>
+          <a:chExt cx="0" cy="0"/>
+        </a:xfrm>
+      </p:grpSpPr>
+      <p:sp>
+        <p:nvSpPr>
+          <p:cNvPr id="4" name="TextBox 3"/>
+          <p:cNvSpPr txBox="1"/>
+          <p:nvPr/>
+        </p:nvSpPr>
+        <p:spPr>
+          <a:xfrm>
+            <a:off x="715617" y="457200"/>
+            <a:ext cx="2494594" cy="523220"/>
+          </a:xfrm>
+          <a:prstGeom prst="rect">
+            <a:avLst/>
+          </a:prstGeom>
+          <a:noFill/>
+        </p:spPr>
+        <p:txBody>
+          <a:bodyPr wrap="none" rtlCol="0">
+            <a:spAutoFit/>
+          </a:bodyPr>
+          <a:lstStyle/>
+          <a:p>
+            <a:r>
+              <a:rPr lang="en-US" sz="2800" b="1" dirty="0" smtClean="0"/>
+              <a:t>Small Multiples</a:t>
+            </a:r>
+            <a:endParaRPr lang="en-US" b="1" dirty="0"/>
+          </a:p>
+        </p:txBody>
+      </p:sp>
+      <p:sp>
+        <p:nvSpPr>
+          <p:cNvPr id="6" name="Rectangle 5"/>
+          <p:cNvSpPr/>
+          <p:nvPr/>
+        </p:nvSpPr>
+        <p:spPr>
+          <a:xfrm>
+            <a:off x="650789" y="5083168"/>
+            <a:ext cx="5838553" cy="349228"/>
+          </a:xfrm>
+          <a:prstGeom prst="rect">
+            <a:avLst/>
+          </a:prstGeom>
+          <a:solidFill>
+            <a:schemeClr val="bg1"/>
+          </a:solidFill>
+          <a:ln>
+            <a:solidFill>
+              <a:schemeClr val="bg1"/>
+            </a:solidFill>
+          </a:ln>
+        </p:spPr>
+        <p:style>
+          <a:lnRef idx="2">
+            <a:schemeClr val="accent1">
+              <a:shade val="50000"/>
+            </a:schemeClr>
+          </a:lnRef>
+          <a:fillRef idx="1">
+            <a:schemeClr val="accent1"/>
+          </a:fillRef>
+          <a:effectRef idx="0">
+            <a:schemeClr val="accent1"/>
+          </a:effectRef>
+          <a:fontRef idx="minor">
+            <a:schemeClr val="lt1"/>
+          </a:fontRef>
+        </p:style>
+        <p:txBody>
+          <a:bodyPr rtlCol="0" anchor="ctr"/>
+          <a:lstStyle/>
+          <a:p>
+            <a:pPr algn="ctr"/>
+            <a:endParaRPr lang="en-US"/>
+          </a:p>
+        </p:txBody>
+      </p:sp>
+      <p:pic>
+        <p:nvPicPr>
+          <p:cNvPr id="3" name="Picture 2"/>
+          <p:cNvPicPr>
+            <a:picLocks noChangeAspect="1"/>
+          </p:cNvPicPr>
+          <p:nvPr/>
+        </p:nvPicPr>
+        <p:blipFill>
+          <a:blip r:embed="rId2"/>
+          <a:stretch>
+            <a:fillRect/>
+          </a:stretch>
+        </p:blipFill>
+        <p:spPr>
+          <a:xfrm>
+            <a:off x="395416" y="1417707"/>
+            <a:ext cx="8009524" cy="4533333"/>
+          </a:xfrm>
+          <a:prstGeom prst="rect">
+            <a:avLst/>
+          </a:prstGeom>
+        </p:spPr>
+      </p:pic>
+      <p:sp>
+        <p:nvSpPr>
+          <p:cNvPr id="7" name="TextBox 6"/>
+          <p:cNvSpPr txBox="1"/>
+          <p:nvPr/>
+        </p:nvSpPr>
+        <p:spPr>
+          <a:xfrm>
+            <a:off x="8773298" y="1828799"/>
+            <a:ext cx="2883243" cy="3139321"/>
+          </a:xfrm>
+          <a:prstGeom prst="rect">
+            <a:avLst/>
+          </a:prstGeom>
+          <a:noFill/>
+        </p:spPr>
+        <p:txBody>
+          <a:bodyPr wrap="square" rtlCol="0">
+            <a:spAutoFit/>
+          </a:bodyPr>
+          <a:lstStyle/>
+          <a:p>
+            <a:r>
+              <a:rPr lang="en-US" dirty="0" smtClean="0"/>
+              <a:t>This example shows the same relationship (x-axis = year;  y-axis = life expectancy) for various countries (different lines) – but separated by continent (separate panels). </a:t>
+            </a:r>
+          </a:p>
+          <a:p>
+            <a:endParaRPr lang="en-US" dirty="0"/>
+          </a:p>
+          <a:p>
+            <a:r>
+              <a:rPr lang="en-US" dirty="0" smtClean="0"/>
+              <a:t>Small multiples enable you to plot a lot of information in a small space.</a:t>
+            </a:r>
+            <a:endParaRPr lang="en-US" dirty="0"/>
+          </a:p>
+        </p:txBody>
+      </p:sp>
+    </p:spTree>
+    <p:extLst>
+      <p:ext uri="{BB962C8B-B14F-4D97-AF65-F5344CB8AC3E}">
+        <p14:creationId xmlns:p14="http://schemas.microsoft.com/office/powerpoint/2010/main" val="1577196640"/>
+      </p:ext>
+    </p:extLst>
+  </p:cSld>
+  <p:clrMapOvr>
+    <a:masterClrMapping/>
+  </p:clrMapOvr>
+</p:sld>
+</file>
+
+<file path=ppt/slides/slide55.xml><?xml version="1.0" encoding="utf-8"?>
+<p:sld xmlns:a="http://schemas.openxmlformats.org/drawingml/2006/main" xmlns:r="http://schemas.openxmlformats.org/officeDocument/2006/relationships" xmlns:p="http://schemas.openxmlformats.org/presentationml/2006/main">
+  <p:cSld>
+    <p:spTree>
+      <p:nvGrpSpPr>
+        <p:cNvPr id="1" name=""/>
+        <p:cNvGrpSpPr/>
+        <p:nvPr/>
+      </p:nvGrpSpPr>
+      <p:grpSpPr>
+        <a:xfrm>
+          <a:off x="0" y="0"/>
+          <a:ext cx="0" cy="0"/>
+          <a:chOff x="0" y="0"/>
+          <a:chExt cx="0" cy="0"/>
+        </a:xfrm>
+      </p:grpSpPr>
+      <p:pic>
+        <p:nvPicPr>
+          <p:cNvPr id="3" name="Picture 2"/>
+          <p:cNvPicPr>
+            <a:picLocks noChangeAspect="1"/>
+          </p:cNvPicPr>
+          <p:nvPr/>
+        </p:nvPicPr>
+        <p:blipFill>
+          <a:blip r:embed="rId2"/>
+          <a:stretch>
+            <a:fillRect/>
+          </a:stretch>
+        </p:blipFill>
+        <p:spPr>
+          <a:xfrm>
+            <a:off x="256598" y="1070569"/>
+            <a:ext cx="4020111" cy="5029902"/>
+          </a:xfrm>
+          <a:prstGeom prst="rect">
+            <a:avLst/>
+          </a:prstGeom>
+        </p:spPr>
+      </p:pic>
+      <p:sp>
+        <p:nvSpPr>
+          <p:cNvPr id="4" name="TextBox 3"/>
+          <p:cNvSpPr txBox="1"/>
+          <p:nvPr/>
+        </p:nvSpPr>
+        <p:spPr>
+          <a:xfrm>
+            <a:off x="715617" y="457200"/>
+            <a:ext cx="2494594" cy="523220"/>
+          </a:xfrm>
+          <a:prstGeom prst="rect">
+            <a:avLst/>
+          </a:prstGeom>
+          <a:noFill/>
+        </p:spPr>
+        <p:txBody>
+          <a:bodyPr wrap="none" rtlCol="0">
+            <a:spAutoFit/>
+          </a:bodyPr>
+          <a:lstStyle/>
+          <a:p>
+            <a:r>
+              <a:rPr lang="en-US" sz="2800" b="1" dirty="0" smtClean="0"/>
+              <a:t>Small Multiples</a:t>
+            </a:r>
+            <a:endParaRPr lang="en-US" b="1" dirty="0"/>
+          </a:p>
+        </p:txBody>
+      </p:sp>
+      <p:sp>
+        <p:nvSpPr>
+          <p:cNvPr id="9" name="TextBox 8"/>
+          <p:cNvSpPr txBox="1"/>
+          <p:nvPr/>
+        </p:nvSpPr>
+        <p:spPr>
+          <a:xfrm>
+            <a:off x="5206992" y="5046884"/>
+            <a:ext cx="4817910" cy="707886"/>
+          </a:xfrm>
+          <a:prstGeom prst="rect">
+            <a:avLst/>
+          </a:prstGeom>
+          <a:noFill/>
+        </p:spPr>
+        <p:txBody>
+          <a:bodyPr wrap="square" rtlCol="0">
+            <a:spAutoFit/>
+          </a:bodyPr>
+          <a:lstStyle/>
+          <a:p>
+            <a:r>
+              <a:rPr lang="en-US" sz="2000" dirty="0" smtClean="0"/>
+              <a:t>For small multiples you identify the columns that make your regular plot (yellow)</a:t>
+            </a:r>
+            <a:endParaRPr lang="en-US" sz="2000" dirty="0"/>
+          </a:p>
+        </p:txBody>
+      </p:sp>
+      <p:sp>
+        <p:nvSpPr>
+          <p:cNvPr id="7" name="Rectangle 6"/>
+          <p:cNvSpPr/>
+          <p:nvPr/>
+        </p:nvSpPr>
+        <p:spPr>
+          <a:xfrm>
+            <a:off x="1744775" y="1070569"/>
+            <a:ext cx="553582" cy="5633009"/>
+          </a:xfrm>
+          <a:prstGeom prst="rect">
+            <a:avLst/>
+          </a:prstGeom>
+          <a:solidFill>
+            <a:srgbClr val="FFF2CC">
+              <a:alpha val="23137"/>
+            </a:srgbClr>
+          </a:solidFill>
+          <a:ln>
+            <a:noFill/>
+          </a:ln>
+        </p:spPr>
+        <p:style>
+          <a:lnRef idx="2">
+            <a:schemeClr val="accent1">
+              <a:shade val="50000"/>
+            </a:schemeClr>
+          </a:lnRef>
+          <a:fillRef idx="1">
+            <a:schemeClr val="accent1"/>
+          </a:fillRef>
+          <a:effectRef idx="0">
+            <a:schemeClr val="accent1"/>
+          </a:effectRef>
+          <a:fontRef idx="minor">
+            <a:schemeClr val="lt1"/>
+          </a:fontRef>
+        </p:style>
+        <p:txBody>
+          <a:bodyPr rtlCol="0" anchor="ctr"/>
+          <a:lstStyle/>
+          <a:p>
+            <a:pPr algn="ctr"/>
+            <a:endParaRPr lang="en-US"/>
+          </a:p>
+        </p:txBody>
+      </p:sp>
+      <p:cxnSp>
+        <p:nvCxnSpPr>
+          <p:cNvPr id="10" name="Straight Arrow Connector 9"/>
+          <p:cNvCxnSpPr/>
+          <p:nvPr/>
+        </p:nvCxnSpPr>
+        <p:spPr>
+          <a:xfrm flipH="1" flipV="1">
+            <a:off x="2929108" y="4546151"/>
+            <a:ext cx="2235591" cy="635449"/>
+          </a:xfrm>
+          <a:prstGeom prst="straightConnector1">
+            <a:avLst/>
+          </a:prstGeom>
+          <a:ln w="38100">
+            <a:solidFill>
+              <a:srgbClr val="FF0000"/>
+            </a:solidFill>
+            <a:tailEnd type="triangle"/>
+          </a:ln>
+        </p:spPr>
+        <p:style>
+          <a:lnRef idx="1">
+            <a:schemeClr val="accent1"/>
+          </a:lnRef>
+          <a:fillRef idx="0">
+            <a:schemeClr val="accent1"/>
+          </a:fillRef>
+          <a:effectRef idx="0">
+            <a:schemeClr val="accent1"/>
+          </a:effectRef>
+          <a:fontRef idx="minor">
+            <a:schemeClr val="tx1"/>
+          </a:fontRef>
+        </p:style>
+      </p:cxnSp>
+      <p:pic>
+        <p:nvPicPr>
+          <p:cNvPr id="8" name="Picture 7"/>
+          <p:cNvPicPr>
+            <a:picLocks noChangeAspect="1"/>
+          </p:cNvPicPr>
+          <p:nvPr/>
+        </p:nvPicPr>
+        <p:blipFill>
+          <a:blip r:embed="rId3"/>
+          <a:stretch>
+            <a:fillRect/>
+          </a:stretch>
+        </p:blipFill>
+        <p:spPr>
+          <a:xfrm>
+            <a:off x="5055138" y="859086"/>
+            <a:ext cx="6543738" cy="3703708"/>
+          </a:xfrm>
+          <a:prstGeom prst="rect">
+            <a:avLst/>
+          </a:prstGeom>
+        </p:spPr>
+      </p:pic>
+      <p:sp>
+        <p:nvSpPr>
+          <p:cNvPr id="12" name="Rectangle 11"/>
+          <p:cNvSpPr/>
+          <p:nvPr/>
+        </p:nvSpPr>
+        <p:spPr>
+          <a:xfrm>
+            <a:off x="2333233" y="980420"/>
+            <a:ext cx="553582" cy="5723158"/>
+          </a:xfrm>
+          <a:prstGeom prst="rect">
+            <a:avLst/>
+          </a:prstGeom>
+          <a:solidFill>
+            <a:srgbClr val="FFF2CC">
+              <a:alpha val="23137"/>
+            </a:srgbClr>
+          </a:solidFill>
+          <a:ln>
+            <a:noFill/>
+          </a:ln>
+        </p:spPr>
+        <p:style>
+          <a:lnRef idx="2">
+            <a:schemeClr val="accent1">
+              <a:shade val="50000"/>
+            </a:schemeClr>
+          </a:lnRef>
+          <a:fillRef idx="1">
+            <a:schemeClr val="accent1"/>
+          </a:fillRef>
+          <a:effectRef idx="0">
+            <a:schemeClr val="accent1"/>
+          </a:effectRef>
+          <a:fontRef idx="minor">
+            <a:schemeClr val="lt1"/>
+          </a:fontRef>
+        </p:style>
+        <p:txBody>
+          <a:bodyPr rtlCol="0" anchor="ctr"/>
+          <a:lstStyle/>
+          <a:p>
+            <a:pPr algn="ctr"/>
+            <a:endParaRPr lang="en-US"/>
+          </a:p>
+        </p:txBody>
+      </p:sp>
+      <p:sp>
+        <p:nvSpPr>
+          <p:cNvPr id="14" name="Rectangle 13"/>
+          <p:cNvSpPr/>
+          <p:nvPr/>
+        </p:nvSpPr>
+        <p:spPr>
+          <a:xfrm>
+            <a:off x="1144588" y="980420"/>
+            <a:ext cx="553582" cy="5723158"/>
+          </a:xfrm>
+          <a:prstGeom prst="rect">
+            <a:avLst/>
+          </a:prstGeom>
+          <a:solidFill>
+            <a:srgbClr val="92D050">
+              <a:alpha val="23137"/>
+            </a:srgbClr>
+          </a:solidFill>
+          <a:ln>
+            <a:noFill/>
+          </a:ln>
+        </p:spPr>
+        <p:style>
+          <a:lnRef idx="2">
+            <a:schemeClr val="accent1">
+              <a:shade val="50000"/>
+            </a:schemeClr>
+          </a:lnRef>
+          <a:fillRef idx="1">
+            <a:schemeClr val="accent1"/>
+          </a:fillRef>
+          <a:effectRef idx="0">
+            <a:schemeClr val="accent1"/>
+          </a:effectRef>
+          <a:fontRef idx="minor">
+            <a:schemeClr val="lt1"/>
+          </a:fontRef>
+        </p:style>
+        <p:txBody>
+          <a:bodyPr rtlCol="0" anchor="ctr"/>
+          <a:lstStyle/>
+          <a:p>
+            <a:pPr algn="ctr"/>
+            <a:endParaRPr lang="en-US"/>
+          </a:p>
+        </p:txBody>
+      </p:sp>
+      <p:sp>
+        <p:nvSpPr>
+          <p:cNvPr id="15" name="Rectangle 14"/>
+          <p:cNvSpPr/>
+          <p:nvPr/>
+        </p:nvSpPr>
+        <p:spPr>
+          <a:xfrm>
+            <a:off x="525188" y="1133018"/>
+            <a:ext cx="553582" cy="5723158"/>
+          </a:xfrm>
+          <a:prstGeom prst="rect">
+            <a:avLst/>
+          </a:prstGeom>
+          <a:solidFill>
+            <a:srgbClr val="FFF2CC">
+              <a:alpha val="23137"/>
+            </a:srgbClr>
+          </a:solidFill>
+          <a:ln>
+            <a:noFill/>
+          </a:ln>
+        </p:spPr>
+        <p:style>
+          <a:lnRef idx="2">
+            <a:schemeClr val="accent1">
+              <a:shade val="50000"/>
+            </a:schemeClr>
+          </a:lnRef>
+          <a:fillRef idx="1">
+            <a:schemeClr val="accent1"/>
+          </a:fillRef>
+          <a:effectRef idx="0">
+            <a:schemeClr val="accent1"/>
+          </a:effectRef>
+          <a:fontRef idx="minor">
+            <a:schemeClr val="lt1"/>
+          </a:fontRef>
+        </p:style>
+        <p:txBody>
+          <a:bodyPr rtlCol="0" anchor="ctr"/>
+          <a:lstStyle/>
+          <a:p>
+            <a:pPr algn="ctr"/>
+            <a:endParaRPr lang="en-US"/>
+          </a:p>
+        </p:txBody>
+      </p:sp>
+      <p:cxnSp>
+        <p:nvCxnSpPr>
+          <p:cNvPr id="16" name="Straight Arrow Connector 15"/>
+          <p:cNvCxnSpPr/>
+          <p:nvPr/>
+        </p:nvCxnSpPr>
+        <p:spPr>
+          <a:xfrm flipH="1" flipV="1">
+            <a:off x="1550555" y="6084301"/>
+            <a:ext cx="3746375" cy="308261"/>
+          </a:xfrm>
+          <a:prstGeom prst="straightConnector1">
+            <a:avLst/>
+          </a:prstGeom>
+          <a:ln w="38100">
+            <a:solidFill>
+              <a:schemeClr val="accent6">
+                <a:lumMod val="50000"/>
+              </a:schemeClr>
+            </a:solidFill>
+            <a:tailEnd type="triangle"/>
+          </a:ln>
+        </p:spPr>
+        <p:style>
+          <a:lnRef idx="1">
+            <a:schemeClr val="accent1"/>
+          </a:lnRef>
+          <a:fillRef idx="0">
+            <a:schemeClr val="accent1"/>
+          </a:fillRef>
+          <a:effectRef idx="0">
+            <a:schemeClr val="accent1"/>
+          </a:effectRef>
+          <a:fontRef idx="minor">
+            <a:schemeClr val="tx1"/>
+          </a:fontRef>
+        </p:style>
+      </p:cxnSp>
+      <p:sp>
+        <p:nvSpPr>
+          <p:cNvPr id="17" name="TextBox 16"/>
+          <p:cNvSpPr txBox="1"/>
+          <p:nvPr/>
+        </p:nvSpPr>
+        <p:spPr>
+          <a:xfrm>
+            <a:off x="5296929" y="5995692"/>
+            <a:ext cx="6038335" cy="707886"/>
+          </a:xfrm>
+          <a:prstGeom prst="rect">
+            <a:avLst/>
+          </a:prstGeom>
+          <a:noFill/>
+        </p:spPr>
+        <p:txBody>
+          <a:bodyPr wrap="square" rtlCol="0">
+            <a:spAutoFit/>
+          </a:bodyPr>
+          <a:lstStyle/>
+          <a:p>
+            <a:r>
+              <a:rPr lang="en-US" sz="2000" dirty="0" smtClean="0"/>
+              <a:t>But you also need a column/variable that is a ‘grouping variable’ which you will make separate plots by.</a:t>
+            </a:r>
+            <a:endParaRPr lang="en-US" sz="2000" dirty="0"/>
+          </a:p>
+        </p:txBody>
+      </p:sp>
+    </p:spTree>
+    <p:extLst>
+      <p:ext uri="{BB962C8B-B14F-4D97-AF65-F5344CB8AC3E}">
+        <p14:creationId xmlns:p14="http://schemas.microsoft.com/office/powerpoint/2010/main" val="3174559970"/>
+      </p:ext>
+    </p:extLst>
+  </p:cSld>
+  <p:clrMapOvr>
+    <a:masterClrMapping/>
+  </p:clrMapOvr>
+</p:sld>
+</file>
+
+<file path=ppt/slides/slide56.xml><?xml version="1.0" encoding="utf-8"?>
+<p:sld xmlns:a="http://schemas.openxmlformats.org/drawingml/2006/main" xmlns:r="http://schemas.openxmlformats.org/officeDocument/2006/relationships" xmlns:p="http://schemas.openxmlformats.org/presentationml/2006/main">
+  <p:cSld>
+    <p:spTree>
+      <p:nvGrpSpPr>
+        <p:cNvPr id="1" name=""/>
+        <p:cNvGrpSpPr/>
+        <p:nvPr/>
+      </p:nvGrpSpPr>
+      <p:grpSpPr>
+        <a:xfrm>
+          <a:off x="0" y="0"/>
+          <a:ext cx="0" cy="0"/>
+          <a:chOff x="0" y="0"/>
+          <a:chExt cx="0" cy="0"/>
+        </a:xfrm>
+      </p:grpSpPr>
+      <p:sp>
+        <p:nvSpPr>
+          <p:cNvPr id="2" name="TextBox 1"/>
+          <p:cNvSpPr txBox="1"/>
+          <p:nvPr/>
+        </p:nvSpPr>
+        <p:spPr>
+          <a:xfrm>
+            <a:off x="1005016" y="659027"/>
+            <a:ext cx="2068643" cy="369332"/>
+          </a:xfrm>
+          <a:prstGeom prst="rect">
+            <a:avLst/>
+          </a:prstGeom>
+          <a:noFill/>
+        </p:spPr>
+        <p:txBody>
+          <a:bodyPr wrap="none" rtlCol="0">
+            <a:spAutoFit/>
+          </a:bodyPr>
+          <a:lstStyle/>
+          <a:p>
+            <a:r>
+              <a:rPr lang="en-US" b="1" dirty="0" smtClean="0"/>
+              <a:t>Small multiple code</a:t>
+            </a:r>
+          </a:p>
+        </p:txBody>
+      </p:sp>
+    </p:spTree>
+    <p:extLst>
+      <p:ext uri="{BB962C8B-B14F-4D97-AF65-F5344CB8AC3E}">
+        <p14:creationId xmlns:p14="http://schemas.microsoft.com/office/powerpoint/2010/main" val="3573645944"/>
+      </p:ext>
+    </p:extLst>
+  </p:cSld>
+  <p:clrMapOvr>
+    <a:masterClrMapping/>
+  </p:clrMapOvr>
+</p:sld>
+</file>
+
+<file path=ppt/slides/slide57.xml><?xml version="1.0" encoding="utf-8"?>
+<p:sld xmlns:a="http://schemas.openxmlformats.org/drawingml/2006/main" xmlns:r="http://schemas.openxmlformats.org/officeDocument/2006/relationships" xmlns:p="http://schemas.openxmlformats.org/presentationml/2006/main">
+  <p:cSld>
+    <p:spTree>
+      <p:nvGrpSpPr>
+        <p:cNvPr id="1" name=""/>
+        <p:cNvGrpSpPr/>
+        <p:nvPr/>
+      </p:nvGrpSpPr>
+      <p:grpSpPr>
+        <a:xfrm>
+          <a:off x="0" y="0"/>
+          <a:ext cx="0" cy="0"/>
+          <a:chOff x="0" y="0"/>
+          <a:chExt cx="0" cy="0"/>
+        </a:xfrm>
+      </p:grpSpPr>
+      <p:sp>
+        <p:nvSpPr>
+          <p:cNvPr id="2" name="TextBox 1"/>
+          <p:cNvSpPr txBox="1"/>
+          <p:nvPr/>
+        </p:nvSpPr>
+        <p:spPr>
+          <a:xfrm>
+            <a:off x="1005016" y="659027"/>
+            <a:ext cx="1289969" cy="369332"/>
+          </a:xfrm>
+          <a:prstGeom prst="rect">
+            <a:avLst/>
+          </a:prstGeom>
+          <a:noFill/>
+        </p:spPr>
+        <p:txBody>
+          <a:bodyPr wrap="none" rtlCol="0">
+            <a:spAutoFit/>
+          </a:bodyPr>
+          <a:lstStyle/>
+          <a:p>
+            <a:r>
+              <a:rPr lang="en-US" b="1" dirty="0" smtClean="0"/>
+              <a:t>Colors code</a:t>
+            </a:r>
+          </a:p>
+        </p:txBody>
+      </p:sp>
+    </p:spTree>
+    <p:extLst>
+      <p:ext uri="{BB962C8B-B14F-4D97-AF65-F5344CB8AC3E}">
+        <p14:creationId xmlns:p14="http://schemas.microsoft.com/office/powerpoint/2010/main" val="33279279"/>
+      </p:ext>
+    </p:extLst>
+  </p:cSld>
+  <p:clrMapOvr>
+    <a:masterClrMapping/>
+  </p:clrMapOvr>
+</p:sld>
+</file>
+
+<file path=ppt/slides/slide58.xml><?xml version="1.0" encoding="utf-8"?>
+<p:sld xmlns:a="http://schemas.openxmlformats.org/drawingml/2006/main" xmlns:r="http://schemas.openxmlformats.org/officeDocument/2006/relationships" xmlns:p="http://schemas.openxmlformats.org/presentationml/2006/main">
+  <p:cSld>
+    <p:spTree>
+      <p:nvGrpSpPr>
+        <p:cNvPr id="1" name=""/>
+        <p:cNvGrpSpPr/>
+        <p:nvPr/>
+      </p:nvGrpSpPr>
+      <p:grpSpPr>
+        <a:xfrm>
+          <a:off x="0" y="0"/>
+          <a:ext cx="0" cy="0"/>
+          <a:chOff x="0" y="0"/>
+          <a:chExt cx="0" cy="0"/>
+        </a:xfrm>
+      </p:grpSpPr>
+      <p:sp>
+        <p:nvSpPr>
+          <p:cNvPr id="2" name="TextBox 1"/>
+          <p:cNvSpPr txBox="1"/>
+          <p:nvPr/>
+        </p:nvSpPr>
+        <p:spPr>
+          <a:xfrm>
+            <a:off x="1005016" y="659027"/>
+            <a:ext cx="1839350" cy="369332"/>
+          </a:xfrm>
+          <a:prstGeom prst="rect">
+            <a:avLst/>
+          </a:prstGeom>
+          <a:noFill/>
+        </p:spPr>
+        <p:txBody>
+          <a:bodyPr wrap="none" rtlCol="0">
+            <a:spAutoFit/>
+          </a:bodyPr>
+          <a:lstStyle/>
+          <a:p>
+            <a:r>
+              <a:rPr lang="en-US" b="1" dirty="0" smtClean="0"/>
+              <a:t>Saving plots code</a:t>
+            </a:r>
+          </a:p>
+        </p:txBody>
+      </p:sp>
+    </p:spTree>
+    <p:extLst>
+      <p:ext uri="{BB962C8B-B14F-4D97-AF65-F5344CB8AC3E}">
+        <p14:creationId xmlns:p14="http://schemas.microsoft.com/office/powerpoint/2010/main" val="1655637379"/>
+      </p:ext>
+    </p:extLst>
+  </p:cSld>
+  <p:clrMapOvr>
+    <a:masterClrMapping/>
+  </p:clrMapOvr>
 </p:sld>
 </file>
 

--- a/slides/intro_ggplot2.pptx
+++ b/slides/intro_ggplot2.pptx
@@ -300,7 +300,7 @@
           <a:p>
             <a:fld id="{3327A99C-74C4-48BE-A4A2-C59926EA5F7C}" type="datetimeFigureOut">
               <a:rPr lang="en-US" smtClean="0"/>
-              <a:t>6/14/2020</a:t>
+              <a:t>6/15/2020</a:t>
             </a:fld>
             <a:endParaRPr lang="en-US"/>
           </a:p>
@@ -470,7 +470,7 @@
           <a:p>
             <a:fld id="{3327A99C-74C4-48BE-A4A2-C59926EA5F7C}" type="datetimeFigureOut">
               <a:rPr lang="en-US" smtClean="0"/>
-              <a:t>6/14/2020</a:t>
+              <a:t>6/15/2020</a:t>
             </a:fld>
             <a:endParaRPr lang="en-US"/>
           </a:p>
@@ -650,7 +650,7 @@
           <a:p>
             <a:fld id="{3327A99C-74C4-48BE-A4A2-C59926EA5F7C}" type="datetimeFigureOut">
               <a:rPr lang="en-US" smtClean="0"/>
-              <a:t>6/14/2020</a:t>
+              <a:t>6/15/2020</a:t>
             </a:fld>
             <a:endParaRPr lang="en-US"/>
           </a:p>
@@ -820,7 +820,7 @@
           <a:p>
             <a:fld id="{3327A99C-74C4-48BE-A4A2-C59926EA5F7C}" type="datetimeFigureOut">
               <a:rPr lang="en-US" smtClean="0"/>
-              <a:t>6/14/2020</a:t>
+              <a:t>6/15/2020</a:t>
             </a:fld>
             <a:endParaRPr lang="en-US"/>
           </a:p>
@@ -1066,7 +1066,7 @@
           <a:p>
             <a:fld id="{3327A99C-74C4-48BE-A4A2-C59926EA5F7C}" type="datetimeFigureOut">
               <a:rPr lang="en-US" smtClean="0"/>
-              <a:t>6/14/2020</a:t>
+              <a:t>6/15/2020</a:t>
             </a:fld>
             <a:endParaRPr lang="en-US"/>
           </a:p>
@@ -1298,7 +1298,7 @@
           <a:p>
             <a:fld id="{3327A99C-74C4-48BE-A4A2-C59926EA5F7C}" type="datetimeFigureOut">
               <a:rPr lang="en-US" smtClean="0"/>
-              <a:t>6/14/2020</a:t>
+              <a:t>6/15/2020</a:t>
             </a:fld>
             <a:endParaRPr lang="en-US"/>
           </a:p>
@@ -1665,7 +1665,7 @@
           <a:p>
             <a:fld id="{3327A99C-74C4-48BE-A4A2-C59926EA5F7C}" type="datetimeFigureOut">
               <a:rPr lang="en-US" smtClean="0"/>
-              <a:t>6/14/2020</a:t>
+              <a:t>6/15/2020</a:t>
             </a:fld>
             <a:endParaRPr lang="en-US"/>
           </a:p>
@@ -1783,7 +1783,7 @@
           <a:p>
             <a:fld id="{3327A99C-74C4-48BE-A4A2-C59926EA5F7C}" type="datetimeFigureOut">
               <a:rPr lang="en-US" smtClean="0"/>
-              <a:t>6/14/2020</a:t>
+              <a:t>6/15/2020</a:t>
             </a:fld>
             <a:endParaRPr lang="en-US"/>
           </a:p>
@@ -1878,7 +1878,7 @@
           <a:p>
             <a:fld id="{3327A99C-74C4-48BE-A4A2-C59926EA5F7C}" type="datetimeFigureOut">
               <a:rPr lang="en-US" smtClean="0"/>
-              <a:t>6/14/2020</a:t>
+              <a:t>6/15/2020</a:t>
             </a:fld>
             <a:endParaRPr lang="en-US"/>
           </a:p>
@@ -2155,7 +2155,7 @@
           <a:p>
             <a:fld id="{3327A99C-74C4-48BE-A4A2-C59926EA5F7C}" type="datetimeFigureOut">
               <a:rPr lang="en-US" smtClean="0"/>
-              <a:t>6/14/2020</a:t>
+              <a:t>6/15/2020</a:t>
             </a:fld>
             <a:endParaRPr lang="en-US"/>
           </a:p>
@@ -2408,7 +2408,7 @@
           <a:p>
             <a:fld id="{3327A99C-74C4-48BE-A4A2-C59926EA5F7C}" type="datetimeFigureOut">
               <a:rPr lang="en-US" smtClean="0"/>
-              <a:t>6/14/2020</a:t>
+              <a:t>6/15/2020</a:t>
             </a:fld>
             <a:endParaRPr lang="en-US"/>
           </a:p>
@@ -2621,7 +2621,7 @@
           <a:p>
             <a:fld id="{3327A99C-74C4-48BE-A4A2-C59926EA5F7C}" type="datetimeFigureOut">
               <a:rPr lang="en-US" smtClean="0"/>
-              <a:t>6/14/2020</a:t>
+              <a:t>6/15/2020</a:t>
             </a:fld>
             <a:endParaRPr lang="en-US"/>
           </a:p>
@@ -12310,6 +12310,13 @@
   <p:clrMapOvr>
     <a:masterClrMapping/>
   </p:clrMapOvr>
+  <p:timing>
+    <p:tnLst>
+      <p:par>
+        <p:cTn id="1" dur="indefinite" restart="never" nodeType="tmRoot"/>
+      </p:par>
+    </p:tnLst>
+  </p:timing>
 </p:sld>
 </file>
 
@@ -12618,6 +12625,13 @@
   <p:clrMapOvr>
     <a:masterClrMapping/>
   </p:clrMapOvr>
+  <p:timing>
+    <p:tnLst>
+      <p:par>
+        <p:cTn id="1" dur="indefinite" restart="never" nodeType="tmRoot"/>
+      </p:par>
+    </p:tnLst>
+  </p:timing>
 </p:sld>
 </file>
 
@@ -17269,15 +17283,7 @@
           <a:p>
             <a:r>
               <a:rPr lang="en-US" sz="2400" dirty="0" smtClean="0"/>
-              <a:t>Visualizing </a:t>
-            </a:r>
-            <a:r>
-              <a:rPr lang="en-US" sz="2400" dirty="0" smtClean="0"/>
-              <a:t>the frequency (</a:t>
-            </a:r>
-            <a:r>
-              <a:rPr lang="en-US" sz="2400" dirty="0" smtClean="0"/>
-              <a:t>y-axis) of a continuous variable (x-axis)</a:t>
+              <a:t>Visualizing the frequency (y-axis) of a continuous variable (x-axis)</a:t>
             </a:r>
           </a:p>
           <a:p>
@@ -17319,6 +17325,13 @@
   <p:clrMapOvr>
     <a:masterClrMapping/>
   </p:clrMapOvr>
+  <p:timing>
+    <p:tnLst>
+      <p:par>
+        <p:cTn id="1" dur="indefinite" restart="never" nodeType="tmRoot"/>
+      </p:par>
+    </p:tnLst>
+  </p:timing>
 </p:sld>
 </file>
 
@@ -17541,6 +17554,13 @@
   <p:clrMapOvr>
     <a:masterClrMapping/>
   </p:clrMapOvr>
+  <p:timing>
+    <p:tnLst>
+      <p:par>
+        <p:cTn id="1" dur="indefinite" restart="never" nodeType="tmRoot"/>
+      </p:par>
+    </p:tnLst>
+  </p:timing>
 </p:sld>
 </file>
 
@@ -18200,6 +18220,13 @@
   <p:clrMapOvr>
     <a:masterClrMapping/>
   </p:clrMapOvr>
+  <p:timing>
+    <p:tnLst>
+      <p:par>
+        <p:cTn id="1" dur="indefinite" restart="never" nodeType="tmRoot"/>
+      </p:par>
+    </p:tnLst>
+  </p:timing>
 </p:sld>
 </file>
 
@@ -18270,7 +18297,6 @@
               <a:rPr lang="en-US" sz="2400" dirty="0" smtClean="0"/>
               <a:t>You can also overlay histograms with their density curve – especially if you have lots of data</a:t>
             </a:r>
-            <a:endParaRPr lang="en-US" sz="2400" dirty="0" smtClean="0"/>
           </a:p>
           <a:p>
             <a:endParaRPr lang="en-US" sz="2400" dirty="0" smtClean="0"/>
@@ -18287,6 +18313,13 @@
   <p:clrMapOvr>
     <a:masterClrMapping/>
   </p:clrMapOvr>
+  <p:timing>
+    <p:tnLst>
+      <p:par>
+        <p:cTn id="1" dur="indefinite" restart="never" nodeType="tmRoot"/>
+      </p:par>
+    </p:tnLst>
+  </p:timing>
 </p:sld>
 </file>
 
@@ -18347,6 +18380,13 @@
   <p:clrMapOvr>
     <a:masterClrMapping/>
   </p:clrMapOvr>
+  <p:timing>
+    <p:tnLst>
+      <p:par>
+        <p:cTn id="1" dur="indefinite" restart="never" nodeType="tmRoot"/>
+      </p:par>
+    </p:tnLst>
+  </p:timing>
 </p:sld>
 </file>
 
@@ -18567,6 +18607,13 @@
   <p:clrMapOvr>
     <a:masterClrMapping/>
   </p:clrMapOvr>
+  <p:timing>
+    <p:tnLst>
+      <p:par>
+        <p:cTn id="1" dur="indefinite" restart="never" nodeType="tmRoot"/>
+      </p:par>
+    </p:tnLst>
+  </p:timing>
 </p:sld>
 </file>
 
@@ -18738,6 +18785,13 @@
   <p:clrMapOvr>
     <a:masterClrMapping/>
   </p:clrMapOvr>
+  <p:timing>
+    <p:tnLst>
+      <p:par>
+        <p:cTn id="1" dur="indefinite" restart="never" nodeType="tmRoot"/>
+      </p:par>
+    </p:tnLst>
+  </p:timing>
 </p:sld>
 </file>
 
@@ -19172,6 +19226,13 @@
   <p:clrMapOvr>
     <a:masterClrMapping/>
   </p:clrMapOvr>
+  <p:timing>
+    <p:tnLst>
+      <p:par>
+        <p:cTn id="1" dur="indefinite" restart="never" nodeType="tmRoot"/>
+      </p:par>
+    </p:tnLst>
+  </p:timing>
 </p:sld>
 </file>
 
@@ -19231,6 +19292,13 @@
   <p:clrMapOvr>
     <a:masterClrMapping/>
   </p:clrMapOvr>
+  <p:timing>
+    <p:tnLst>
+      <p:par>
+        <p:cTn id="1" dur="indefinite" restart="never" nodeType="tmRoot"/>
+      </p:par>
+    </p:tnLst>
+  </p:timing>
 </p:sld>
 </file>
 

--- a/slides/intro_ggplot2.pptx
+++ b/slides/intro_ggplot2.pptx
@@ -63,6 +63,7 @@
     <p:sldId id="310" r:id="rId57"/>
     <p:sldId id="311" r:id="rId58"/>
     <p:sldId id="312" r:id="rId59"/>
+    <p:sldId id="316" r:id="rId60"/>
   </p:sldIdLst>
   <p:sldSz cx="12192000" cy="6858000"/>
   <p:notesSz cx="6858000" cy="9144000"/>
@@ -300,7 +301,7 @@
           <a:p>
             <a:fld id="{3327A99C-74C4-48BE-A4A2-C59926EA5F7C}" type="datetimeFigureOut">
               <a:rPr lang="en-US" smtClean="0"/>
-              <a:t>6/15/2020</a:t>
+              <a:t>6/16/2020</a:t>
             </a:fld>
             <a:endParaRPr lang="en-US"/>
           </a:p>
@@ -470,7 +471,7 @@
           <a:p>
             <a:fld id="{3327A99C-74C4-48BE-A4A2-C59926EA5F7C}" type="datetimeFigureOut">
               <a:rPr lang="en-US" smtClean="0"/>
-              <a:t>6/15/2020</a:t>
+              <a:t>6/16/2020</a:t>
             </a:fld>
             <a:endParaRPr lang="en-US"/>
           </a:p>
@@ -650,7 +651,7 @@
           <a:p>
             <a:fld id="{3327A99C-74C4-48BE-A4A2-C59926EA5F7C}" type="datetimeFigureOut">
               <a:rPr lang="en-US" smtClean="0"/>
-              <a:t>6/15/2020</a:t>
+              <a:t>6/16/2020</a:t>
             </a:fld>
             <a:endParaRPr lang="en-US"/>
           </a:p>
@@ -820,7 +821,7 @@
           <a:p>
             <a:fld id="{3327A99C-74C4-48BE-A4A2-C59926EA5F7C}" type="datetimeFigureOut">
               <a:rPr lang="en-US" smtClean="0"/>
-              <a:t>6/15/2020</a:t>
+              <a:t>6/16/2020</a:t>
             </a:fld>
             <a:endParaRPr lang="en-US"/>
           </a:p>
@@ -1066,7 +1067,7 @@
           <a:p>
             <a:fld id="{3327A99C-74C4-48BE-A4A2-C59926EA5F7C}" type="datetimeFigureOut">
               <a:rPr lang="en-US" smtClean="0"/>
-              <a:t>6/15/2020</a:t>
+              <a:t>6/16/2020</a:t>
             </a:fld>
             <a:endParaRPr lang="en-US"/>
           </a:p>
@@ -1298,7 +1299,7 @@
           <a:p>
             <a:fld id="{3327A99C-74C4-48BE-A4A2-C59926EA5F7C}" type="datetimeFigureOut">
               <a:rPr lang="en-US" smtClean="0"/>
-              <a:t>6/15/2020</a:t>
+              <a:t>6/16/2020</a:t>
             </a:fld>
             <a:endParaRPr lang="en-US"/>
           </a:p>
@@ -1665,7 +1666,7 @@
           <a:p>
             <a:fld id="{3327A99C-74C4-48BE-A4A2-C59926EA5F7C}" type="datetimeFigureOut">
               <a:rPr lang="en-US" smtClean="0"/>
-              <a:t>6/15/2020</a:t>
+              <a:t>6/16/2020</a:t>
             </a:fld>
             <a:endParaRPr lang="en-US"/>
           </a:p>
@@ -1783,7 +1784,7 @@
           <a:p>
             <a:fld id="{3327A99C-74C4-48BE-A4A2-C59926EA5F7C}" type="datetimeFigureOut">
               <a:rPr lang="en-US" smtClean="0"/>
-              <a:t>6/15/2020</a:t>
+              <a:t>6/16/2020</a:t>
             </a:fld>
             <a:endParaRPr lang="en-US"/>
           </a:p>
@@ -1878,7 +1879,7 @@
           <a:p>
             <a:fld id="{3327A99C-74C4-48BE-A4A2-C59926EA5F7C}" type="datetimeFigureOut">
               <a:rPr lang="en-US" smtClean="0"/>
-              <a:t>6/15/2020</a:t>
+              <a:t>6/16/2020</a:t>
             </a:fld>
             <a:endParaRPr lang="en-US"/>
           </a:p>
@@ -2155,7 +2156,7 @@
           <a:p>
             <a:fld id="{3327A99C-74C4-48BE-A4A2-C59926EA5F7C}" type="datetimeFigureOut">
               <a:rPr lang="en-US" smtClean="0"/>
-              <a:t>6/15/2020</a:t>
+              <a:t>6/16/2020</a:t>
             </a:fld>
             <a:endParaRPr lang="en-US"/>
           </a:p>
@@ -2408,7 +2409,7 @@
           <a:p>
             <a:fld id="{3327A99C-74C4-48BE-A4A2-C59926EA5F7C}" type="datetimeFigureOut">
               <a:rPr lang="en-US" smtClean="0"/>
-              <a:t>6/15/2020</a:t>
+              <a:t>6/16/2020</a:t>
             </a:fld>
             <a:endParaRPr lang="en-US"/>
           </a:p>
@@ -2621,7 +2622,7 @@
           <a:p>
             <a:fld id="{3327A99C-74C4-48BE-A4A2-C59926EA5F7C}" type="datetimeFigureOut">
               <a:rPr lang="en-US" smtClean="0"/>
-              <a:t>6/15/2020</a:t>
+              <a:t>6/16/2020</a:t>
             </a:fld>
             <a:endParaRPr lang="en-US"/>
           </a:p>
@@ -19420,6 +19421,77 @@
 </p:sld>
 </file>
 
+<file path=ppt/slides/slide59.xml><?xml version="1.0" encoding="utf-8"?>
+<p:sld xmlns:a="http://schemas.openxmlformats.org/drawingml/2006/main" xmlns:r="http://schemas.openxmlformats.org/officeDocument/2006/relationships" xmlns:p="http://schemas.openxmlformats.org/presentationml/2006/main">
+  <p:cSld>
+    <p:spTree>
+      <p:nvGrpSpPr>
+        <p:cNvPr id="1" name=""/>
+        <p:cNvGrpSpPr/>
+        <p:nvPr/>
+      </p:nvGrpSpPr>
+      <p:grpSpPr>
+        <a:xfrm>
+          <a:off x="0" y="0"/>
+          <a:ext cx="0" cy="0"/>
+          <a:chOff x="0" y="0"/>
+          <a:chExt cx="0" cy="0"/>
+        </a:xfrm>
+      </p:grpSpPr>
+      <p:pic>
+        <p:nvPicPr>
+          <p:cNvPr id="1026" name="Picture 2" descr="Skewness and kurtosis | Statistics math, Ap statistics, Statistics"/>
+          <p:cNvPicPr>
+            <a:picLocks noChangeAspect="1" noChangeArrowheads="1"/>
+          </p:cNvPicPr>
+          <p:nvPr/>
+        </p:nvPicPr>
+        <p:blipFill>
+          <a:blip r:embed="rId2">
+            <a:extLst>
+              <a:ext uri="{28A0092B-C50C-407E-A947-70E740481C1C}">
+                <a14:useLocalDpi xmlns:a14="http://schemas.microsoft.com/office/drawing/2010/main" val="0"/>
+              </a:ext>
+            </a:extLst>
+          </a:blip>
+          <a:srcRect/>
+          <a:stretch>
+            <a:fillRect/>
+          </a:stretch>
+        </p:blipFill>
+        <p:spPr bwMode="auto">
+          <a:xfrm>
+            <a:off x="1537115" y="770282"/>
+            <a:ext cx="8277354" cy="5501309"/>
+          </a:xfrm>
+          <a:prstGeom prst="rect">
+            <a:avLst/>
+          </a:prstGeom>
+          <a:noFill/>
+          <a:extLst>
+            <a:ext uri="{909E8E84-426E-40DD-AFC4-6F175D3DCCD1}">
+              <a14:hiddenFill xmlns:a14="http://schemas.microsoft.com/office/drawing/2010/main">
+                <a:solidFill>
+                  <a:srgbClr val="FFFFFF"/>
+                </a:solidFill>
+              </a14:hiddenFill>
+            </a:ext>
+          </a:extLst>
+        </p:spPr>
+      </p:pic>
+    </p:spTree>
+    <p:extLst>
+      <p:ext uri="{BB962C8B-B14F-4D97-AF65-F5344CB8AC3E}">
+        <p14:creationId xmlns:p14="http://schemas.microsoft.com/office/powerpoint/2010/main" val="4212578023"/>
+      </p:ext>
+    </p:extLst>
+  </p:cSld>
+  <p:clrMapOvr>
+    <a:masterClrMapping/>
+  </p:clrMapOvr>
+</p:sld>
+</file>
+
 <file path=ppt/slides/slide6.xml><?xml version="1.0" encoding="utf-8"?>
 <p:sld xmlns:a="http://schemas.openxmlformats.org/drawingml/2006/main" xmlns:r="http://schemas.openxmlformats.org/officeDocument/2006/relationships" xmlns:p="http://schemas.openxmlformats.org/presentationml/2006/main">
   <p:cSld>

--- a/slides/intro_ggplot2.pptx
+++ b/slides/intro_ggplot2.pptx
@@ -64,6 +64,11 @@
     <p:sldId id="311" r:id="rId58"/>
     <p:sldId id="312" r:id="rId59"/>
     <p:sldId id="316" r:id="rId60"/>
+    <p:sldId id="317" r:id="rId61"/>
+    <p:sldId id="319" r:id="rId62"/>
+    <p:sldId id="318" r:id="rId63"/>
+    <p:sldId id="320" r:id="rId64"/>
+    <p:sldId id="321" r:id="rId65"/>
   </p:sldIdLst>
   <p:sldSz cx="12192000" cy="6858000"/>
   <p:notesSz cx="6858000" cy="9144000"/>
@@ -301,7 +306,7 @@
           <a:p>
             <a:fld id="{3327A99C-74C4-48BE-A4A2-C59926EA5F7C}" type="datetimeFigureOut">
               <a:rPr lang="en-US" smtClean="0"/>
-              <a:t>6/16/2020</a:t>
+              <a:t>6/21/2020</a:t>
             </a:fld>
             <a:endParaRPr lang="en-US"/>
           </a:p>
@@ -471,7 +476,7 @@
           <a:p>
             <a:fld id="{3327A99C-74C4-48BE-A4A2-C59926EA5F7C}" type="datetimeFigureOut">
               <a:rPr lang="en-US" smtClean="0"/>
-              <a:t>6/16/2020</a:t>
+              <a:t>6/21/2020</a:t>
             </a:fld>
             <a:endParaRPr lang="en-US"/>
           </a:p>
@@ -651,7 +656,7 @@
           <a:p>
             <a:fld id="{3327A99C-74C4-48BE-A4A2-C59926EA5F7C}" type="datetimeFigureOut">
               <a:rPr lang="en-US" smtClean="0"/>
-              <a:t>6/16/2020</a:t>
+              <a:t>6/21/2020</a:t>
             </a:fld>
             <a:endParaRPr lang="en-US"/>
           </a:p>
@@ -821,7 +826,7 @@
           <a:p>
             <a:fld id="{3327A99C-74C4-48BE-A4A2-C59926EA5F7C}" type="datetimeFigureOut">
               <a:rPr lang="en-US" smtClean="0"/>
-              <a:t>6/16/2020</a:t>
+              <a:t>6/21/2020</a:t>
             </a:fld>
             <a:endParaRPr lang="en-US"/>
           </a:p>
@@ -1067,7 +1072,7 @@
           <a:p>
             <a:fld id="{3327A99C-74C4-48BE-A4A2-C59926EA5F7C}" type="datetimeFigureOut">
               <a:rPr lang="en-US" smtClean="0"/>
-              <a:t>6/16/2020</a:t>
+              <a:t>6/21/2020</a:t>
             </a:fld>
             <a:endParaRPr lang="en-US"/>
           </a:p>
@@ -1299,7 +1304,7 @@
           <a:p>
             <a:fld id="{3327A99C-74C4-48BE-A4A2-C59926EA5F7C}" type="datetimeFigureOut">
               <a:rPr lang="en-US" smtClean="0"/>
-              <a:t>6/16/2020</a:t>
+              <a:t>6/21/2020</a:t>
             </a:fld>
             <a:endParaRPr lang="en-US"/>
           </a:p>
@@ -1666,7 +1671,7 @@
           <a:p>
             <a:fld id="{3327A99C-74C4-48BE-A4A2-C59926EA5F7C}" type="datetimeFigureOut">
               <a:rPr lang="en-US" smtClean="0"/>
-              <a:t>6/16/2020</a:t>
+              <a:t>6/21/2020</a:t>
             </a:fld>
             <a:endParaRPr lang="en-US"/>
           </a:p>
@@ -1784,7 +1789,7 @@
           <a:p>
             <a:fld id="{3327A99C-74C4-48BE-A4A2-C59926EA5F7C}" type="datetimeFigureOut">
               <a:rPr lang="en-US" smtClean="0"/>
-              <a:t>6/16/2020</a:t>
+              <a:t>6/21/2020</a:t>
             </a:fld>
             <a:endParaRPr lang="en-US"/>
           </a:p>
@@ -1879,7 +1884,7 @@
           <a:p>
             <a:fld id="{3327A99C-74C4-48BE-A4A2-C59926EA5F7C}" type="datetimeFigureOut">
               <a:rPr lang="en-US" smtClean="0"/>
-              <a:t>6/16/2020</a:t>
+              <a:t>6/21/2020</a:t>
             </a:fld>
             <a:endParaRPr lang="en-US"/>
           </a:p>
@@ -2156,7 +2161,7 @@
           <a:p>
             <a:fld id="{3327A99C-74C4-48BE-A4A2-C59926EA5F7C}" type="datetimeFigureOut">
               <a:rPr lang="en-US" smtClean="0"/>
-              <a:t>6/16/2020</a:t>
+              <a:t>6/21/2020</a:t>
             </a:fld>
             <a:endParaRPr lang="en-US"/>
           </a:p>
@@ -2409,7 +2414,7 @@
           <a:p>
             <a:fld id="{3327A99C-74C4-48BE-A4A2-C59926EA5F7C}" type="datetimeFigureOut">
               <a:rPr lang="en-US" smtClean="0"/>
-              <a:t>6/16/2020</a:t>
+              <a:t>6/21/2020</a:t>
             </a:fld>
             <a:endParaRPr lang="en-US"/>
           </a:p>
@@ -2622,7 +2627,7 @@
           <a:p>
             <a:fld id="{3327A99C-74C4-48BE-A4A2-C59926EA5F7C}" type="datetimeFigureOut">
               <a:rPr lang="en-US" smtClean="0"/>
-              <a:t>6/16/2020</a:t>
+              <a:t>6/21/2020</a:t>
             </a:fld>
             <a:endParaRPr lang="en-US"/>
           </a:p>
@@ -19924,6 +19929,1614 @@
 </p:sld>
 </file>
 
+<file path=ppt/slides/slide60.xml><?xml version="1.0" encoding="utf-8"?>
+<p:sld xmlns:a="http://schemas.openxmlformats.org/drawingml/2006/main" xmlns:r="http://schemas.openxmlformats.org/officeDocument/2006/relationships" xmlns:p="http://schemas.openxmlformats.org/presentationml/2006/main">
+  <p:cSld>
+    <p:spTree>
+      <p:nvGrpSpPr>
+        <p:cNvPr id="1" name=""/>
+        <p:cNvGrpSpPr/>
+        <p:nvPr/>
+      </p:nvGrpSpPr>
+      <p:grpSpPr>
+        <a:xfrm>
+          <a:off x="0" y="0"/>
+          <a:ext cx="0" cy="0"/>
+          <a:chOff x="0" y="0"/>
+          <a:chExt cx="0" cy="0"/>
+        </a:xfrm>
+      </p:grpSpPr>
+      <mc:AlternateContent xmlns:mc="http://schemas.openxmlformats.org/markup-compatibility/2006">
+        <mc:Choice xmlns:a14="http://schemas.microsoft.com/office/drawing/2010/main" Requires="a14">
+          <p:sp>
+            <p:nvSpPr>
+              <p:cNvPr id="4" name="TextBox 3"/>
+              <p:cNvSpPr txBox="1"/>
+              <p:nvPr/>
+            </p:nvSpPr>
+            <p:spPr>
+              <a:xfrm>
+                <a:off x="7090718" y="1831615"/>
+                <a:ext cx="3599575" cy="1729191"/>
+              </a:xfrm>
+              <a:prstGeom prst="rect">
+                <a:avLst/>
+              </a:prstGeom>
+              <a:noFill/>
+            </p:spPr>
+            <p:txBody>
+              <a:bodyPr wrap="none" rtlCol="0">
+                <a:spAutoFit/>
+              </a:bodyPr>
+              <a:lstStyle/>
+              <a:p>
+                <a:pPr/>
+                <a14:m>
+                  <m:oMathPara xmlns:m="http://schemas.openxmlformats.org/officeDocument/2006/math">
+                    <m:oMathParaPr>
+                      <m:jc m:val="centerGroup"/>
+                    </m:oMathParaPr>
+                    <m:oMath xmlns:m="http://schemas.openxmlformats.org/officeDocument/2006/math">
+                      <m:r>
+                        <a:rPr lang="en-US" sz="3600" b="0" i="1" smtClean="0">
+                          <a:latin typeface="Cambria Math" panose="02040503050406030204" pitchFamily="18" charset="0"/>
+                        </a:rPr>
+                        <m:t>𝑠</m:t>
+                      </m:r>
+                      <m:r>
+                        <a:rPr lang="en-US" sz="3600" b="0" i="1" smtClean="0">
+                          <a:latin typeface="Cambria Math"/>
+                        </a:rPr>
+                        <m:t> </m:t>
+                      </m:r>
+                      <m:r>
+                        <a:rPr lang="en-US" sz="3600" i="1" smtClean="0">
+                          <a:latin typeface="Cambria Math"/>
+                        </a:rPr>
+                        <m:t>=</m:t>
+                      </m:r>
+                      <m:rad>
+                        <m:radPr>
+                          <m:degHide m:val="on"/>
+                          <m:ctrlPr>
+                            <a:rPr lang="en-US" sz="3600" i="1" smtClean="0">
+                              <a:latin typeface="Cambria Math" panose="02040503050406030204" pitchFamily="18" charset="0"/>
+                            </a:rPr>
+                          </m:ctrlPr>
+                        </m:radPr>
+                        <m:deg/>
+                        <m:e>
+                          <m:f>
+                            <m:fPr>
+                              <m:ctrlPr>
+                                <a:rPr lang="en-US" sz="3600" i="1" smtClean="0">
+                                  <a:latin typeface="Cambria Math" panose="02040503050406030204" pitchFamily="18" charset="0"/>
+                                </a:rPr>
+                              </m:ctrlPr>
+                            </m:fPr>
+                            <m:num>
+                              <m:nary>
+                                <m:naryPr>
+                                  <m:chr m:val="∑"/>
+                                  <m:subHide m:val="on"/>
+                                  <m:supHide m:val="on"/>
+                                  <m:ctrlPr>
+                                    <a:rPr lang="en-US" sz="3600" i="1" smtClean="0">
+                                      <a:latin typeface="Cambria Math" panose="02040503050406030204" pitchFamily="18" charset="0"/>
+                                    </a:rPr>
+                                  </m:ctrlPr>
+                                </m:naryPr>
+                                <m:sub/>
+                                <m:sup/>
+                                <m:e>
+                                  <m:d>
+                                    <m:dPr>
+                                      <m:ctrlPr>
+                                        <a:rPr lang="en-US" sz="3600" b="0" i="1" smtClean="0">
+                                          <a:latin typeface="Cambria Math" panose="02040503050406030204" pitchFamily="18" charset="0"/>
+                                        </a:rPr>
+                                      </m:ctrlPr>
+                                    </m:dPr>
+                                    <m:e>
+                                      <m:r>
+                                        <a:rPr lang="en-US" sz="3600" b="0" i="1" smtClean="0">
+                                          <a:latin typeface="Cambria Math"/>
+                                        </a:rPr>
+                                        <m:t>𝑋</m:t>
+                                      </m:r>
+                                      <m:r>
+                                        <a:rPr lang="en-US" sz="3600" b="0" i="1" smtClean="0">
+                                          <a:latin typeface="Cambria Math"/>
+                                        </a:rPr>
+                                        <m:t>−</m:t>
+                                      </m:r>
+                                      <m:r>
+                                        <m:rPr>
+                                          <m:sty m:val="p"/>
+                                        </m:rPr>
+                                        <a:rPr lang="el-GR" sz="3600" b="0" i="1" smtClean="0">
+                                          <a:latin typeface="Cambria Math"/>
+                                        </a:rPr>
+                                        <m:t>μ</m:t>
+                                      </m:r>
+                                    </m:e>
+                                  </m:d>
+                                  <m:r>
+                                    <a:rPr lang="en-US" sz="3600" b="0" i="1" baseline="30000" smtClean="0">
+                                      <a:latin typeface="Cambria Math"/>
+                                    </a:rPr>
+                                    <m:t>2</m:t>
+                                  </m:r>
+                                </m:e>
+                              </m:nary>
+                            </m:num>
+                            <m:den>
+                              <m:r>
+                                <a:rPr lang="en-US" sz="3600" b="0" i="1" smtClean="0">
+                                  <a:latin typeface="Cambria Math" panose="02040503050406030204" pitchFamily="18" charset="0"/>
+                                </a:rPr>
+                                <m:t>𝑛</m:t>
+                              </m:r>
+                              <m:r>
+                                <a:rPr lang="en-US" sz="3600" b="0" i="1" smtClean="0">
+                                  <a:latin typeface="Cambria Math" panose="02040503050406030204" pitchFamily="18" charset="0"/>
+                                </a:rPr>
+                                <m:t>−1</m:t>
+                              </m:r>
+                            </m:den>
+                          </m:f>
+                        </m:e>
+                      </m:rad>
+                    </m:oMath>
+                  </m:oMathPara>
+                </a14:m>
+                <a:endParaRPr lang="en-US" sz="3600" dirty="0"/>
+              </a:p>
+            </p:txBody>
+          </p:sp>
+        </mc:Choice>
+        <mc:Fallback>
+          <p:sp>
+            <p:nvSpPr>
+              <p:cNvPr id="4" name="TextBox 3"/>
+              <p:cNvSpPr txBox="1">
+                <a:spLocks noRot="1" noChangeAspect="1" noMove="1" noResize="1" noEditPoints="1" noAdjustHandles="1" noChangeArrowheads="1" noChangeShapeType="1" noTextEdit="1"/>
+              </p:cNvSpPr>
+              <p:nvPr/>
+            </p:nvSpPr>
+            <p:spPr>
+              <a:xfrm>
+                <a:off x="7090718" y="1831615"/>
+                <a:ext cx="3599575" cy="1729191"/>
+              </a:xfrm>
+              <a:prstGeom prst="rect">
+                <a:avLst/>
+              </a:prstGeom>
+              <a:blipFill rotWithShape="0">
+                <a:blip r:embed="rId2"/>
+                <a:stretch>
+                  <a:fillRect/>
+                </a:stretch>
+              </a:blipFill>
+            </p:spPr>
+            <p:txBody>
+              <a:bodyPr/>
+              <a:lstStyle/>
+              <a:p>
+                <a:r>
+                  <a:rPr lang="en-US">
+                    <a:noFill/>
+                  </a:rPr>
+                  <a:t> </a:t>
+                </a:r>
+              </a:p>
+            </p:txBody>
+          </p:sp>
+        </mc:Fallback>
+      </mc:AlternateContent>
+      <p:sp>
+        <p:nvSpPr>
+          <p:cNvPr id="5" name="TextBox 4"/>
+          <p:cNvSpPr txBox="1"/>
+          <p:nvPr/>
+        </p:nvSpPr>
+        <p:spPr>
+          <a:xfrm>
+            <a:off x="6510003" y="3999371"/>
+            <a:ext cx="5420427" cy="1077218"/>
+          </a:xfrm>
+          <a:prstGeom prst="rect">
+            <a:avLst/>
+          </a:prstGeom>
+          <a:noFill/>
+        </p:spPr>
+        <p:txBody>
+          <a:bodyPr wrap="square" rtlCol="0">
+            <a:spAutoFit/>
+          </a:bodyPr>
+          <a:lstStyle/>
+          <a:p>
+            <a:pPr algn="ctr"/>
+            <a:r>
+              <a:rPr lang="en-US" sz="3200" dirty="0" smtClean="0">
+                <a:solidFill>
+                  <a:srgbClr val="FF0000"/>
+                </a:solidFill>
+              </a:rPr>
+              <a:t>Unbiased estimate of the population standard deviation</a:t>
+            </a:r>
+            <a:endParaRPr lang="en-US" sz="3200" u="sng" dirty="0"/>
+          </a:p>
+        </p:txBody>
+      </p:sp>
+      <mc:AlternateContent xmlns:mc="http://schemas.openxmlformats.org/markup-compatibility/2006">
+        <mc:Choice xmlns:a14="http://schemas.microsoft.com/office/drawing/2010/main" Requires="a14">
+          <p:sp>
+            <p:nvSpPr>
+              <p:cNvPr id="6" name="TextBox 5"/>
+              <p:cNvSpPr txBox="1"/>
+              <p:nvPr/>
+            </p:nvSpPr>
+            <p:spPr>
+              <a:xfrm>
+                <a:off x="582826" y="1963420"/>
+                <a:ext cx="3599575" cy="1729191"/>
+              </a:xfrm>
+              <a:prstGeom prst="rect">
+                <a:avLst/>
+              </a:prstGeom>
+              <a:noFill/>
+            </p:spPr>
+            <p:txBody>
+              <a:bodyPr wrap="none" rtlCol="0">
+                <a:spAutoFit/>
+              </a:bodyPr>
+              <a:lstStyle/>
+              <a:p>
+                <a:pPr/>
+                <a14:m>
+                  <m:oMathPara xmlns:m="http://schemas.openxmlformats.org/officeDocument/2006/math">
+                    <m:oMathParaPr>
+                      <m:jc m:val="centerGroup"/>
+                    </m:oMathParaPr>
+                    <m:oMath xmlns:m="http://schemas.openxmlformats.org/officeDocument/2006/math">
+                      <m:r>
+                        <m:rPr>
+                          <m:sty m:val="p"/>
+                        </m:rPr>
+                        <a:rPr lang="el-GR" sz="3600" b="0" i="1" smtClean="0">
+                          <a:latin typeface="Cambria Math"/>
+                        </a:rPr>
+                        <m:t>σ</m:t>
+                      </m:r>
+                      <m:r>
+                        <a:rPr lang="en-US" sz="3600" b="0" i="1" smtClean="0">
+                          <a:latin typeface="Cambria Math"/>
+                        </a:rPr>
+                        <m:t> </m:t>
+                      </m:r>
+                      <m:r>
+                        <a:rPr lang="en-US" sz="3600" i="1" smtClean="0">
+                          <a:latin typeface="Cambria Math"/>
+                        </a:rPr>
+                        <m:t>=</m:t>
+                      </m:r>
+                      <m:rad>
+                        <m:radPr>
+                          <m:degHide m:val="on"/>
+                          <m:ctrlPr>
+                            <a:rPr lang="en-US" sz="3600" i="1" smtClean="0">
+                              <a:latin typeface="Cambria Math" panose="02040503050406030204" pitchFamily="18" charset="0"/>
+                            </a:rPr>
+                          </m:ctrlPr>
+                        </m:radPr>
+                        <m:deg/>
+                        <m:e>
+                          <m:f>
+                            <m:fPr>
+                              <m:ctrlPr>
+                                <a:rPr lang="en-US" sz="3600" i="1" smtClean="0">
+                                  <a:latin typeface="Cambria Math" panose="02040503050406030204" pitchFamily="18" charset="0"/>
+                                </a:rPr>
+                              </m:ctrlPr>
+                            </m:fPr>
+                            <m:num>
+                              <m:nary>
+                                <m:naryPr>
+                                  <m:chr m:val="∑"/>
+                                  <m:subHide m:val="on"/>
+                                  <m:supHide m:val="on"/>
+                                  <m:ctrlPr>
+                                    <a:rPr lang="en-US" sz="3600" i="1" smtClean="0">
+                                      <a:latin typeface="Cambria Math" panose="02040503050406030204" pitchFamily="18" charset="0"/>
+                                    </a:rPr>
+                                  </m:ctrlPr>
+                                </m:naryPr>
+                                <m:sub/>
+                                <m:sup/>
+                                <m:e>
+                                  <m:d>
+                                    <m:dPr>
+                                      <m:ctrlPr>
+                                        <a:rPr lang="en-US" sz="3600" b="0" i="1" smtClean="0">
+                                          <a:latin typeface="Cambria Math" panose="02040503050406030204" pitchFamily="18" charset="0"/>
+                                        </a:rPr>
+                                      </m:ctrlPr>
+                                    </m:dPr>
+                                    <m:e>
+                                      <m:r>
+                                        <a:rPr lang="en-US" sz="3600" b="0" i="1" smtClean="0">
+                                          <a:latin typeface="Cambria Math"/>
+                                        </a:rPr>
+                                        <m:t>𝑋</m:t>
+                                      </m:r>
+                                      <m:r>
+                                        <a:rPr lang="en-US" sz="3600" b="0" i="1" smtClean="0">
+                                          <a:latin typeface="Cambria Math"/>
+                                        </a:rPr>
+                                        <m:t>−</m:t>
+                                      </m:r>
+                                      <m:r>
+                                        <m:rPr>
+                                          <m:sty m:val="p"/>
+                                        </m:rPr>
+                                        <a:rPr lang="el-GR" sz="3600" b="0" i="1" smtClean="0">
+                                          <a:latin typeface="Cambria Math"/>
+                                        </a:rPr>
+                                        <m:t>μ</m:t>
+                                      </m:r>
+                                    </m:e>
+                                  </m:d>
+                                  <m:r>
+                                    <a:rPr lang="en-US" sz="3600" b="0" i="1" baseline="30000" smtClean="0">
+                                      <a:latin typeface="Cambria Math"/>
+                                    </a:rPr>
+                                    <m:t>2</m:t>
+                                  </m:r>
+                                </m:e>
+                              </m:nary>
+                            </m:num>
+                            <m:den>
+                              <m:r>
+                                <a:rPr lang="en-US" sz="3600" b="0" i="1" smtClean="0">
+                                  <a:latin typeface="Cambria Math"/>
+                                </a:rPr>
+                                <m:t>𝑁</m:t>
+                              </m:r>
+                            </m:den>
+                          </m:f>
+                        </m:e>
+                      </m:rad>
+                    </m:oMath>
+                  </m:oMathPara>
+                </a14:m>
+                <a:endParaRPr lang="en-US" sz="3600" dirty="0"/>
+              </a:p>
+            </p:txBody>
+          </p:sp>
+        </mc:Choice>
+        <mc:Fallback>
+          <p:sp>
+            <p:nvSpPr>
+              <p:cNvPr id="6" name="TextBox 5"/>
+              <p:cNvSpPr txBox="1">
+                <a:spLocks noRot="1" noChangeAspect="1" noMove="1" noResize="1" noEditPoints="1" noAdjustHandles="1" noChangeArrowheads="1" noChangeShapeType="1" noTextEdit="1"/>
+              </p:cNvSpPr>
+              <p:nvPr/>
+            </p:nvSpPr>
+            <p:spPr>
+              <a:xfrm>
+                <a:off x="582826" y="1963420"/>
+                <a:ext cx="3599575" cy="1729191"/>
+              </a:xfrm>
+              <a:prstGeom prst="rect">
+                <a:avLst/>
+              </a:prstGeom>
+              <a:blipFill rotWithShape="0">
+                <a:blip r:embed="rId3"/>
+                <a:stretch>
+                  <a:fillRect/>
+                </a:stretch>
+              </a:blipFill>
+            </p:spPr>
+            <p:txBody>
+              <a:bodyPr/>
+              <a:lstStyle/>
+              <a:p>
+                <a:r>
+                  <a:rPr lang="en-US">
+                    <a:noFill/>
+                  </a:rPr>
+                  <a:t> </a:t>
+                </a:r>
+              </a:p>
+            </p:txBody>
+          </p:sp>
+        </mc:Fallback>
+      </mc:AlternateContent>
+      <p:sp>
+        <p:nvSpPr>
+          <p:cNvPr id="7" name="Rectangle 6"/>
+          <p:cNvSpPr/>
+          <p:nvPr/>
+        </p:nvSpPr>
+        <p:spPr>
+          <a:xfrm>
+            <a:off x="330549" y="4245592"/>
+            <a:ext cx="5495863" cy="584775"/>
+          </a:xfrm>
+          <a:prstGeom prst="rect">
+            <a:avLst/>
+          </a:prstGeom>
+        </p:spPr>
+        <p:txBody>
+          <a:bodyPr wrap="none">
+            <a:spAutoFit/>
+          </a:bodyPr>
+          <a:lstStyle/>
+          <a:p>
+            <a:r>
+              <a:rPr lang="en-US" sz="3200" b="1" dirty="0"/>
+              <a:t>Population Standard Deviation </a:t>
+            </a:r>
+            <a:endParaRPr lang="en-US" sz="3200" dirty="0"/>
+          </a:p>
+        </p:txBody>
+      </p:sp>
+    </p:spTree>
+    <p:extLst>
+      <p:ext uri="{BB962C8B-B14F-4D97-AF65-F5344CB8AC3E}">
+        <p14:creationId xmlns:p14="http://schemas.microsoft.com/office/powerpoint/2010/main" val="599161254"/>
+      </p:ext>
+    </p:extLst>
+  </p:cSld>
+  <p:clrMapOvr>
+    <a:masterClrMapping/>
+  </p:clrMapOvr>
+</p:sld>
+</file>
+
+<file path=ppt/slides/slide61.xml><?xml version="1.0" encoding="utf-8"?>
+<p:sld xmlns:a="http://schemas.openxmlformats.org/drawingml/2006/main" xmlns:r="http://schemas.openxmlformats.org/officeDocument/2006/relationships" xmlns:p="http://schemas.openxmlformats.org/presentationml/2006/main">
+  <p:cSld>
+    <p:spTree>
+      <p:nvGrpSpPr>
+        <p:cNvPr id="1" name=""/>
+        <p:cNvGrpSpPr/>
+        <p:nvPr/>
+      </p:nvGrpSpPr>
+      <p:grpSpPr>
+        <a:xfrm>
+          <a:off x="0" y="0"/>
+          <a:ext cx="0" cy="0"/>
+          <a:chOff x="0" y="0"/>
+          <a:chExt cx="0" cy="0"/>
+        </a:xfrm>
+      </p:grpSpPr>
+      <p:pic>
+        <p:nvPicPr>
+          <p:cNvPr id="1026" name="Picture 2" descr="Z-Score table"/>
+          <p:cNvPicPr>
+            <a:picLocks noChangeAspect="1" noChangeArrowheads="1"/>
+          </p:cNvPicPr>
+          <p:nvPr/>
+        </p:nvPicPr>
+        <p:blipFill>
+          <a:blip r:embed="rId2">
+            <a:extLst>
+              <a:ext uri="{28A0092B-C50C-407E-A947-70E740481C1C}">
+                <a14:useLocalDpi xmlns:a14="http://schemas.microsoft.com/office/drawing/2010/main" val="0"/>
+              </a:ext>
+            </a:extLst>
+          </a:blip>
+          <a:srcRect/>
+          <a:stretch>
+            <a:fillRect/>
+          </a:stretch>
+        </p:blipFill>
+        <p:spPr bwMode="auto">
+          <a:xfrm>
+            <a:off x="303856" y="207705"/>
+            <a:ext cx="4836555" cy="3585829"/>
+          </a:xfrm>
+          <a:prstGeom prst="rect">
+            <a:avLst/>
+          </a:prstGeom>
+          <a:noFill/>
+          <a:extLst>
+            <a:ext uri="{909E8E84-426E-40DD-AFC4-6F175D3DCCD1}">
+              <a14:hiddenFill xmlns:a14="http://schemas.microsoft.com/office/drawing/2010/main">
+                <a:solidFill>
+                  <a:srgbClr val="FFFFFF"/>
+                </a:solidFill>
+              </a14:hiddenFill>
+            </a:ext>
+          </a:extLst>
+        </p:spPr>
+      </p:pic>
+      <p:pic>
+        <p:nvPicPr>
+          <p:cNvPr id="5" name="Picture 4" descr="Z-Score table"/>
+          <p:cNvPicPr>
+            <a:picLocks noChangeAspect="1" noChangeArrowheads="1"/>
+          </p:cNvPicPr>
+          <p:nvPr/>
+        </p:nvPicPr>
+        <p:blipFill>
+          <a:blip r:embed="rId3">
+            <a:extLst>
+              <a:ext uri="{28A0092B-C50C-407E-A947-70E740481C1C}">
+                <a14:useLocalDpi xmlns:a14="http://schemas.microsoft.com/office/drawing/2010/main" val="0"/>
+              </a:ext>
+            </a:extLst>
+          </a:blip>
+          <a:srcRect/>
+          <a:stretch>
+            <a:fillRect/>
+          </a:stretch>
+        </p:blipFill>
+        <p:spPr bwMode="auto">
+          <a:xfrm>
+            <a:off x="312093" y="3818248"/>
+            <a:ext cx="4820079" cy="2959046"/>
+          </a:xfrm>
+          <a:prstGeom prst="rect">
+            <a:avLst/>
+          </a:prstGeom>
+          <a:noFill/>
+          <a:extLst>
+            <a:ext uri="{909E8E84-426E-40DD-AFC4-6F175D3DCCD1}">
+              <a14:hiddenFill xmlns:a14="http://schemas.microsoft.com/office/drawing/2010/main">
+                <a:solidFill>
+                  <a:srgbClr val="FFFFFF"/>
+                </a:solidFill>
+              </a14:hiddenFill>
+            </a:ext>
+          </a:extLst>
+        </p:spPr>
+      </p:pic>
+      <p:sp>
+        <p:nvSpPr>
+          <p:cNvPr id="6" name="TextBox 5"/>
+          <p:cNvSpPr txBox="1"/>
+          <p:nvPr/>
+        </p:nvSpPr>
+        <p:spPr>
+          <a:xfrm>
+            <a:off x="6911546" y="807308"/>
+            <a:ext cx="1373261" cy="1354217"/>
+          </a:xfrm>
+          <a:prstGeom prst="rect">
+            <a:avLst/>
+          </a:prstGeom>
+          <a:noFill/>
+        </p:spPr>
+        <p:txBody>
+          <a:bodyPr wrap="none" rtlCol="0">
+            <a:spAutoFit/>
+          </a:bodyPr>
+          <a:lstStyle/>
+          <a:p>
+            <a:endParaRPr lang="en-US" dirty="0" smtClean="0"/>
+          </a:p>
+          <a:p>
+            <a:r>
+              <a:rPr lang="en-US" sz="3200" b="1" dirty="0" smtClean="0"/>
+              <a:t>Z-table</a:t>
+            </a:r>
+            <a:br>
+              <a:rPr lang="en-US" sz="3200" b="1" dirty="0" smtClean="0"/>
+            </a:br>
+            <a:endParaRPr lang="en-US" sz="3200" b="1" dirty="0"/>
+          </a:p>
+        </p:txBody>
+      </p:sp>
+    </p:spTree>
+    <p:extLst>
+      <p:ext uri="{BB962C8B-B14F-4D97-AF65-F5344CB8AC3E}">
+        <p14:creationId xmlns:p14="http://schemas.microsoft.com/office/powerpoint/2010/main" val="4040329480"/>
+      </p:ext>
+    </p:extLst>
+  </p:cSld>
+  <p:clrMapOvr>
+    <a:masterClrMapping/>
+  </p:clrMapOvr>
+</p:sld>
+</file>
+
+<file path=ppt/slides/slide62.xml><?xml version="1.0" encoding="utf-8"?>
+<p:sld xmlns:a="http://schemas.openxmlformats.org/drawingml/2006/main" xmlns:r="http://schemas.openxmlformats.org/officeDocument/2006/relationships" xmlns:p="http://schemas.openxmlformats.org/presentationml/2006/main">
+  <p:cSld>
+    <p:spTree>
+      <p:nvGrpSpPr>
+        <p:cNvPr id="1" name=""/>
+        <p:cNvGrpSpPr/>
+        <p:nvPr/>
+      </p:nvGrpSpPr>
+      <p:grpSpPr>
+        <a:xfrm>
+          <a:off x="0" y="0"/>
+          <a:ext cx="0" cy="0"/>
+          <a:chOff x="0" y="0"/>
+          <a:chExt cx="0" cy="0"/>
+        </a:xfrm>
+      </p:grpSpPr>
+      <p:pic>
+        <p:nvPicPr>
+          <p:cNvPr id="2" name="Picture 1"/>
+          <p:cNvPicPr>
+            <a:picLocks noChangeAspect="1"/>
+          </p:cNvPicPr>
+          <p:nvPr/>
+        </p:nvPicPr>
+        <p:blipFill>
+          <a:blip r:embed="rId2"/>
+          <a:stretch>
+            <a:fillRect/>
+          </a:stretch>
+        </p:blipFill>
+        <p:spPr>
+          <a:xfrm>
+            <a:off x="289768" y="576647"/>
+            <a:ext cx="5509669" cy="5930599"/>
+          </a:xfrm>
+          <a:prstGeom prst="rect">
+            <a:avLst/>
+          </a:prstGeom>
+        </p:spPr>
+      </p:pic>
+      <p:sp>
+        <p:nvSpPr>
+          <p:cNvPr id="3" name="TextBox 2"/>
+          <p:cNvSpPr txBox="1"/>
+          <p:nvPr/>
+        </p:nvSpPr>
+        <p:spPr>
+          <a:xfrm>
+            <a:off x="6911546" y="807308"/>
+            <a:ext cx="1373261" cy="1354217"/>
+          </a:xfrm>
+          <a:prstGeom prst="rect">
+            <a:avLst/>
+          </a:prstGeom>
+          <a:noFill/>
+        </p:spPr>
+        <p:txBody>
+          <a:bodyPr wrap="none" rtlCol="0">
+            <a:spAutoFit/>
+          </a:bodyPr>
+          <a:lstStyle/>
+          <a:p>
+            <a:endParaRPr lang="en-US" dirty="0" smtClean="0"/>
+          </a:p>
+          <a:p>
+            <a:r>
+              <a:rPr lang="en-US" sz="3200" b="1" dirty="0" smtClean="0"/>
+              <a:t>Z-table</a:t>
+            </a:r>
+            <a:br>
+              <a:rPr lang="en-US" sz="3200" b="1" dirty="0" smtClean="0"/>
+            </a:br>
+            <a:endParaRPr lang="en-US" sz="3200" b="1" dirty="0"/>
+          </a:p>
+        </p:txBody>
+      </p:sp>
+    </p:spTree>
+    <p:extLst>
+      <p:ext uri="{BB962C8B-B14F-4D97-AF65-F5344CB8AC3E}">
+        <p14:creationId xmlns:p14="http://schemas.microsoft.com/office/powerpoint/2010/main" val="1594077423"/>
+      </p:ext>
+    </p:extLst>
+  </p:cSld>
+  <p:clrMapOvr>
+    <a:masterClrMapping/>
+  </p:clrMapOvr>
+</p:sld>
+</file>
+
+<file path=ppt/slides/slide63.xml><?xml version="1.0" encoding="utf-8"?>
+<p:sld xmlns:a="http://schemas.openxmlformats.org/drawingml/2006/main" xmlns:r="http://schemas.openxmlformats.org/officeDocument/2006/relationships" xmlns:p="http://schemas.openxmlformats.org/presentationml/2006/main">
+  <p:cSld>
+    <p:spTree>
+      <p:nvGrpSpPr>
+        <p:cNvPr id="1" name=""/>
+        <p:cNvGrpSpPr/>
+        <p:nvPr/>
+      </p:nvGrpSpPr>
+      <p:grpSpPr>
+        <a:xfrm>
+          <a:off x="0" y="0"/>
+          <a:ext cx="0" cy="0"/>
+          <a:chOff x="0" y="0"/>
+          <a:chExt cx="0" cy="0"/>
+        </a:xfrm>
+      </p:grpSpPr>
+      <p:pic>
+        <p:nvPicPr>
+          <p:cNvPr id="2" name="Picture 1"/>
+          <p:cNvPicPr>
+            <a:picLocks noChangeAspect="1"/>
+          </p:cNvPicPr>
+          <p:nvPr/>
+        </p:nvPicPr>
+        <p:blipFill>
+          <a:blip r:embed="rId2"/>
+          <a:stretch>
+            <a:fillRect/>
+          </a:stretch>
+        </p:blipFill>
+        <p:spPr>
+          <a:xfrm>
+            <a:off x="2508925" y="1573492"/>
+            <a:ext cx="6659788" cy="4884972"/>
+          </a:xfrm>
+          <a:prstGeom prst="rect">
+            <a:avLst/>
+          </a:prstGeom>
+        </p:spPr>
+      </p:pic>
+      <p:cxnSp>
+        <p:nvCxnSpPr>
+          <p:cNvPr id="3" name="Straight Connector 2"/>
+          <p:cNvCxnSpPr/>
+          <p:nvPr/>
+        </p:nvCxnSpPr>
+        <p:spPr>
+          <a:xfrm>
+            <a:off x="5581136" y="1440432"/>
+            <a:ext cx="1190367" cy="0"/>
+          </a:xfrm>
+          <a:prstGeom prst="line">
+            <a:avLst/>
+          </a:prstGeom>
+          <a:ln w="12700">
+            <a:solidFill>
+              <a:srgbClr val="92D050"/>
+            </a:solidFill>
+          </a:ln>
+        </p:spPr>
+        <p:style>
+          <a:lnRef idx="1">
+            <a:schemeClr val="accent1"/>
+          </a:lnRef>
+          <a:fillRef idx="0">
+            <a:schemeClr val="accent1"/>
+          </a:fillRef>
+          <a:effectRef idx="0">
+            <a:schemeClr val="accent1"/>
+          </a:effectRef>
+          <a:fontRef idx="minor">
+            <a:schemeClr val="tx1"/>
+          </a:fontRef>
+        </p:style>
+      </p:cxnSp>
+      <p:sp>
+        <p:nvSpPr>
+          <p:cNvPr id="4" name="TextBox 3"/>
+          <p:cNvSpPr txBox="1"/>
+          <p:nvPr/>
+        </p:nvSpPr>
+        <p:spPr>
+          <a:xfrm>
+            <a:off x="5798651" y="1040322"/>
+            <a:ext cx="949299" cy="400110"/>
+          </a:xfrm>
+          <a:prstGeom prst="rect">
+            <a:avLst/>
+          </a:prstGeom>
+          <a:noFill/>
+        </p:spPr>
+        <p:txBody>
+          <a:bodyPr wrap="none" rtlCol="0">
+            <a:spAutoFit/>
+          </a:bodyPr>
+          <a:lstStyle/>
+          <a:p>
+            <a:r>
+              <a:rPr lang="en-US" sz="2000" dirty="0" smtClean="0"/>
+              <a:t>~68.2%</a:t>
+            </a:r>
+            <a:endParaRPr lang="en-US" sz="2000" dirty="0"/>
+          </a:p>
+        </p:txBody>
+      </p:sp>
+      <p:cxnSp>
+        <p:nvCxnSpPr>
+          <p:cNvPr id="5" name="Straight Connector 4"/>
+          <p:cNvCxnSpPr/>
+          <p:nvPr/>
+        </p:nvCxnSpPr>
+        <p:spPr>
+          <a:xfrm>
+            <a:off x="4970749" y="987940"/>
+            <a:ext cx="2426830" cy="0"/>
+          </a:xfrm>
+          <a:prstGeom prst="line">
+            <a:avLst/>
+          </a:prstGeom>
+          <a:ln w="12700">
+            <a:solidFill>
+              <a:srgbClr val="D64AC5"/>
+            </a:solidFill>
+          </a:ln>
+        </p:spPr>
+        <p:style>
+          <a:lnRef idx="1">
+            <a:schemeClr val="accent1"/>
+          </a:lnRef>
+          <a:fillRef idx="0">
+            <a:schemeClr val="accent1"/>
+          </a:fillRef>
+          <a:effectRef idx="0">
+            <a:schemeClr val="accent1"/>
+          </a:effectRef>
+          <a:fontRef idx="minor">
+            <a:schemeClr val="tx1"/>
+          </a:fontRef>
+        </p:style>
+      </p:cxnSp>
+      <p:sp>
+        <p:nvSpPr>
+          <p:cNvPr id="6" name="TextBox 5"/>
+          <p:cNvSpPr txBox="1"/>
+          <p:nvPr/>
+        </p:nvSpPr>
+        <p:spPr>
+          <a:xfrm>
+            <a:off x="5798650" y="614022"/>
+            <a:ext cx="949299" cy="400110"/>
+          </a:xfrm>
+          <a:prstGeom prst="rect">
+            <a:avLst/>
+          </a:prstGeom>
+          <a:noFill/>
+        </p:spPr>
+        <p:txBody>
+          <a:bodyPr wrap="none" rtlCol="0">
+            <a:spAutoFit/>
+          </a:bodyPr>
+          <a:lstStyle/>
+          <a:p>
+            <a:r>
+              <a:rPr lang="en-US" sz="2000" dirty="0" smtClean="0"/>
+              <a:t>~95.4%</a:t>
+            </a:r>
+            <a:endParaRPr lang="en-US" sz="2000" dirty="0"/>
+          </a:p>
+        </p:txBody>
+      </p:sp>
+      <p:cxnSp>
+        <p:nvCxnSpPr>
+          <p:cNvPr id="7" name="Straight Connector 6"/>
+          <p:cNvCxnSpPr/>
+          <p:nvPr/>
+        </p:nvCxnSpPr>
+        <p:spPr>
+          <a:xfrm>
+            <a:off x="4441861" y="489552"/>
+            <a:ext cx="3499415" cy="0"/>
+          </a:xfrm>
+          <a:prstGeom prst="line">
+            <a:avLst/>
+          </a:prstGeom>
+          <a:ln w="12700">
+            <a:solidFill>
+              <a:schemeClr val="accent4">
+                <a:lumMod val="60000"/>
+                <a:lumOff val="40000"/>
+              </a:schemeClr>
+            </a:solidFill>
+          </a:ln>
+        </p:spPr>
+        <p:style>
+          <a:lnRef idx="1">
+            <a:schemeClr val="accent1"/>
+          </a:lnRef>
+          <a:fillRef idx="0">
+            <a:schemeClr val="accent1"/>
+          </a:fillRef>
+          <a:effectRef idx="0">
+            <a:schemeClr val="accent1"/>
+          </a:effectRef>
+          <a:fontRef idx="minor">
+            <a:schemeClr val="tx1"/>
+          </a:fontRef>
+        </p:style>
+      </p:cxnSp>
+      <p:sp>
+        <p:nvSpPr>
+          <p:cNvPr id="8" name="TextBox 7"/>
+          <p:cNvSpPr txBox="1"/>
+          <p:nvPr/>
+        </p:nvSpPr>
+        <p:spPr>
+          <a:xfrm>
+            <a:off x="5798649" y="98243"/>
+            <a:ext cx="949299" cy="400110"/>
+          </a:xfrm>
+          <a:prstGeom prst="rect">
+            <a:avLst/>
+          </a:prstGeom>
+          <a:noFill/>
+        </p:spPr>
+        <p:txBody>
+          <a:bodyPr wrap="none" rtlCol="0">
+            <a:spAutoFit/>
+          </a:bodyPr>
+          <a:lstStyle/>
+          <a:p>
+            <a:r>
+              <a:rPr lang="en-US" sz="2000" dirty="0" smtClean="0"/>
+              <a:t>~99.7%</a:t>
+            </a:r>
+            <a:endParaRPr lang="en-US" sz="2000" dirty="0"/>
+          </a:p>
+        </p:txBody>
+      </p:sp>
+      <p:sp>
+        <p:nvSpPr>
+          <p:cNvPr id="9" name="TextBox 8"/>
+          <p:cNvSpPr txBox="1"/>
+          <p:nvPr/>
+        </p:nvSpPr>
+        <p:spPr>
+          <a:xfrm>
+            <a:off x="1614616" y="230659"/>
+            <a:ext cx="1870512" cy="400110"/>
+          </a:xfrm>
+          <a:prstGeom prst="rect">
+            <a:avLst/>
+          </a:prstGeom>
+          <a:noFill/>
+        </p:spPr>
+        <p:txBody>
+          <a:bodyPr wrap="none" rtlCol="0">
+            <a:spAutoFit/>
+          </a:bodyPr>
+          <a:lstStyle/>
+          <a:p>
+            <a:r>
+              <a:rPr lang="en-US" sz="2000" i="1" dirty="0" smtClean="0"/>
+              <a:t>“Empirical Rule”</a:t>
+            </a:r>
+            <a:endParaRPr lang="en-US" sz="2000" i="1" dirty="0"/>
+          </a:p>
+        </p:txBody>
+      </p:sp>
+      <p:sp>
+        <p:nvSpPr>
+          <p:cNvPr id="10" name="TextBox 9"/>
+          <p:cNvSpPr txBox="1"/>
+          <p:nvPr/>
+        </p:nvSpPr>
+        <p:spPr>
+          <a:xfrm>
+            <a:off x="6128377" y="3146854"/>
+            <a:ext cx="643126" cy="400110"/>
+          </a:xfrm>
+          <a:prstGeom prst="rect">
+            <a:avLst/>
+          </a:prstGeom>
+          <a:noFill/>
+        </p:spPr>
+        <p:txBody>
+          <a:bodyPr wrap="none" rtlCol="0">
+            <a:spAutoFit/>
+          </a:bodyPr>
+          <a:lstStyle/>
+          <a:p>
+            <a:pPr algn="ctr"/>
+            <a:r>
+              <a:rPr lang="en-US" sz="2000" b="1" dirty="0" smtClean="0"/>
+              <a:t>34.1</a:t>
+            </a:r>
+          </a:p>
+        </p:txBody>
+      </p:sp>
+      <p:sp>
+        <p:nvSpPr>
+          <p:cNvPr id="11" name="TextBox 10"/>
+          <p:cNvSpPr txBox="1"/>
+          <p:nvPr/>
+        </p:nvSpPr>
+        <p:spPr>
+          <a:xfrm>
+            <a:off x="5548442" y="3138616"/>
+            <a:ext cx="643126" cy="400110"/>
+          </a:xfrm>
+          <a:prstGeom prst="rect">
+            <a:avLst/>
+          </a:prstGeom>
+          <a:noFill/>
+        </p:spPr>
+        <p:txBody>
+          <a:bodyPr wrap="none" rtlCol="0">
+            <a:spAutoFit/>
+          </a:bodyPr>
+          <a:lstStyle/>
+          <a:p>
+            <a:pPr algn="ctr"/>
+            <a:r>
+              <a:rPr lang="en-US" sz="2000" b="1" dirty="0" smtClean="0"/>
+              <a:t>34.1</a:t>
+            </a:r>
+          </a:p>
+        </p:txBody>
+      </p:sp>
+      <p:sp>
+        <p:nvSpPr>
+          <p:cNvPr id="12" name="TextBox 11"/>
+          <p:cNvSpPr txBox="1"/>
+          <p:nvPr/>
+        </p:nvSpPr>
+        <p:spPr>
+          <a:xfrm>
+            <a:off x="4970749" y="5103850"/>
+            <a:ext cx="643126" cy="400110"/>
+          </a:xfrm>
+          <a:prstGeom prst="rect">
+            <a:avLst/>
+          </a:prstGeom>
+          <a:noFill/>
+        </p:spPr>
+        <p:txBody>
+          <a:bodyPr wrap="none" rtlCol="0">
+            <a:spAutoFit/>
+          </a:bodyPr>
+          <a:lstStyle/>
+          <a:p>
+            <a:pPr algn="ctr"/>
+            <a:r>
+              <a:rPr lang="en-US" sz="2000" b="1" dirty="0" smtClean="0"/>
+              <a:t>13.1</a:t>
+            </a:r>
+          </a:p>
+        </p:txBody>
+      </p:sp>
+      <p:sp>
+        <p:nvSpPr>
+          <p:cNvPr id="13" name="TextBox 12"/>
+          <p:cNvSpPr txBox="1"/>
+          <p:nvPr/>
+        </p:nvSpPr>
+        <p:spPr>
+          <a:xfrm>
+            <a:off x="6747948" y="5103850"/>
+            <a:ext cx="643126" cy="400110"/>
+          </a:xfrm>
+          <a:prstGeom prst="rect">
+            <a:avLst/>
+          </a:prstGeom>
+          <a:noFill/>
+        </p:spPr>
+        <p:txBody>
+          <a:bodyPr wrap="none" rtlCol="0">
+            <a:spAutoFit/>
+          </a:bodyPr>
+          <a:lstStyle/>
+          <a:p>
+            <a:pPr algn="ctr"/>
+            <a:r>
+              <a:rPr lang="en-US" sz="2000" b="1" dirty="0" smtClean="0"/>
+              <a:t>13.1</a:t>
+            </a:r>
+          </a:p>
+        </p:txBody>
+      </p:sp>
+      <p:sp>
+        <p:nvSpPr>
+          <p:cNvPr id="14" name="TextBox 13"/>
+          <p:cNvSpPr txBox="1"/>
+          <p:nvPr/>
+        </p:nvSpPr>
+        <p:spPr>
+          <a:xfrm>
+            <a:off x="7391074" y="5436964"/>
+            <a:ext cx="643126" cy="400110"/>
+          </a:xfrm>
+          <a:prstGeom prst="rect">
+            <a:avLst/>
+          </a:prstGeom>
+          <a:noFill/>
+        </p:spPr>
+        <p:txBody>
+          <a:bodyPr wrap="none" rtlCol="0">
+            <a:spAutoFit/>
+          </a:bodyPr>
+          <a:lstStyle/>
+          <a:p>
+            <a:pPr algn="ctr"/>
+            <a:r>
+              <a:rPr lang="en-US" sz="2000" b="1" dirty="0" smtClean="0"/>
+              <a:t>2.15</a:t>
+            </a:r>
+          </a:p>
+        </p:txBody>
+      </p:sp>
+      <p:sp>
+        <p:nvSpPr>
+          <p:cNvPr id="15" name="TextBox 14"/>
+          <p:cNvSpPr txBox="1"/>
+          <p:nvPr/>
+        </p:nvSpPr>
+        <p:spPr>
+          <a:xfrm>
+            <a:off x="4402980" y="5436964"/>
+            <a:ext cx="643126" cy="400110"/>
+          </a:xfrm>
+          <a:prstGeom prst="rect">
+            <a:avLst/>
+          </a:prstGeom>
+          <a:noFill/>
+        </p:spPr>
+        <p:txBody>
+          <a:bodyPr wrap="none" rtlCol="0">
+            <a:spAutoFit/>
+          </a:bodyPr>
+          <a:lstStyle/>
+          <a:p>
+            <a:pPr algn="ctr"/>
+            <a:r>
+              <a:rPr lang="en-US" sz="2000" b="1" dirty="0" smtClean="0"/>
+              <a:t>2.15</a:t>
+            </a:r>
+          </a:p>
+        </p:txBody>
+      </p:sp>
+      <p:sp>
+        <p:nvSpPr>
+          <p:cNvPr id="16" name="Rectangle 15"/>
+          <p:cNvSpPr/>
+          <p:nvPr/>
+        </p:nvSpPr>
+        <p:spPr>
+          <a:xfrm>
+            <a:off x="3402227" y="5997145"/>
+            <a:ext cx="6425514" cy="461319"/>
+          </a:xfrm>
+          <a:prstGeom prst="rect">
+            <a:avLst/>
+          </a:prstGeom>
+          <a:solidFill>
+            <a:schemeClr val="bg1"/>
+          </a:solidFill>
+          <a:ln>
+            <a:solidFill>
+              <a:schemeClr val="bg1"/>
+            </a:solidFill>
+          </a:ln>
+        </p:spPr>
+        <p:style>
+          <a:lnRef idx="2">
+            <a:schemeClr val="accent1">
+              <a:shade val="50000"/>
+            </a:schemeClr>
+          </a:lnRef>
+          <a:fillRef idx="1">
+            <a:schemeClr val="accent1"/>
+          </a:fillRef>
+          <a:effectRef idx="0">
+            <a:schemeClr val="accent1"/>
+          </a:effectRef>
+          <a:fontRef idx="minor">
+            <a:schemeClr val="lt1"/>
+          </a:fontRef>
+        </p:style>
+        <p:txBody>
+          <a:bodyPr rtlCol="0" anchor="ctr"/>
+          <a:lstStyle/>
+          <a:p>
+            <a:pPr algn="ctr"/>
+            <a:endParaRPr lang="en-US" dirty="0"/>
+          </a:p>
+        </p:txBody>
+      </p:sp>
+      <p:sp>
+        <p:nvSpPr>
+          <p:cNvPr id="17" name="TextBox 16"/>
+          <p:cNvSpPr txBox="1"/>
+          <p:nvPr/>
+        </p:nvSpPr>
+        <p:spPr>
+          <a:xfrm>
+            <a:off x="5992615" y="5880561"/>
+            <a:ext cx="367408" cy="523220"/>
+          </a:xfrm>
+          <a:prstGeom prst="rect">
+            <a:avLst/>
+          </a:prstGeom>
+          <a:noFill/>
+        </p:spPr>
+        <p:txBody>
+          <a:bodyPr wrap="none" rtlCol="0">
+            <a:spAutoFit/>
+          </a:bodyPr>
+          <a:lstStyle/>
+          <a:p>
+            <a:r>
+              <a:rPr lang="en-US" sz="2800" b="1" dirty="0" smtClean="0"/>
+              <a:t>0</a:t>
+            </a:r>
+            <a:endParaRPr lang="en-US" b="1" dirty="0"/>
+          </a:p>
+        </p:txBody>
+      </p:sp>
+      <p:sp>
+        <p:nvSpPr>
+          <p:cNvPr id="18" name="TextBox 17"/>
+          <p:cNvSpPr txBox="1"/>
+          <p:nvPr/>
+        </p:nvSpPr>
+        <p:spPr>
+          <a:xfrm>
+            <a:off x="6579974" y="5884362"/>
+            <a:ext cx="367408" cy="523220"/>
+          </a:xfrm>
+          <a:prstGeom prst="rect">
+            <a:avLst/>
+          </a:prstGeom>
+          <a:noFill/>
+        </p:spPr>
+        <p:txBody>
+          <a:bodyPr wrap="none" rtlCol="0">
+            <a:spAutoFit/>
+          </a:bodyPr>
+          <a:lstStyle/>
+          <a:p>
+            <a:r>
+              <a:rPr lang="en-US" sz="2800" b="1" dirty="0"/>
+              <a:t>1</a:t>
+            </a:r>
+            <a:endParaRPr lang="en-US" b="1" dirty="0"/>
+          </a:p>
+        </p:txBody>
+      </p:sp>
+      <p:sp>
+        <p:nvSpPr>
+          <p:cNvPr id="19" name="TextBox 18"/>
+          <p:cNvSpPr txBox="1"/>
+          <p:nvPr/>
+        </p:nvSpPr>
+        <p:spPr>
+          <a:xfrm>
+            <a:off x="7167333" y="5880561"/>
+            <a:ext cx="367408" cy="523220"/>
+          </a:xfrm>
+          <a:prstGeom prst="rect">
+            <a:avLst/>
+          </a:prstGeom>
+          <a:noFill/>
+        </p:spPr>
+        <p:txBody>
+          <a:bodyPr wrap="none" rtlCol="0">
+            <a:spAutoFit/>
+          </a:bodyPr>
+          <a:lstStyle/>
+          <a:p>
+            <a:r>
+              <a:rPr lang="en-US" sz="2800" b="1" dirty="0" smtClean="0"/>
+              <a:t>2</a:t>
+            </a:r>
+            <a:endParaRPr lang="en-US" b="1" dirty="0"/>
+          </a:p>
+        </p:txBody>
+      </p:sp>
+      <p:sp>
+        <p:nvSpPr>
+          <p:cNvPr id="20" name="TextBox 19"/>
+          <p:cNvSpPr txBox="1"/>
+          <p:nvPr/>
+        </p:nvSpPr>
+        <p:spPr>
+          <a:xfrm>
+            <a:off x="7757572" y="5880561"/>
+            <a:ext cx="367408" cy="523220"/>
+          </a:xfrm>
+          <a:prstGeom prst="rect">
+            <a:avLst/>
+          </a:prstGeom>
+          <a:noFill/>
+        </p:spPr>
+        <p:txBody>
+          <a:bodyPr wrap="none" rtlCol="0">
+            <a:spAutoFit/>
+          </a:bodyPr>
+          <a:lstStyle/>
+          <a:p>
+            <a:r>
+              <a:rPr lang="en-US" sz="2800" b="1" dirty="0" smtClean="0"/>
+              <a:t>3</a:t>
+            </a:r>
+            <a:endParaRPr lang="en-US" b="1" dirty="0"/>
+          </a:p>
+        </p:txBody>
+      </p:sp>
+      <p:sp>
+        <p:nvSpPr>
+          <p:cNvPr id="22" name="TextBox 21"/>
+          <p:cNvSpPr txBox="1"/>
+          <p:nvPr/>
+        </p:nvSpPr>
+        <p:spPr>
+          <a:xfrm>
+            <a:off x="4135287" y="5891781"/>
+            <a:ext cx="478016" cy="523220"/>
+          </a:xfrm>
+          <a:prstGeom prst="rect">
+            <a:avLst/>
+          </a:prstGeom>
+          <a:noFill/>
+        </p:spPr>
+        <p:txBody>
+          <a:bodyPr wrap="none" rtlCol="0">
+            <a:spAutoFit/>
+          </a:bodyPr>
+          <a:lstStyle/>
+          <a:p>
+            <a:r>
+              <a:rPr lang="en-US" sz="2800" b="1" dirty="0" smtClean="0"/>
+              <a:t>-3</a:t>
+            </a:r>
+            <a:endParaRPr lang="en-US" b="1" dirty="0"/>
+          </a:p>
+        </p:txBody>
+      </p:sp>
+      <p:sp>
+        <p:nvSpPr>
+          <p:cNvPr id="23" name="TextBox 22"/>
+          <p:cNvSpPr txBox="1"/>
+          <p:nvPr/>
+        </p:nvSpPr>
+        <p:spPr>
+          <a:xfrm>
+            <a:off x="4698331" y="5888799"/>
+            <a:ext cx="478016" cy="523220"/>
+          </a:xfrm>
+          <a:prstGeom prst="rect">
+            <a:avLst/>
+          </a:prstGeom>
+          <a:noFill/>
+        </p:spPr>
+        <p:txBody>
+          <a:bodyPr wrap="none" rtlCol="0">
+            <a:spAutoFit/>
+          </a:bodyPr>
+          <a:lstStyle/>
+          <a:p>
+            <a:r>
+              <a:rPr lang="en-US" sz="2800" b="1" dirty="0"/>
+              <a:t>-</a:t>
+            </a:r>
+            <a:r>
+              <a:rPr lang="en-US" sz="2800" b="1" dirty="0" smtClean="0"/>
+              <a:t>2</a:t>
+            </a:r>
+            <a:endParaRPr lang="en-US" b="1" dirty="0"/>
+          </a:p>
+        </p:txBody>
+      </p:sp>
+      <p:sp>
+        <p:nvSpPr>
+          <p:cNvPr id="24" name="TextBox 23"/>
+          <p:cNvSpPr txBox="1"/>
+          <p:nvPr/>
+        </p:nvSpPr>
+        <p:spPr>
+          <a:xfrm>
+            <a:off x="5344542" y="5867068"/>
+            <a:ext cx="478016" cy="523220"/>
+          </a:xfrm>
+          <a:prstGeom prst="rect">
+            <a:avLst/>
+          </a:prstGeom>
+          <a:noFill/>
+        </p:spPr>
+        <p:txBody>
+          <a:bodyPr wrap="none" rtlCol="0">
+            <a:spAutoFit/>
+          </a:bodyPr>
+          <a:lstStyle/>
+          <a:p>
+            <a:r>
+              <a:rPr lang="en-US" sz="2800" b="1" dirty="0" smtClean="0"/>
+              <a:t>-1</a:t>
+            </a:r>
+            <a:endParaRPr lang="en-US" b="1" dirty="0"/>
+          </a:p>
+        </p:txBody>
+      </p:sp>
+      <p:sp>
+        <p:nvSpPr>
+          <p:cNvPr id="25" name="TextBox 24"/>
+          <p:cNvSpPr txBox="1"/>
+          <p:nvPr/>
+        </p:nvSpPr>
+        <p:spPr>
+          <a:xfrm>
+            <a:off x="6001512" y="6302218"/>
+            <a:ext cx="367408" cy="523220"/>
+          </a:xfrm>
+          <a:prstGeom prst="rect">
+            <a:avLst/>
+          </a:prstGeom>
+          <a:noFill/>
+        </p:spPr>
+        <p:txBody>
+          <a:bodyPr wrap="none" rtlCol="0">
+            <a:spAutoFit/>
+          </a:bodyPr>
+          <a:lstStyle/>
+          <a:p>
+            <a:r>
+              <a:rPr lang="en-US" sz="2800" b="1" dirty="0" smtClean="0"/>
+              <a:t>Z</a:t>
+            </a:r>
+            <a:endParaRPr lang="en-US" b="1" dirty="0"/>
+          </a:p>
+        </p:txBody>
+      </p:sp>
+      <p:sp>
+        <p:nvSpPr>
+          <p:cNvPr id="26" name="Rectangle 25"/>
+          <p:cNvSpPr/>
+          <p:nvPr/>
+        </p:nvSpPr>
+        <p:spPr>
+          <a:xfrm>
+            <a:off x="2100649" y="1342768"/>
+            <a:ext cx="1186248" cy="5069251"/>
+          </a:xfrm>
+          <a:prstGeom prst="rect">
+            <a:avLst/>
+          </a:prstGeom>
+          <a:solidFill>
+            <a:schemeClr val="bg1"/>
+          </a:solidFill>
+          <a:ln>
+            <a:solidFill>
+              <a:schemeClr val="bg1"/>
+            </a:solidFill>
+          </a:ln>
+        </p:spPr>
+        <p:style>
+          <a:lnRef idx="2">
+            <a:schemeClr val="accent1">
+              <a:shade val="50000"/>
+            </a:schemeClr>
+          </a:lnRef>
+          <a:fillRef idx="1">
+            <a:schemeClr val="accent1"/>
+          </a:fillRef>
+          <a:effectRef idx="0">
+            <a:schemeClr val="accent1"/>
+          </a:effectRef>
+          <a:fontRef idx="minor">
+            <a:schemeClr val="lt1"/>
+          </a:fontRef>
+        </p:style>
+        <p:txBody>
+          <a:bodyPr rtlCol="0" anchor="ctr"/>
+          <a:lstStyle/>
+          <a:p>
+            <a:pPr algn="ctr"/>
+            <a:endParaRPr lang="en-US"/>
+          </a:p>
+        </p:txBody>
+      </p:sp>
+    </p:spTree>
+    <p:extLst>
+      <p:ext uri="{BB962C8B-B14F-4D97-AF65-F5344CB8AC3E}">
+        <p14:creationId xmlns:p14="http://schemas.microsoft.com/office/powerpoint/2010/main" val="1240501879"/>
+      </p:ext>
+    </p:extLst>
+  </p:cSld>
+  <p:clrMapOvr>
+    <a:masterClrMapping/>
+  </p:clrMapOvr>
+</p:sld>
+</file>
+
+<file path=ppt/slides/slide64.xml><?xml version="1.0" encoding="utf-8"?>
+<p:sld xmlns:a="http://schemas.openxmlformats.org/drawingml/2006/main" xmlns:r="http://schemas.openxmlformats.org/officeDocument/2006/relationships" xmlns:p="http://schemas.openxmlformats.org/presentationml/2006/main">
+  <p:cSld>
+    <p:spTree>
+      <p:nvGrpSpPr>
+        <p:cNvPr id="1" name=""/>
+        <p:cNvGrpSpPr/>
+        <p:nvPr/>
+      </p:nvGrpSpPr>
+      <p:grpSpPr>
+        <a:xfrm>
+          <a:off x="0" y="0"/>
+          <a:ext cx="0" cy="0"/>
+          <a:chOff x="0" y="0"/>
+          <a:chExt cx="0" cy="0"/>
+        </a:xfrm>
+      </p:grpSpPr>
+      <p:pic>
+        <p:nvPicPr>
+          <p:cNvPr id="2050" name="Picture 2" descr="How to Use the t-Table to Solve Statistics Problems - dummies"/>
+          <p:cNvPicPr>
+            <a:picLocks noChangeAspect="1" noChangeArrowheads="1"/>
+          </p:cNvPicPr>
+          <p:nvPr/>
+        </p:nvPicPr>
+        <p:blipFill>
+          <a:blip r:embed="rId2">
+            <a:extLst>
+              <a:ext uri="{28A0092B-C50C-407E-A947-70E740481C1C}">
+                <a14:useLocalDpi xmlns:a14="http://schemas.microsoft.com/office/drawing/2010/main" val="0"/>
+              </a:ext>
+            </a:extLst>
+          </a:blip>
+          <a:srcRect/>
+          <a:stretch>
+            <a:fillRect/>
+          </a:stretch>
+        </p:blipFill>
+        <p:spPr bwMode="auto">
+          <a:xfrm>
+            <a:off x="336807" y="320375"/>
+            <a:ext cx="4335871" cy="6451129"/>
+          </a:xfrm>
+          <a:prstGeom prst="rect">
+            <a:avLst/>
+          </a:prstGeom>
+          <a:noFill/>
+          <a:extLst>
+            <a:ext uri="{909E8E84-426E-40DD-AFC4-6F175D3DCCD1}">
+              <a14:hiddenFill xmlns:a14="http://schemas.microsoft.com/office/drawing/2010/main">
+                <a:solidFill>
+                  <a:srgbClr val="FFFFFF"/>
+                </a:solidFill>
+              </a14:hiddenFill>
+            </a:ext>
+          </a:extLst>
+        </p:spPr>
+      </p:pic>
+      <p:sp>
+        <p:nvSpPr>
+          <p:cNvPr id="4" name="TextBox 3"/>
+          <p:cNvSpPr txBox="1"/>
+          <p:nvPr/>
+        </p:nvSpPr>
+        <p:spPr>
+          <a:xfrm>
+            <a:off x="5980670" y="1161535"/>
+            <a:ext cx="2603533" cy="461665"/>
+          </a:xfrm>
+          <a:prstGeom prst="rect">
+            <a:avLst/>
+          </a:prstGeom>
+          <a:noFill/>
+        </p:spPr>
+        <p:txBody>
+          <a:bodyPr wrap="none" rtlCol="0">
+            <a:spAutoFit/>
+          </a:bodyPr>
+          <a:lstStyle/>
+          <a:p>
+            <a:r>
+              <a:rPr lang="en-US" sz="2400" b="1" dirty="0" smtClean="0"/>
+              <a:t>t-distribution table</a:t>
+            </a:r>
+            <a:endParaRPr lang="en-US" sz="2400" b="1" dirty="0"/>
+          </a:p>
+        </p:txBody>
+      </p:sp>
+    </p:spTree>
+    <p:extLst>
+      <p:ext uri="{BB962C8B-B14F-4D97-AF65-F5344CB8AC3E}">
+        <p14:creationId xmlns:p14="http://schemas.microsoft.com/office/powerpoint/2010/main" val="3618433917"/>
+      </p:ext>
+    </p:extLst>
+  </p:cSld>
+  <p:clrMapOvr>
+    <a:masterClrMapping/>
+  </p:clrMapOvr>
+</p:sld>
+</file>
+
 <file path=ppt/slides/slide7.xml><?xml version="1.0" encoding="utf-8"?>
 <p:sld xmlns:a="http://schemas.openxmlformats.org/drawingml/2006/main" xmlns:r="http://schemas.openxmlformats.org/officeDocument/2006/relationships" xmlns:p="http://schemas.openxmlformats.org/presentationml/2006/main">
   <p:cSld>
